--- a/2-McMurry/seminario/Reacción de McMurry.pptx
+++ b/2-McMurry/seminario/Reacción de McMurry.pptx
@@ -1739,13 +1739,30 @@
             <a:t> y </a:t>
           </a:r>
           <a:r>
-            <a:rPr lang="en-US" dirty="0" err="1"/>
-            <a:t>rotaevaporación</a:t>
+            <a:rPr lang="en-US" dirty="0" err="1" smtClean="0"/>
+            <a:t>evaporación</a:t>
           </a:r>
           <a:r>
-            <a:rPr lang="en-US" dirty="0"/>
+            <a:rPr lang="en-US" dirty="0" smtClean="0"/>
+            <a:t> a </a:t>
+          </a:r>
+          <a:r>
+            <a:rPr lang="en-US" dirty="0" err="1" smtClean="0"/>
+            <a:t>presión</a:t>
+          </a:r>
+          <a:r>
+            <a:rPr lang="en-US" dirty="0" smtClean="0"/>
+            <a:t> </a:t>
+          </a:r>
+          <a:r>
+            <a:rPr lang="en-US" dirty="0" err="1" smtClean="0"/>
+            <a:t>reducida</a:t>
+          </a:r>
+          <a:r>
+            <a:rPr lang="en-US" dirty="0" smtClean="0"/>
             <a:t>.</a:t>
           </a:r>
+          <a:endParaRPr lang="en-US" dirty="0"/>
         </a:p>
       </dgm:t>
     </dgm:pt>
@@ -1937,6 +1954,13 @@
         </dgm:presLayoutVars>
       </dgm:prSet>
       <dgm:spPr/>
+      <dgm:t>
+        <a:bodyPr/>
+        <a:lstStyle/>
+        <a:p>
+          <a:endParaRPr lang="es-CO"/>
+        </a:p>
+      </dgm:t>
     </dgm:pt>
     <dgm:pt modelId="{4ACF77EA-3FCA-4951-A887-AB3AAEB855AF}" type="pres">
       <dgm:prSet presAssocID="{A70723DE-A2A0-4127-B1D4-C85B1D90FDB1}" presName="composite" presStyleCnt="0"/>
@@ -1950,6 +1974,13 @@
         </dgm:presLayoutVars>
       </dgm:prSet>
       <dgm:spPr/>
+      <dgm:t>
+        <a:bodyPr/>
+        <a:lstStyle/>
+        <a:p>
+          <a:endParaRPr lang="es-CO"/>
+        </a:p>
+      </dgm:t>
     </dgm:pt>
     <dgm:pt modelId="{9B16637D-924D-44FA-BB5A-5D05FA56AF04}" type="pres">
       <dgm:prSet presAssocID="{A70723DE-A2A0-4127-B1D4-C85B1D90FDB1}" presName="descendantText" presStyleLbl="alignAcc1" presStyleIdx="0" presStyleCnt="4" custScaleY="100000">
@@ -1958,6 +1989,13 @@
         </dgm:presLayoutVars>
       </dgm:prSet>
       <dgm:spPr/>
+      <dgm:t>
+        <a:bodyPr/>
+        <a:lstStyle/>
+        <a:p>
+          <a:endParaRPr lang="es-CO"/>
+        </a:p>
+      </dgm:t>
     </dgm:pt>
     <dgm:pt modelId="{ABB3EC4E-C84C-49B8-94A7-3DBD49C403D3}" type="pres">
       <dgm:prSet presAssocID="{A5153C8C-5C5D-4104-9C6C-7257FDCBF23B}" presName="sp" presStyleCnt="0"/>
@@ -1975,6 +2013,13 @@
         </dgm:presLayoutVars>
       </dgm:prSet>
       <dgm:spPr/>
+      <dgm:t>
+        <a:bodyPr/>
+        <a:lstStyle/>
+        <a:p>
+          <a:endParaRPr lang="es-CO"/>
+        </a:p>
+      </dgm:t>
     </dgm:pt>
     <dgm:pt modelId="{F39690DC-D152-46E6-9FA5-FE3F8986CE81}" type="pres">
       <dgm:prSet presAssocID="{FCDB82CE-2D57-46EC-99A3-E4FD195FA563}" presName="descendantText" presStyleLbl="alignAcc1" presStyleIdx="1" presStyleCnt="4" custScaleY="123163">
@@ -1983,6 +2028,13 @@
         </dgm:presLayoutVars>
       </dgm:prSet>
       <dgm:spPr/>
+      <dgm:t>
+        <a:bodyPr/>
+        <a:lstStyle/>
+        <a:p>
+          <a:endParaRPr lang="es-CO"/>
+        </a:p>
+      </dgm:t>
     </dgm:pt>
     <dgm:pt modelId="{C8D2D1E2-3229-4C20-95E6-9F97F88A2F00}" type="pres">
       <dgm:prSet presAssocID="{457C7131-7CA8-4CCC-906A-B5E71FD9FA16}" presName="sp" presStyleCnt="0"/>
@@ -2000,6 +2052,13 @@
         </dgm:presLayoutVars>
       </dgm:prSet>
       <dgm:spPr/>
+      <dgm:t>
+        <a:bodyPr/>
+        <a:lstStyle/>
+        <a:p>
+          <a:endParaRPr lang="es-CO"/>
+        </a:p>
+      </dgm:t>
     </dgm:pt>
     <dgm:pt modelId="{7D83A7F7-A0B4-4E24-A9A9-741E66AEB222}" type="pres">
       <dgm:prSet presAssocID="{9AA255C3-C9EE-4048-A9D0-92A8D6006465}" presName="descendantText" presStyleLbl="alignAcc1" presStyleIdx="2" presStyleCnt="4">
@@ -2008,6 +2067,13 @@
         </dgm:presLayoutVars>
       </dgm:prSet>
       <dgm:spPr/>
+      <dgm:t>
+        <a:bodyPr/>
+        <a:lstStyle/>
+        <a:p>
+          <a:endParaRPr lang="es-CO"/>
+        </a:p>
+      </dgm:t>
     </dgm:pt>
     <dgm:pt modelId="{1D6EA489-5AD7-487D-8107-0A9FA1FAD3B3}" type="pres">
       <dgm:prSet presAssocID="{0438340C-6374-4951-8FF0-84A078F6395E}" presName="sp" presStyleCnt="0"/>
@@ -2025,6 +2091,13 @@
         </dgm:presLayoutVars>
       </dgm:prSet>
       <dgm:spPr/>
+      <dgm:t>
+        <a:bodyPr/>
+        <a:lstStyle/>
+        <a:p>
+          <a:endParaRPr lang="es-CO"/>
+        </a:p>
+      </dgm:t>
     </dgm:pt>
     <dgm:pt modelId="{56D5EFD3-3431-4ABB-9328-4E7C91EAD593}" type="pres">
       <dgm:prSet presAssocID="{8DA02B0A-F09A-4CC3-97EA-15364136EE53}" presName="descendantText" presStyleLbl="alignAcc1" presStyleIdx="3" presStyleCnt="4">
@@ -2033,40 +2106,47 @@
         </dgm:presLayoutVars>
       </dgm:prSet>
       <dgm:spPr/>
+      <dgm:t>
+        <a:bodyPr/>
+        <a:lstStyle/>
+        <a:p>
+          <a:endParaRPr lang="es-CO"/>
+        </a:p>
+      </dgm:t>
     </dgm:pt>
   </dgm:ptLst>
   <dgm:cxnLst>
-    <dgm:cxn modelId="{AAAF4403-1467-4E3A-BE41-7FEB4953B3CE}" srcId="{8DA02B0A-F09A-4CC3-97EA-15364136EE53}" destId="{B1A5CD55-6F8D-4513-8AD3-4BDA9EDE3F94}" srcOrd="1" destOrd="0" parTransId="{5924716F-39C2-4F4C-B0E1-566789902745}" sibTransId="{9C4F9D2F-42EC-4D1F-9A01-E8E898928C1F}"/>
-    <dgm:cxn modelId="{C49FE503-B94E-49CC-93E5-9B5F2BD59773}" type="presOf" srcId="{C27DDAE6-D76A-4CEB-8720-865545EF0E06}" destId="{0EF8465C-2D77-4D72-BA28-819FBB595FE3}" srcOrd="0" destOrd="0" presId="urn:microsoft.com/office/officeart/2005/8/layout/chevron2"/>
-    <dgm:cxn modelId="{EF182708-B804-4A10-903C-30596C4B7A72}" type="presOf" srcId="{9AA255C3-C9EE-4048-A9D0-92A8D6006465}" destId="{203C28E5-6D32-4F13-93D9-344BEE5A8FB4}" srcOrd="0" destOrd="0" presId="urn:microsoft.com/office/officeart/2005/8/layout/chevron2"/>
     <dgm:cxn modelId="{CB723A0A-C2FA-4EC2-92A5-27CA7ACD8CE7}" srcId="{FCDB82CE-2D57-46EC-99A3-E4FD195FA563}" destId="{D73189AA-D988-417B-94F5-7092051280CE}" srcOrd="1" destOrd="0" parTransId="{73F2910F-BBCE-4E06-8809-83EB9C8E8C03}" sibTransId="{5A54F43A-3652-4A0D-B53E-416F8C440FEC}"/>
-    <dgm:cxn modelId="{60A4AB0B-DC22-4384-AEDC-8FF7556CE6A2}" srcId="{9AA255C3-C9EE-4048-A9D0-92A8D6006465}" destId="{12014D8B-EDC6-4113-A55D-307F295388DC}" srcOrd="0" destOrd="0" parTransId="{22093B57-DAAB-4209-BB1C-ABE40B149D1B}" sibTransId="{0234D016-EFED-49D5-91B7-4F68B2A66293}"/>
-    <dgm:cxn modelId="{89DCB00E-E129-4322-A588-BCB25D330EA3}" srcId="{C27DDAE6-D76A-4CEB-8720-865545EF0E06}" destId="{FCDB82CE-2D57-46EC-99A3-E4FD195FA563}" srcOrd="1" destOrd="0" parTransId="{08C088A4-C6A1-4A7F-9EF3-8B72DB475F42}" sibTransId="{457C7131-7CA8-4CCC-906A-B5E71FD9FA16}"/>
-    <dgm:cxn modelId="{9081E611-0E27-4773-BC8D-AF43C2285E3D}" srcId="{C27DDAE6-D76A-4CEB-8720-865545EF0E06}" destId="{9AA255C3-C9EE-4048-A9D0-92A8D6006465}" srcOrd="2" destOrd="0" parTransId="{3C537B3B-D1CE-445D-9156-E6FA4CFB9281}" sibTransId="{0438340C-6374-4951-8FF0-84A078F6395E}"/>
+    <dgm:cxn modelId="{F28D2E2D-5ED2-411F-BD1E-E4CD390F1531}" type="presOf" srcId="{A70723DE-A2A0-4127-B1D4-C85B1D90FDB1}" destId="{8D449E2F-AC45-4D53-89CB-245FA3F05FF3}" srcOrd="0" destOrd="0" presId="urn:microsoft.com/office/officeart/2005/8/layout/chevron2"/>
+    <dgm:cxn modelId="{1E18C747-60F3-4606-9DD8-27ED6EFDF456}" type="presOf" srcId="{8DA02B0A-F09A-4CC3-97EA-15364136EE53}" destId="{DF990E23-59F4-43AF-A899-39184D358677}" srcOrd="0" destOrd="0" presId="urn:microsoft.com/office/officeart/2005/8/layout/chevron2"/>
+    <dgm:cxn modelId="{2BA317C1-3125-4950-BEAC-C8D048A344A3}" type="presOf" srcId="{D73189AA-D988-417B-94F5-7092051280CE}" destId="{F39690DC-D152-46E6-9FA5-FE3F8986CE81}" srcOrd="0" destOrd="2" presId="urn:microsoft.com/office/officeart/2005/8/layout/chevron2"/>
+    <dgm:cxn modelId="{53A234AE-8C3D-42E1-BE43-9020B88C22AE}" type="presOf" srcId="{E8E8F9F1-6616-4C58-B06E-9DA1C6CEF61F}" destId="{F39690DC-D152-46E6-9FA5-FE3F8986CE81}" srcOrd="0" destOrd="1" presId="urn:microsoft.com/office/officeart/2005/8/layout/chevron2"/>
+    <dgm:cxn modelId="{94460E19-3457-4C49-AB4A-A40832EFE8CA}" srcId="{8DA02B0A-F09A-4CC3-97EA-15364136EE53}" destId="{1F20D538-F37A-4CAB-AFA0-C3E32E1AE30A}" srcOrd="0" destOrd="0" parTransId="{CD30DB80-7195-4E5D-9310-E46D907A1FE3}" sibTransId="{777678C3-4CC5-4FCE-9148-C15FA8A4073B}"/>
+    <dgm:cxn modelId="{6EBACE6D-D718-4778-9E20-B42527280B95}" type="presOf" srcId="{C91A23EB-ECA0-4253-B00E-39006246EB40}" destId="{7D83A7F7-A0B4-4E24-A9A9-741E66AEB222}" srcOrd="0" destOrd="2" presId="urn:microsoft.com/office/officeart/2005/8/layout/chevron2"/>
     <dgm:cxn modelId="{3178A012-5864-4607-8CB5-618C68D46867}" srcId="{FCDB82CE-2D57-46EC-99A3-E4FD195FA563}" destId="{CEF33A41-439F-44E3-817B-B24E2F03C884}" srcOrd="2" destOrd="0" parTransId="{9452A6E4-207F-4C49-9627-F7D251AC104B}" sibTransId="{297C0078-0AC3-4F92-8AEB-A24346665A31}"/>
-    <dgm:cxn modelId="{46EF9E14-AD17-41EF-B5A0-DD54E9755ED5}" srcId="{9AA255C3-C9EE-4048-A9D0-92A8D6006465}" destId="{34D73D66-79D9-44E0-A536-B42CAFE66938}" srcOrd="1" destOrd="0" parTransId="{F0388E59-CEB7-4AEA-BDC1-ADED54DA333D}" sibTransId="{6EEA123E-5687-458A-8AE6-C7C9A7697809}"/>
-    <dgm:cxn modelId="{7D051017-C5F4-4F60-8671-AEADC13FD8E8}" type="presOf" srcId="{FCDB82CE-2D57-46EC-99A3-E4FD195FA563}" destId="{31A02029-CFE8-4458-9EA4-A164B81BFEF9}" srcOrd="0" destOrd="0" presId="urn:microsoft.com/office/officeart/2005/8/layout/chevron2"/>
-    <dgm:cxn modelId="{94460E19-3457-4C49-AB4A-A40832EFE8CA}" srcId="{8DA02B0A-F09A-4CC3-97EA-15364136EE53}" destId="{1F20D538-F37A-4CAB-AFA0-C3E32E1AE30A}" srcOrd="0" destOrd="0" parTransId="{CD30DB80-7195-4E5D-9310-E46D907A1FE3}" sibTransId="{777678C3-4CC5-4FCE-9148-C15FA8A4073B}"/>
-    <dgm:cxn modelId="{B93A8A24-9F72-4689-AAFD-7CFDB917B9DA}" srcId="{FCDB82CE-2D57-46EC-99A3-E4FD195FA563}" destId="{A4FF4BE5-22CC-436E-B245-09BF412A9CBA}" srcOrd="0" destOrd="0" parTransId="{B48FA96F-4C30-43F9-85AB-BB9EA5F1374C}" sibTransId="{C49150BE-F26E-4F1F-B077-BD126A9EC485}"/>
-    <dgm:cxn modelId="{F28D2E2D-5ED2-411F-BD1E-E4CD390F1531}" type="presOf" srcId="{A70723DE-A2A0-4127-B1D4-C85B1D90FDB1}" destId="{8D449E2F-AC45-4D53-89CB-245FA3F05FF3}" srcOrd="0" destOrd="0" presId="urn:microsoft.com/office/officeart/2005/8/layout/chevron2"/>
-    <dgm:cxn modelId="{865D152F-77AA-42DA-96C2-A0C389475DF2}" type="presOf" srcId="{B1A5CD55-6F8D-4513-8AD3-4BDA9EDE3F94}" destId="{56D5EFD3-3431-4ABB-9328-4E7C91EAD593}" srcOrd="0" destOrd="1" presId="urn:microsoft.com/office/officeart/2005/8/layout/chevron2"/>
-    <dgm:cxn modelId="{257FBB40-8A0D-4E16-AB3C-723C2B843191}" type="presOf" srcId="{1F20D538-F37A-4CAB-AFA0-C3E32E1AE30A}" destId="{56D5EFD3-3431-4ABB-9328-4E7C91EAD593}" srcOrd="0" destOrd="0" presId="urn:microsoft.com/office/officeart/2005/8/layout/chevron2"/>
-    <dgm:cxn modelId="{2E707E44-6DAE-4E87-8C2B-823F05FF6C8D}" type="presOf" srcId="{12014D8B-EDC6-4113-A55D-307F295388DC}" destId="{7D83A7F7-A0B4-4E24-A9A9-741E66AEB222}" srcOrd="0" destOrd="0" presId="urn:microsoft.com/office/officeart/2005/8/layout/chevron2"/>
-    <dgm:cxn modelId="{DDE69E44-8D87-43FE-AE98-1FD87E945879}" type="presOf" srcId="{CEF33A41-439F-44E3-817B-B24E2F03C884}" destId="{F39690DC-D152-46E6-9FA5-FE3F8986CE81}" srcOrd="0" destOrd="4" presId="urn:microsoft.com/office/officeart/2005/8/layout/chevron2"/>
-    <dgm:cxn modelId="{1E18C747-60F3-4606-9DD8-27ED6EFDF456}" type="presOf" srcId="{8DA02B0A-F09A-4CC3-97EA-15364136EE53}" destId="{DF990E23-59F4-43AF-A899-39184D358677}" srcOrd="0" destOrd="0" presId="urn:microsoft.com/office/officeart/2005/8/layout/chevron2"/>
-    <dgm:cxn modelId="{7D8C0A4C-216C-407D-B580-7FDEB349A1F6}" srcId="{A70723DE-A2A0-4127-B1D4-C85B1D90FDB1}" destId="{F4191204-04A3-4DD7-A8F8-4911C7A9424D}" srcOrd="0" destOrd="0" parTransId="{6DC56A41-3B40-4761-8C00-53BB14469F60}" sibTransId="{B3B0AFA6-C377-4829-92A8-2B6E65B2AB38}"/>
-    <dgm:cxn modelId="{6EBACE6D-D718-4778-9E20-B42527280B95}" type="presOf" srcId="{C91A23EB-ECA0-4253-B00E-39006246EB40}" destId="{7D83A7F7-A0B4-4E24-A9A9-741E66AEB222}" srcOrd="0" destOrd="2" presId="urn:microsoft.com/office/officeart/2005/8/layout/chevron2"/>
-    <dgm:cxn modelId="{1B9E1081-B472-40EA-BF27-286429C39507}" type="presOf" srcId="{A4FF4BE5-22CC-436E-B245-09BF412A9CBA}" destId="{F39690DC-D152-46E6-9FA5-FE3F8986CE81}" srcOrd="0" destOrd="0" presId="urn:microsoft.com/office/officeart/2005/8/layout/chevron2"/>
+    <dgm:cxn modelId="{85DA17B5-F258-454F-A5AE-0478F3CD62C8}" srcId="{C27DDAE6-D76A-4CEB-8720-865545EF0E06}" destId="{A70723DE-A2A0-4127-B1D4-C85B1D90FDB1}" srcOrd="0" destOrd="0" parTransId="{F1ECD5FB-5899-43D6-BE30-E681C6B96EC2}" sibTransId="{A5153C8C-5C5D-4104-9C6C-7257FDCBF23B}"/>
+    <dgm:cxn modelId="{715760E0-27A9-42E3-9E7D-23D0F2C4B60C}" type="presOf" srcId="{314732FA-7173-4D6E-9DD4-39E40D3D5100}" destId="{F39690DC-D152-46E6-9FA5-FE3F8986CE81}" srcOrd="0" destOrd="3" presId="urn:microsoft.com/office/officeart/2005/8/layout/chevron2"/>
     <dgm:cxn modelId="{F3C0DE8B-9B4F-4059-A563-AEFEA4A92836}" srcId="{9AA255C3-C9EE-4048-A9D0-92A8D6006465}" destId="{C91A23EB-ECA0-4253-B00E-39006246EB40}" srcOrd="2" destOrd="0" parTransId="{8C4679DF-0AE3-4693-A70C-40D2F5DCD030}" sibTransId="{30CDD7D6-F524-4969-86C8-95A543BAE485}"/>
     <dgm:cxn modelId="{052BB792-37DC-4B00-A5FB-A0BDD5E3460F}" type="presOf" srcId="{34D73D66-79D9-44E0-A536-B42CAFE66938}" destId="{7D83A7F7-A0B4-4E24-A9A9-741E66AEB222}" srcOrd="0" destOrd="1" presId="urn:microsoft.com/office/officeart/2005/8/layout/chevron2"/>
+    <dgm:cxn modelId="{9081E611-0E27-4773-BC8D-AF43C2285E3D}" srcId="{C27DDAE6-D76A-4CEB-8720-865545EF0E06}" destId="{9AA255C3-C9EE-4048-A9D0-92A8D6006465}" srcOrd="2" destOrd="0" parTransId="{3C537B3B-D1CE-445D-9156-E6FA4CFB9281}" sibTransId="{0438340C-6374-4951-8FF0-84A078F6395E}"/>
+    <dgm:cxn modelId="{89DCB00E-E129-4322-A588-BCB25D330EA3}" srcId="{C27DDAE6-D76A-4CEB-8720-865545EF0E06}" destId="{FCDB82CE-2D57-46EC-99A3-E4FD195FA563}" srcOrd="1" destOrd="0" parTransId="{08C088A4-C6A1-4A7F-9EF3-8B72DB475F42}" sibTransId="{457C7131-7CA8-4CCC-906A-B5E71FD9FA16}"/>
+    <dgm:cxn modelId="{257FBB40-8A0D-4E16-AB3C-723C2B843191}" type="presOf" srcId="{1F20D538-F37A-4CAB-AFA0-C3E32E1AE30A}" destId="{56D5EFD3-3431-4ABB-9328-4E7C91EAD593}" srcOrd="0" destOrd="0" presId="urn:microsoft.com/office/officeart/2005/8/layout/chevron2"/>
+    <dgm:cxn modelId="{60A4AB0B-DC22-4384-AEDC-8FF7556CE6A2}" srcId="{9AA255C3-C9EE-4048-A9D0-92A8D6006465}" destId="{12014D8B-EDC6-4113-A55D-307F295388DC}" srcOrd="0" destOrd="0" parTransId="{22093B57-DAAB-4209-BB1C-ABE40B149D1B}" sibTransId="{0234D016-EFED-49D5-91B7-4F68B2A66293}"/>
+    <dgm:cxn modelId="{1B9E1081-B472-40EA-BF27-286429C39507}" type="presOf" srcId="{A4FF4BE5-22CC-436E-B245-09BF412A9CBA}" destId="{F39690DC-D152-46E6-9FA5-FE3F8986CE81}" srcOrd="0" destOrd="0" presId="urn:microsoft.com/office/officeart/2005/8/layout/chevron2"/>
+    <dgm:cxn modelId="{DDE69E44-8D87-43FE-AE98-1FD87E945879}" type="presOf" srcId="{CEF33A41-439F-44E3-817B-B24E2F03C884}" destId="{F39690DC-D152-46E6-9FA5-FE3F8986CE81}" srcOrd="0" destOrd="4" presId="urn:microsoft.com/office/officeart/2005/8/layout/chevron2"/>
+    <dgm:cxn modelId="{314E3CCA-08E0-4E0C-BE87-B311CA2AE5B2}" srcId="{D73189AA-D988-417B-94F5-7092051280CE}" destId="{314732FA-7173-4D6E-9DD4-39E40D3D5100}" srcOrd="0" destOrd="0" parTransId="{70C94DE7-1F9C-4C58-9143-B6C83075E39D}" sibTransId="{BEF6873E-1104-46B9-A9CE-73B09DB993FA}"/>
+    <dgm:cxn modelId="{100033BB-5481-487D-A994-3BE61506A8E0}" srcId="{C27DDAE6-D76A-4CEB-8720-865545EF0E06}" destId="{8DA02B0A-F09A-4CC3-97EA-15364136EE53}" srcOrd="3" destOrd="0" parTransId="{0BFD2D7D-2843-4790-832C-401F16804F45}" sibTransId="{CF5CFA14-C4CA-4DC2-AC80-F230178C0295}"/>
+    <dgm:cxn modelId="{EF182708-B804-4A10-903C-30596C4B7A72}" type="presOf" srcId="{9AA255C3-C9EE-4048-A9D0-92A8D6006465}" destId="{203C28E5-6D32-4F13-93D9-344BEE5A8FB4}" srcOrd="0" destOrd="0" presId="urn:microsoft.com/office/officeart/2005/8/layout/chevron2"/>
+    <dgm:cxn modelId="{2E707E44-6DAE-4E87-8C2B-823F05FF6C8D}" type="presOf" srcId="{12014D8B-EDC6-4113-A55D-307F295388DC}" destId="{7D83A7F7-A0B4-4E24-A9A9-741E66AEB222}" srcOrd="0" destOrd="0" presId="urn:microsoft.com/office/officeart/2005/8/layout/chevron2"/>
+    <dgm:cxn modelId="{E263D8C7-017F-4675-8BFC-E22E2DF691D8}" type="presOf" srcId="{F4191204-04A3-4DD7-A8F8-4911C7A9424D}" destId="{9B16637D-924D-44FA-BB5A-5D05FA56AF04}" srcOrd="0" destOrd="0" presId="urn:microsoft.com/office/officeart/2005/8/layout/chevron2"/>
+    <dgm:cxn modelId="{7D051017-C5F4-4F60-8671-AEADC13FD8E8}" type="presOf" srcId="{FCDB82CE-2D57-46EC-99A3-E4FD195FA563}" destId="{31A02029-CFE8-4458-9EA4-A164B81BFEF9}" srcOrd="0" destOrd="0" presId="urn:microsoft.com/office/officeart/2005/8/layout/chevron2"/>
+    <dgm:cxn modelId="{865D152F-77AA-42DA-96C2-A0C389475DF2}" type="presOf" srcId="{B1A5CD55-6F8D-4513-8AD3-4BDA9EDE3F94}" destId="{56D5EFD3-3431-4ABB-9328-4E7C91EAD593}" srcOrd="0" destOrd="1" presId="urn:microsoft.com/office/officeart/2005/8/layout/chevron2"/>
+    <dgm:cxn modelId="{B93A8A24-9F72-4689-AAFD-7CFDB917B9DA}" srcId="{FCDB82CE-2D57-46EC-99A3-E4FD195FA563}" destId="{A4FF4BE5-22CC-436E-B245-09BF412A9CBA}" srcOrd="0" destOrd="0" parTransId="{B48FA96F-4C30-43F9-85AB-BB9EA5F1374C}" sibTransId="{C49150BE-F26E-4F1F-B077-BD126A9EC485}"/>
+    <dgm:cxn modelId="{C49FE503-B94E-49CC-93E5-9B5F2BD59773}" type="presOf" srcId="{C27DDAE6-D76A-4CEB-8720-865545EF0E06}" destId="{0EF8465C-2D77-4D72-BA28-819FBB595FE3}" srcOrd="0" destOrd="0" presId="urn:microsoft.com/office/officeart/2005/8/layout/chevron2"/>
     <dgm:cxn modelId="{E6305D9E-6472-470D-871F-92B1BFD76CEB}" srcId="{A4FF4BE5-22CC-436E-B245-09BF412A9CBA}" destId="{E8E8F9F1-6616-4C58-B06E-9DA1C6CEF61F}" srcOrd="0" destOrd="0" parTransId="{DC86A337-BD2A-4906-B2EF-D5A8D9910180}" sibTransId="{BC13F6CD-BD38-4C48-AA03-689E198F1561}"/>
-    <dgm:cxn modelId="{53A234AE-8C3D-42E1-BE43-9020B88C22AE}" type="presOf" srcId="{E8E8F9F1-6616-4C58-B06E-9DA1C6CEF61F}" destId="{F39690DC-D152-46E6-9FA5-FE3F8986CE81}" srcOrd="0" destOrd="1" presId="urn:microsoft.com/office/officeart/2005/8/layout/chevron2"/>
-    <dgm:cxn modelId="{85DA17B5-F258-454F-A5AE-0478F3CD62C8}" srcId="{C27DDAE6-D76A-4CEB-8720-865545EF0E06}" destId="{A70723DE-A2A0-4127-B1D4-C85B1D90FDB1}" srcOrd="0" destOrd="0" parTransId="{F1ECD5FB-5899-43D6-BE30-E681C6B96EC2}" sibTransId="{A5153C8C-5C5D-4104-9C6C-7257FDCBF23B}"/>
-    <dgm:cxn modelId="{100033BB-5481-487D-A994-3BE61506A8E0}" srcId="{C27DDAE6-D76A-4CEB-8720-865545EF0E06}" destId="{8DA02B0A-F09A-4CC3-97EA-15364136EE53}" srcOrd="3" destOrd="0" parTransId="{0BFD2D7D-2843-4790-832C-401F16804F45}" sibTransId="{CF5CFA14-C4CA-4DC2-AC80-F230178C0295}"/>
-    <dgm:cxn modelId="{2BA317C1-3125-4950-BEAC-C8D048A344A3}" type="presOf" srcId="{D73189AA-D988-417B-94F5-7092051280CE}" destId="{F39690DC-D152-46E6-9FA5-FE3F8986CE81}" srcOrd="0" destOrd="2" presId="urn:microsoft.com/office/officeart/2005/8/layout/chevron2"/>
-    <dgm:cxn modelId="{E263D8C7-017F-4675-8BFC-E22E2DF691D8}" type="presOf" srcId="{F4191204-04A3-4DD7-A8F8-4911C7A9424D}" destId="{9B16637D-924D-44FA-BB5A-5D05FA56AF04}" srcOrd="0" destOrd="0" presId="urn:microsoft.com/office/officeart/2005/8/layout/chevron2"/>
-    <dgm:cxn modelId="{314E3CCA-08E0-4E0C-BE87-B311CA2AE5B2}" srcId="{D73189AA-D988-417B-94F5-7092051280CE}" destId="{314732FA-7173-4D6E-9DD4-39E40D3D5100}" srcOrd="0" destOrd="0" parTransId="{70C94DE7-1F9C-4C58-9143-B6C83075E39D}" sibTransId="{BEF6873E-1104-46B9-A9CE-73B09DB993FA}"/>
-    <dgm:cxn modelId="{715760E0-27A9-42E3-9E7D-23D0F2C4B60C}" type="presOf" srcId="{314732FA-7173-4D6E-9DD4-39E40D3D5100}" destId="{F39690DC-D152-46E6-9FA5-FE3F8986CE81}" srcOrd="0" destOrd="3" presId="urn:microsoft.com/office/officeart/2005/8/layout/chevron2"/>
+    <dgm:cxn modelId="{AAAF4403-1467-4E3A-BE41-7FEB4953B3CE}" srcId="{8DA02B0A-F09A-4CC3-97EA-15364136EE53}" destId="{B1A5CD55-6F8D-4513-8AD3-4BDA9EDE3F94}" srcOrd="1" destOrd="0" parTransId="{5924716F-39C2-4F4C-B0E1-566789902745}" sibTransId="{9C4F9D2F-42EC-4D1F-9A01-E8E898928C1F}"/>
+    <dgm:cxn modelId="{7D8C0A4C-216C-407D-B580-7FDEB349A1F6}" srcId="{A70723DE-A2A0-4127-B1D4-C85B1D90FDB1}" destId="{F4191204-04A3-4DD7-A8F8-4911C7A9424D}" srcOrd="0" destOrd="0" parTransId="{6DC56A41-3B40-4761-8C00-53BB14469F60}" sibTransId="{B3B0AFA6-C377-4829-92A8-2B6E65B2AB38}"/>
+    <dgm:cxn modelId="{46EF9E14-AD17-41EF-B5A0-DD54E9755ED5}" srcId="{9AA255C3-C9EE-4048-A9D0-92A8D6006465}" destId="{34D73D66-79D9-44E0-A536-B42CAFE66938}" srcOrd="1" destOrd="0" parTransId="{F0388E59-CEB7-4AEA-BDC1-ADED54DA333D}" sibTransId="{6EEA123E-5687-458A-8AE6-C7C9A7697809}"/>
     <dgm:cxn modelId="{7E84874C-5466-442F-8EF8-547ED33030FE}" type="presParOf" srcId="{0EF8465C-2D77-4D72-BA28-819FBB595FE3}" destId="{4ACF77EA-3FCA-4951-A887-AB3AAEB855AF}" srcOrd="0" destOrd="0" presId="urn:microsoft.com/office/officeart/2005/8/layout/chevron2"/>
     <dgm:cxn modelId="{B4A75F93-17A8-4132-AAAF-CD515BE0D5C8}" type="presParOf" srcId="{4ACF77EA-3FCA-4951-A887-AB3AAEB855AF}" destId="{8D449E2F-AC45-4D53-89CB-245FA3F05FF3}" srcOrd="0" destOrd="0" presId="urn:microsoft.com/office/officeart/2005/8/layout/chevron2"/>
     <dgm:cxn modelId="{4D26820E-4604-4DF9-B537-5F5398D50E83}" type="presParOf" srcId="{4ACF77EA-3FCA-4951-A887-AB3AAEB855AF}" destId="{9B16637D-924D-44FA-BB5A-5D05FA56AF04}" srcOrd="1" destOrd="0" presId="urn:microsoft.com/office/officeart/2005/8/layout/chevron2"/>
@@ -2178,7 +2258,7 @@
         </a:bodyPr>
         <a:lstStyle/>
         <a:p>
-          <a:pPr marL="0" lvl="0" indent="0" algn="ctr" defTabSz="533400">
+          <a:pPr lvl="0" algn="ctr" defTabSz="533400">
             <a:lnSpc>
               <a:spcPct val="90000"/>
             </a:lnSpc>
@@ -2188,7 +2268,6 @@
             <a:spcAft>
               <a:spcPct val="35000"/>
             </a:spcAft>
-            <a:buNone/>
           </a:pPr>
           <a:r>
             <a:rPr lang="en-US" sz="1200" b="1" kern="1200" dirty="0" err="1"/>
@@ -2271,7 +2350,7 @@
             <a:spcAft>
               <a:spcPct val="15000"/>
             </a:spcAft>
-            <a:buChar char="•"/>
+            <a:buChar char="••"/>
           </a:pPr>
           <a:r>
             <a:rPr lang="en-US" sz="1000" kern="1200" dirty="0"/>
@@ -2385,7 +2464,7 @@
         </a:bodyPr>
         <a:lstStyle/>
         <a:p>
-          <a:pPr marL="0" lvl="0" indent="0" algn="ctr" defTabSz="533400">
+          <a:pPr lvl="0" algn="ctr" defTabSz="533400">
             <a:lnSpc>
               <a:spcPct val="90000"/>
             </a:lnSpc>
@@ -2395,7 +2474,6 @@
             <a:spcAft>
               <a:spcPct val="35000"/>
             </a:spcAft>
-            <a:buNone/>
           </a:pPr>
           <a:r>
             <a:rPr lang="en-US" sz="1200" b="1" kern="1200" dirty="0" err="1"/>
@@ -2478,7 +2556,7 @@
             <a:spcAft>
               <a:spcPct val="15000"/>
             </a:spcAft>
-            <a:buChar char="•"/>
+            <a:buChar char="••"/>
           </a:pPr>
           <a:r>
             <a:rPr lang="en-US" sz="1000" kern="1200" dirty="0"/>
@@ -2536,7 +2614,7 @@
             <a:spcAft>
               <a:spcPct val="15000"/>
             </a:spcAft>
-            <a:buChar char="•"/>
+            <a:buChar char="••"/>
           </a:pPr>
           <a:r>
             <a:rPr lang="en-US" sz="1000" kern="1200" dirty="0" err="1"/>
@@ -2566,7 +2644,7 @@
             <a:spcAft>
               <a:spcPct val="15000"/>
             </a:spcAft>
-            <a:buChar char="•"/>
+            <a:buChar char="••"/>
           </a:pPr>
           <a:r>
             <a:rPr lang="en-US" sz="1000" kern="1200" dirty="0" err="1"/>
@@ -2604,7 +2682,7 @@
             <a:spcAft>
               <a:spcPct val="15000"/>
             </a:spcAft>
-            <a:buChar char="•"/>
+            <a:buChar char="••"/>
           </a:pPr>
           <a:r>
             <a:rPr lang="en-US" sz="1000" kern="1200" dirty="0" err="1"/>
@@ -2650,7 +2728,7 @@
             <a:spcAft>
               <a:spcPct val="15000"/>
             </a:spcAft>
-            <a:buChar char="•"/>
+            <a:buChar char="••"/>
           </a:pPr>
           <a:r>
             <a:rPr lang="en-US" sz="1000" kern="1200" dirty="0" err="1"/>
@@ -2752,7 +2830,7 @@
         </a:bodyPr>
         <a:lstStyle/>
         <a:p>
-          <a:pPr marL="0" lvl="0" indent="0" algn="ctr" defTabSz="533400">
+          <a:pPr lvl="0" algn="ctr" defTabSz="533400">
             <a:lnSpc>
               <a:spcPct val="90000"/>
             </a:lnSpc>
@@ -2762,7 +2840,6 @@
             <a:spcAft>
               <a:spcPct val="35000"/>
             </a:spcAft>
-            <a:buNone/>
           </a:pPr>
           <a:r>
             <a:rPr lang="en-US" sz="1200" b="1" kern="1200" dirty="0" err="1"/>
@@ -2845,7 +2922,7 @@
             <a:spcAft>
               <a:spcPct val="15000"/>
             </a:spcAft>
-            <a:buChar char="•"/>
+            <a:buChar char="••"/>
           </a:pPr>
           <a:r>
             <a:rPr lang="en-US" sz="1000" kern="1200" dirty="0" err="1"/>
@@ -2883,7 +2960,7 @@
             <a:spcAft>
               <a:spcPct val="15000"/>
             </a:spcAft>
-            <a:buChar char="•"/>
+            <a:buChar char="••"/>
           </a:pPr>
           <a:r>
             <a:rPr lang="en-US" sz="1000" kern="1200" dirty="0" err="1"/>
@@ -2977,7 +3054,7 @@
             <a:spcAft>
               <a:spcPct val="15000"/>
             </a:spcAft>
-            <a:buChar char="•"/>
+            <a:buChar char="••"/>
           </a:pPr>
           <a:r>
             <a:rPr lang="en-US" sz="1000" kern="1200" dirty="0" err="1"/>
@@ -3012,13 +3089,30 @@
             <a:t> y </a:t>
           </a:r>
           <a:r>
-            <a:rPr lang="en-US" sz="1000" kern="1200" dirty="0" err="1"/>
-            <a:t>rotaevaporación</a:t>
+            <a:rPr lang="en-US" sz="1000" kern="1200" dirty="0" err="1" smtClean="0"/>
+            <a:t>evaporación</a:t>
           </a:r>
           <a:r>
-            <a:rPr lang="en-US" sz="1000" kern="1200" dirty="0"/>
+            <a:rPr lang="en-US" sz="1000" kern="1200" dirty="0" smtClean="0"/>
+            <a:t> a </a:t>
+          </a:r>
+          <a:r>
+            <a:rPr lang="en-US" sz="1000" kern="1200" dirty="0" err="1" smtClean="0"/>
+            <a:t>presión</a:t>
+          </a:r>
+          <a:r>
+            <a:rPr lang="en-US" sz="1000" kern="1200" dirty="0" smtClean="0"/>
+            <a:t> </a:t>
+          </a:r>
+          <a:r>
+            <a:rPr lang="en-US" sz="1000" kern="1200" dirty="0" err="1" smtClean="0"/>
+            <a:t>reducida</a:t>
+          </a:r>
+          <a:r>
+            <a:rPr lang="en-US" sz="1000" kern="1200" dirty="0" smtClean="0"/>
             <a:t>.</a:t>
           </a:r>
+          <a:endParaRPr lang="en-US" sz="1000" kern="1200" dirty="0"/>
         </a:p>
       </dsp:txBody>
       <dsp:txXfrm rot="-5400000">
@@ -3103,7 +3197,7 @@
         </a:bodyPr>
         <a:lstStyle/>
         <a:p>
-          <a:pPr marL="0" lvl="0" indent="0" algn="ctr" defTabSz="533400">
+          <a:pPr lvl="0" algn="ctr" defTabSz="533400">
             <a:lnSpc>
               <a:spcPct val="90000"/>
             </a:lnSpc>
@@ -3113,7 +3207,6 @@
             <a:spcAft>
               <a:spcPct val="35000"/>
             </a:spcAft>
-            <a:buNone/>
           </a:pPr>
           <a:r>
             <a:rPr lang="en-US" sz="1200" b="1" kern="1200" dirty="0" err="1"/>
@@ -3196,7 +3289,7 @@
             <a:spcAft>
               <a:spcPct val="15000"/>
             </a:spcAft>
-            <a:buChar char="•"/>
+            <a:buChar char="••"/>
           </a:pPr>
           <a:r>
             <a:rPr lang="en-US" sz="1000" b="0" kern="1200" dirty="0" err="1"/>
@@ -3258,7 +3351,7 @@
             <a:spcAft>
               <a:spcPct val="15000"/>
             </a:spcAft>
-            <a:buChar char="•"/>
+            <a:buChar char="••"/>
           </a:pPr>
           <a:r>
             <a:rPr lang="en-US" sz="1000" b="0" kern="1200" dirty="0" err="1"/>
@@ -4651,7 +4744,7 @@
           <a:p>
             <a:fld id="{AE23607D-2954-45AB-9B12-F75F7C1EC4F7}" type="datetimeFigureOut">
               <a:rPr lang="en-US" smtClean="0"/>
-              <a:t>9/14/2017</a:t>
+              <a:t>9/15/2017</a:t>
             </a:fld>
             <a:endParaRPr lang="en-US"/>
           </a:p>
@@ -4809,7 +4902,7 @@
           <a:p>
             <a:fld id="{3395A569-96CB-46C3-BFEC-D9AAEB921387}" type="slidenum">
               <a:rPr lang="en-US" smtClean="0"/>
-              <a:t>‹#›</a:t>
+              <a:t>‹Nº›</a:t>
             </a:fld>
             <a:endParaRPr lang="en-US"/>
           </a:p>
@@ -5106,7 +5199,7 @@
           <a:p>
             <a:fld id="{0DF09132-FD06-41DE-98BE-1F7EA0B457A4}" type="datetime1">
               <a:rPr lang="en-US" smtClean="0"/>
-              <a:t>9/14/2017</a:t>
+              <a:t>9/15/2017</a:t>
             </a:fld>
             <a:endParaRPr lang="en-US" dirty="0"/>
           </a:p>
@@ -5236,7 +5329,7 @@
             <a:fld id="{D57F1E4F-1CFF-5643-939E-217C01CDF565}" type="slidenum">
               <a:rPr lang="en-US" dirty="0"/>
               <a:pPr/>
-              <a:t>‹#›</a:t>
+              <a:t>‹Nº›</a:t>
             </a:fld>
             <a:endParaRPr lang="en-US" dirty="0"/>
           </a:p>
@@ -5440,7 +5533,7 @@
           <a:p>
             <a:fld id="{BE8BC478-5DCA-4AB3-8368-C549BD3C24CC}" type="datetime1">
               <a:rPr lang="en-US" smtClean="0"/>
-              <a:t>9/14/2017</a:t>
+              <a:t>9/15/2017</a:t>
             </a:fld>
             <a:endParaRPr lang="en-US" dirty="0"/>
           </a:p>
@@ -5570,7 +5663,7 @@
             <a:fld id="{D57F1E4F-1CFF-5643-939E-217C01CDF565}" type="slidenum">
               <a:rPr lang="en-US" dirty="0"/>
               <a:pPr/>
-              <a:t>‹#›</a:t>
+              <a:t>‹Nº›</a:t>
             </a:fld>
             <a:endParaRPr lang="en-US" dirty="0"/>
           </a:p>
@@ -5837,7 +5930,7 @@
           <a:p>
             <a:fld id="{A23B774D-C468-42F8-9DDF-2CF240CEB37A}" type="datetime1">
               <a:rPr lang="en-US" smtClean="0"/>
-              <a:t>9/14/2017</a:t>
+              <a:t>9/15/2017</a:t>
             </a:fld>
             <a:endParaRPr lang="en-US" dirty="0"/>
           </a:p>
@@ -5967,7 +6060,7 @@
             <a:fld id="{D57F1E4F-1CFF-5643-939E-217C01CDF565}" type="slidenum">
               <a:rPr lang="en-US" dirty="0"/>
               <a:pPr/>
-              <a:t>‹#›</a:t>
+              <a:t>‹Nº›</a:t>
             </a:fld>
             <a:endParaRPr lang="en-US" dirty="0"/>
           </a:p>
@@ -6169,7 +6262,7 @@
           <a:p>
             <a:fld id="{21B7A927-928E-407B-B6A0-39E50365CB7F}" type="datetime1">
               <a:rPr lang="en-US" smtClean="0"/>
-              <a:t>9/14/2017</a:t>
+              <a:t>9/15/2017</a:t>
             </a:fld>
             <a:endParaRPr lang="en-US" dirty="0"/>
           </a:p>
@@ -6299,7 +6392,7 @@
             <a:fld id="{D57F1E4F-1CFF-5643-939E-217C01CDF565}" type="slidenum">
               <a:rPr lang="en-US" dirty="0"/>
               <a:pPr/>
-              <a:t>‹#›</a:t>
+              <a:t>‹Nº›</a:t>
             </a:fld>
             <a:endParaRPr lang="en-US" dirty="0"/>
           </a:p>
@@ -6485,7 +6578,7 @@
           <a:p>
             <a:fld id="{4CB8FBD3-2AD5-40D6-9EE1-CA3FA2871667}" type="datetime1">
               <a:rPr lang="en-US" smtClean="0"/>
-              <a:t>9/14/2017</a:t>
+              <a:t>9/15/2017</a:t>
             </a:fld>
             <a:endParaRPr lang="en-US" dirty="0"/>
           </a:p>
@@ -6615,7 +6708,7 @@
             <a:fld id="{D57F1E4F-1CFF-5643-939E-217C01CDF565}" type="slidenum">
               <a:rPr lang="en-US" dirty="0"/>
               <a:pPr/>
-              <a:t>‹#›</a:t>
+              <a:t>‹Nº›</a:t>
             </a:fld>
             <a:endParaRPr lang="en-US" dirty="0"/>
           </a:p>
@@ -6877,7 +6970,7 @@
           <a:p>
             <a:fld id="{E955132E-79E9-478E-AE84-6C89A3F1CB06}" type="datetime1">
               <a:rPr lang="en-US" smtClean="0"/>
-              <a:t>9/14/2017</a:t>
+              <a:t>9/15/2017</a:t>
             </a:fld>
             <a:endParaRPr lang="en-US" dirty="0"/>
           </a:p>
@@ -7007,7 +7100,7 @@
             <a:fld id="{D57F1E4F-1CFF-5643-939E-217C01CDF565}" type="slidenum">
               <a:rPr lang="en-US" dirty="0"/>
               <a:pPr/>
-              <a:t>‹#›</a:t>
+              <a:t>‹Nº›</a:t>
             </a:fld>
             <a:endParaRPr lang="en-US" dirty="0"/>
           </a:p>
@@ -7130,7 +7223,7 @@
           <a:p>
             <a:fld id="{B5573B49-C449-432F-A3D9-C96731704794}" type="datetime1">
               <a:rPr lang="en-US" smtClean="0"/>
-              <a:t>9/14/2017</a:t>
+              <a:t>9/15/2017</a:t>
             </a:fld>
             <a:endParaRPr lang="en-US" dirty="0"/>
           </a:p>
@@ -7255,7 +7348,7 @@
             <a:fld id="{D57F1E4F-1CFF-5643-939E-217C01CDF565}" type="slidenum">
               <a:rPr lang="en-US" dirty="0"/>
               <a:pPr/>
-              <a:t>‹#›</a:t>
+              <a:t>‹Nº›</a:t>
             </a:fld>
             <a:endParaRPr lang="en-US" dirty="0"/>
           </a:p>
@@ -7388,7 +7481,7 @@
           <a:p>
             <a:fld id="{C147E3B3-E019-4E62-9ADB-FD939F11121B}" type="datetime1">
               <a:rPr lang="en-US" smtClean="0"/>
-              <a:t>9/14/2017</a:t>
+              <a:t>9/15/2017</a:t>
             </a:fld>
             <a:endParaRPr lang="en-US" dirty="0"/>
           </a:p>
@@ -7513,7 +7606,7 @@
             <a:fld id="{D57F1E4F-1CFF-5643-939E-217C01CDF565}" type="slidenum">
               <a:rPr lang="en-US" dirty="0"/>
               <a:pPr/>
-              <a:t>‹#›</a:t>
+              <a:t>‹Nº›</a:t>
             </a:fld>
             <a:endParaRPr lang="en-US" dirty="0"/>
           </a:p>
@@ -7646,7 +7739,7 @@
           <a:p>
             <a:fld id="{899AE99E-88A3-4CEF-A8B9-D2477417CCAE}" type="datetime1">
               <a:rPr lang="en-US" smtClean="0"/>
-              <a:t>9/14/2017</a:t>
+              <a:t>9/15/2017</a:t>
             </a:fld>
             <a:endParaRPr lang="en-US" dirty="0"/>
           </a:p>
@@ -7771,7 +7864,7 @@
             <a:fld id="{D57F1E4F-1CFF-5643-939E-217C01CDF565}" type="slidenum">
               <a:rPr lang="en-US" dirty="0"/>
               <a:pPr/>
-              <a:t>‹#›</a:t>
+              <a:t>‹Nº›</a:t>
             </a:fld>
             <a:endParaRPr lang="en-US" dirty="0"/>
           </a:p>
@@ -7971,7 +8064,7 @@
           <a:p>
             <a:fld id="{F44879E6-1E45-422B-B629-5F99273349AB}" type="datetime1">
               <a:rPr lang="en-US" smtClean="0"/>
-              <a:t>9/14/2017</a:t>
+              <a:t>9/15/2017</a:t>
             </a:fld>
             <a:endParaRPr lang="en-US" dirty="0"/>
           </a:p>
@@ -8101,7 +8194,7 @@
             <a:fld id="{D57F1E4F-1CFF-5643-939E-217C01CDF565}" type="slidenum">
               <a:rPr lang="en-US" dirty="0"/>
               <a:pPr/>
-              <a:t>‹#›</a:t>
+              <a:t>‹Nº›</a:t>
             </a:fld>
             <a:endParaRPr lang="en-US" dirty="0"/>
           </a:p>
@@ -8290,7 +8383,7 @@
           <a:p>
             <a:fld id="{6F8FCF6A-B7B6-465E-90F8-D69FB77FF0AF}" type="datetime1">
               <a:rPr lang="en-US" smtClean="0"/>
-              <a:t>9/14/2017</a:t>
+              <a:t>9/15/2017</a:t>
             </a:fld>
             <a:endParaRPr lang="en-US" dirty="0"/>
           </a:p>
@@ -8420,7 +8513,7 @@
             <a:fld id="{D57F1E4F-1CFF-5643-939E-217C01CDF565}" type="slidenum">
               <a:rPr lang="en-US" dirty="0"/>
               <a:pPr/>
-              <a:t>‹#›</a:t>
+              <a:t>‹Nº›</a:t>
             </a:fld>
             <a:endParaRPr lang="en-US" dirty="0"/>
           </a:p>
@@ -8743,7 +8836,7 @@
           <a:p>
             <a:fld id="{1798C36C-D3D7-44E7-8196-8F247A4614D3}" type="datetime1">
               <a:rPr lang="en-US" smtClean="0"/>
-              <a:t>9/14/2017</a:t>
+              <a:t>9/15/2017</a:t>
             </a:fld>
             <a:endParaRPr lang="en-US" dirty="0"/>
           </a:p>
@@ -8873,7 +8966,7 @@
             <a:fld id="{D57F1E4F-1CFF-5643-939E-217C01CDF565}" type="slidenum">
               <a:rPr lang="en-US" dirty="0"/>
               <a:pPr/>
-              <a:t>‹#›</a:t>
+              <a:t>‹Nº›</a:t>
             </a:fld>
             <a:endParaRPr lang="en-US" dirty="0"/>
           </a:p>
@@ -8944,7 +9037,7 @@
           <a:p>
             <a:fld id="{6F920D92-9C0B-405C-9B31-7D124EFF8A29}" type="datetime1">
               <a:rPr lang="en-US" smtClean="0"/>
-              <a:t>9/14/2017</a:t>
+              <a:t>9/15/2017</a:t>
             </a:fld>
             <a:endParaRPr lang="en-US" dirty="0"/>
           </a:p>
@@ -9069,7 +9162,7 @@
             <a:fld id="{D57F1E4F-1CFF-5643-939E-217C01CDF565}" type="slidenum">
               <a:rPr lang="en-US" dirty="0"/>
               <a:pPr/>
-              <a:t>‹#›</a:t>
+              <a:t>‹Nº›</a:t>
             </a:fld>
             <a:endParaRPr lang="en-US" dirty="0"/>
           </a:p>
@@ -9117,7 +9210,7 @@
           <a:p>
             <a:fld id="{2944C637-2597-43FC-AE44-749743B28690}" type="datetime1">
               <a:rPr lang="en-US" smtClean="0"/>
-              <a:t>9/14/2017</a:t>
+              <a:t>9/15/2017</a:t>
             </a:fld>
             <a:endParaRPr lang="en-US" dirty="0"/>
           </a:p>
@@ -9242,7 +9335,7 @@
             <a:fld id="{D57F1E4F-1CFF-5643-939E-217C01CDF565}" type="slidenum">
               <a:rPr lang="en-US" dirty="0"/>
               <a:pPr/>
-              <a:t>‹#›</a:t>
+              <a:t>‹Nº›</a:t>
             </a:fld>
             <a:endParaRPr lang="en-US" dirty="0"/>
           </a:p>
@@ -9446,7 +9539,7 @@
           <a:p>
             <a:fld id="{9EFFD597-CC90-439D-A91E-EA80AF4B1288}" type="datetime1">
               <a:rPr lang="en-US" smtClean="0"/>
-              <a:t>9/14/2017</a:t>
+              <a:t>9/15/2017</a:t>
             </a:fld>
             <a:endParaRPr lang="en-US" dirty="0"/>
           </a:p>
@@ -9571,7 +9664,7 @@
             <a:fld id="{D57F1E4F-1CFF-5643-939E-217C01CDF565}" type="slidenum">
               <a:rPr lang="en-US" dirty="0"/>
               <a:pPr/>
-              <a:t>‹#›</a:t>
+              <a:t>‹Nº›</a:t>
             </a:fld>
             <a:endParaRPr lang="en-US" dirty="0"/>
           </a:p>
@@ -9787,7 +9880,7 @@
           <a:p>
             <a:fld id="{6E0911EB-4002-4F26-9B08-8C83BE4AE799}" type="datetime1">
               <a:rPr lang="en-US" smtClean="0"/>
-              <a:t>9/14/2017</a:t>
+              <a:t>9/15/2017</a:t>
             </a:fld>
             <a:endParaRPr lang="en-US" dirty="0"/>
           </a:p>
@@ -9917,7 +10010,7 @@
             <a:fld id="{D57F1E4F-1CFF-5643-939E-217C01CDF565}" type="slidenum">
               <a:rPr lang="en-US" dirty="0"/>
               <a:pPr/>
-              <a:t>‹#›</a:t>
+              <a:t>‹Nº›</a:t>
             </a:fld>
             <a:endParaRPr lang="en-US" dirty="0"/>
           </a:p>
@@ -11900,7 +11993,7 @@
           <a:p>
             <a:fld id="{2B4717CD-B517-45F7-8947-62A888D4F90C}" type="datetime1">
               <a:rPr lang="en-US" smtClean="0"/>
-              <a:t>9/14/2017</a:t>
+              <a:t>9/15/2017</a:t>
             </a:fld>
             <a:endParaRPr lang="en-US" dirty="0"/>
           </a:p>
@@ -11977,7 +12070,7 @@
             <a:fld id="{D57F1E4F-1CFF-5643-939E-217C01CDF565}" type="slidenum">
               <a:rPr lang="en-US" dirty="0"/>
               <a:pPr/>
-              <a:t>‹#›</a:t>
+              <a:t>‹Nº›</a:t>
             </a:fld>
             <a:endParaRPr lang="en-US" dirty="0"/>
           </a:p>
@@ -12419,7 +12512,7 @@
           <p:cNvPr id="2" name="Title 1">
             <a:extLst>
               <a:ext uri="{FF2B5EF4-FFF2-40B4-BE49-F238E27FC236}">
-                <a16:creationId xmlns:a16="http://schemas.microsoft.com/office/drawing/2014/main" id="{8909C22C-9BF2-46B7-A76E-994225BFAC45}"/>
+                <a16:creationId xmlns:a16="http://schemas.microsoft.com/office/drawing/2014/main" xmlns="" id="{8909C22C-9BF2-46B7-A76E-994225BFAC45}"/>
               </a:ext>
             </a:extLst>
           </p:cNvPr>
@@ -12451,7 +12544,7 @@
           <p:cNvPr id="3" name="Subtitle 2">
             <a:extLst>
               <a:ext uri="{FF2B5EF4-FFF2-40B4-BE49-F238E27FC236}">
-                <a16:creationId xmlns:a16="http://schemas.microsoft.com/office/drawing/2014/main" id="{9337355B-A71D-4806-85DD-56BEEE385A31}"/>
+                <a16:creationId xmlns:a16="http://schemas.microsoft.com/office/drawing/2014/main" xmlns="" id="{9337355B-A71D-4806-85DD-56BEEE385A31}"/>
               </a:ext>
             </a:extLst>
           </p:cNvPr>
@@ -12508,7 +12601,7 @@
           <p:cNvPr id="5" name="Slide Number Placeholder 4">
             <a:extLst>
               <a:ext uri="{FF2B5EF4-FFF2-40B4-BE49-F238E27FC236}">
-                <a16:creationId xmlns:a16="http://schemas.microsoft.com/office/drawing/2014/main" id="{777D8DE0-DE56-41DD-922C-EA3AFF2F980E}"/>
+                <a16:creationId xmlns:a16="http://schemas.microsoft.com/office/drawing/2014/main" xmlns="" id="{777D8DE0-DE56-41DD-922C-EA3AFF2F980E}"/>
               </a:ext>
             </a:extLst>
           </p:cNvPr>
@@ -12568,7 +12661,7 @@
           <p:cNvPr id="2" name="Title 1">
             <a:extLst>
               <a:ext uri="{FF2B5EF4-FFF2-40B4-BE49-F238E27FC236}">
-                <a16:creationId xmlns:a16="http://schemas.microsoft.com/office/drawing/2014/main" id="{F25B8E26-49D7-43CA-9159-76A91BB78FBA}"/>
+                <a16:creationId xmlns:a16="http://schemas.microsoft.com/office/drawing/2014/main" xmlns="" id="{F25B8E26-49D7-43CA-9159-76A91BB78FBA}"/>
               </a:ext>
             </a:extLst>
           </p:cNvPr>
@@ -12605,7 +12698,7 @@
           <p:cNvPr id="4" name="Slide Number Placeholder 3">
             <a:extLst>
               <a:ext uri="{FF2B5EF4-FFF2-40B4-BE49-F238E27FC236}">
-                <a16:creationId xmlns:a16="http://schemas.microsoft.com/office/drawing/2014/main" id="{BA7E69C3-56CF-45B5-8EB1-5EC4DC4FD7DE}"/>
+                <a16:creationId xmlns:a16="http://schemas.microsoft.com/office/drawing/2014/main" xmlns="" id="{BA7E69C3-56CF-45B5-8EB1-5EC4DC4FD7DE}"/>
               </a:ext>
             </a:extLst>
           </p:cNvPr>
@@ -12635,7 +12728,7 @@
           <p:cNvPr id="9" name="Content Placeholder 8">
             <a:extLst>
               <a:ext uri="{FF2B5EF4-FFF2-40B4-BE49-F238E27FC236}">
-                <a16:creationId xmlns:a16="http://schemas.microsoft.com/office/drawing/2014/main" id="{169AF6C5-D67F-4FF8-9576-8267E6A295B5}"/>
+                <a16:creationId xmlns:a16="http://schemas.microsoft.com/office/drawing/2014/main" xmlns="" id="{169AF6C5-D67F-4FF8-9576-8267E6A295B5}"/>
               </a:ext>
             </a:extLst>
           </p:cNvPr>
@@ -12664,7 +12757,7 @@
           <p:cNvPr id="11" name="Picture 10">
             <a:extLst>
               <a:ext uri="{FF2B5EF4-FFF2-40B4-BE49-F238E27FC236}">
-                <a16:creationId xmlns:a16="http://schemas.microsoft.com/office/drawing/2014/main" id="{4252D167-755F-4094-8CC8-9E14CD061C80}"/>
+                <a16:creationId xmlns:a16="http://schemas.microsoft.com/office/drawing/2014/main" xmlns="" id="{4252D167-755F-4094-8CC8-9E14CD061C80}"/>
               </a:ext>
             </a:extLst>
           </p:cNvPr>
@@ -12694,7 +12787,7 @@
           <p:cNvPr id="14" name="Rectangle 13">
             <a:extLst>
               <a:ext uri="{FF2B5EF4-FFF2-40B4-BE49-F238E27FC236}">
-                <a16:creationId xmlns:a16="http://schemas.microsoft.com/office/drawing/2014/main" id="{2D4E5217-833A-4136-B2F6-585024557421}"/>
+                <a16:creationId xmlns:a16="http://schemas.microsoft.com/office/drawing/2014/main" xmlns="" id="{2D4E5217-833A-4136-B2F6-585024557421}"/>
               </a:ext>
             </a:extLst>
           </p:cNvPr>
@@ -12947,7 +13040,7 @@
           <p:cNvPr id="2" name="Title 1">
             <a:extLst>
               <a:ext uri="{FF2B5EF4-FFF2-40B4-BE49-F238E27FC236}">
-                <a16:creationId xmlns:a16="http://schemas.microsoft.com/office/drawing/2014/main" id="{F25B8E26-49D7-43CA-9159-76A91BB78FBA}"/>
+                <a16:creationId xmlns:a16="http://schemas.microsoft.com/office/drawing/2014/main" xmlns="" id="{F25B8E26-49D7-43CA-9159-76A91BB78FBA}"/>
               </a:ext>
             </a:extLst>
           </p:cNvPr>
@@ -12984,7 +13077,7 @@
           <p:cNvPr id="4" name="Slide Number Placeholder 3">
             <a:extLst>
               <a:ext uri="{FF2B5EF4-FFF2-40B4-BE49-F238E27FC236}">
-                <a16:creationId xmlns:a16="http://schemas.microsoft.com/office/drawing/2014/main" id="{BA7E69C3-56CF-45B5-8EB1-5EC4DC4FD7DE}"/>
+                <a16:creationId xmlns:a16="http://schemas.microsoft.com/office/drawing/2014/main" xmlns="" id="{BA7E69C3-56CF-45B5-8EB1-5EC4DC4FD7DE}"/>
               </a:ext>
             </a:extLst>
           </p:cNvPr>
@@ -13014,7 +13107,7 @@
           <p:cNvPr id="9" name="Content Placeholder 8">
             <a:extLst>
               <a:ext uri="{FF2B5EF4-FFF2-40B4-BE49-F238E27FC236}">
-                <a16:creationId xmlns:a16="http://schemas.microsoft.com/office/drawing/2014/main" id="{169AF6C5-D67F-4FF8-9576-8267E6A295B5}"/>
+                <a16:creationId xmlns:a16="http://schemas.microsoft.com/office/drawing/2014/main" xmlns="" id="{169AF6C5-D67F-4FF8-9576-8267E6A295B5}"/>
               </a:ext>
             </a:extLst>
           </p:cNvPr>
@@ -13043,7 +13136,7 @@
           <p:cNvPr id="11" name="Picture 10">
             <a:extLst>
               <a:ext uri="{FF2B5EF4-FFF2-40B4-BE49-F238E27FC236}">
-                <a16:creationId xmlns:a16="http://schemas.microsoft.com/office/drawing/2014/main" id="{4252D167-755F-4094-8CC8-9E14CD061C80}"/>
+                <a16:creationId xmlns:a16="http://schemas.microsoft.com/office/drawing/2014/main" xmlns="" id="{4252D167-755F-4094-8CC8-9E14CD061C80}"/>
               </a:ext>
             </a:extLst>
           </p:cNvPr>
@@ -13073,7 +13166,7 @@
           <p:cNvPr id="14" name="Rectangle 13">
             <a:extLst>
               <a:ext uri="{FF2B5EF4-FFF2-40B4-BE49-F238E27FC236}">
-                <a16:creationId xmlns:a16="http://schemas.microsoft.com/office/drawing/2014/main" id="{2D4E5217-833A-4136-B2F6-585024557421}"/>
+                <a16:creationId xmlns:a16="http://schemas.microsoft.com/office/drawing/2014/main" xmlns="" id="{2D4E5217-833A-4136-B2F6-585024557421}"/>
               </a:ext>
             </a:extLst>
           </p:cNvPr>
@@ -13326,7 +13419,7 @@
           <p:cNvPr id="2" name="Title 1">
             <a:extLst>
               <a:ext uri="{FF2B5EF4-FFF2-40B4-BE49-F238E27FC236}">
-                <a16:creationId xmlns:a16="http://schemas.microsoft.com/office/drawing/2014/main" id="{3058837D-4CF4-4102-B316-42AFCD10C0FD}"/>
+                <a16:creationId xmlns:a16="http://schemas.microsoft.com/office/drawing/2014/main" xmlns="" id="{3058837D-4CF4-4102-B316-42AFCD10C0FD}"/>
               </a:ext>
             </a:extLst>
           </p:cNvPr>
@@ -13355,7 +13448,7 @@
           <p:cNvPr id="3" name="Content Placeholder 2">
             <a:extLst>
               <a:ext uri="{FF2B5EF4-FFF2-40B4-BE49-F238E27FC236}">
-                <a16:creationId xmlns:a16="http://schemas.microsoft.com/office/drawing/2014/main" id="{A7532245-3633-4B93-93D5-708C026A5727}"/>
+                <a16:creationId xmlns:a16="http://schemas.microsoft.com/office/drawing/2014/main" xmlns="" id="{A7532245-3633-4B93-93D5-708C026A5727}"/>
               </a:ext>
             </a:extLst>
           </p:cNvPr>
@@ -13497,7 +13590,7 @@
           <p:cNvPr id="4" name="Slide Number Placeholder 3">
             <a:extLst>
               <a:ext uri="{FF2B5EF4-FFF2-40B4-BE49-F238E27FC236}">
-                <a16:creationId xmlns:a16="http://schemas.microsoft.com/office/drawing/2014/main" id="{F3349C97-CE2F-4AEE-8002-6FE977C11451}"/>
+                <a16:creationId xmlns:a16="http://schemas.microsoft.com/office/drawing/2014/main" xmlns="" id="{F3349C97-CE2F-4AEE-8002-6FE977C11451}"/>
               </a:ext>
             </a:extLst>
           </p:cNvPr>
@@ -13557,7 +13650,7 @@
           <p:cNvPr id="2" name="Title 1">
             <a:extLst>
               <a:ext uri="{FF2B5EF4-FFF2-40B4-BE49-F238E27FC236}">
-                <a16:creationId xmlns:a16="http://schemas.microsoft.com/office/drawing/2014/main" id="{AC233BA5-C465-44F0-A654-8B3CCEEE525B}"/>
+                <a16:creationId xmlns:a16="http://schemas.microsoft.com/office/drawing/2014/main" xmlns="" id="{AC233BA5-C465-44F0-A654-8B3CCEEE525B}"/>
               </a:ext>
             </a:extLst>
           </p:cNvPr>
@@ -13586,7 +13679,7 @@
           <p:cNvPr id="3" name="Content Placeholder 2">
             <a:extLst>
               <a:ext uri="{FF2B5EF4-FFF2-40B4-BE49-F238E27FC236}">
-                <a16:creationId xmlns:a16="http://schemas.microsoft.com/office/drawing/2014/main" id="{43936EA0-EC23-4214-8160-F2FFD3BE072F}"/>
+                <a16:creationId xmlns:a16="http://schemas.microsoft.com/office/drawing/2014/main" xmlns="" id="{43936EA0-EC23-4214-8160-F2FFD3BE072F}"/>
               </a:ext>
             </a:extLst>
           </p:cNvPr>
@@ -14130,7 +14223,7 @@
           <p:cNvPr id="4" name="Slide Number Placeholder 3">
             <a:extLst>
               <a:ext uri="{FF2B5EF4-FFF2-40B4-BE49-F238E27FC236}">
-                <a16:creationId xmlns:a16="http://schemas.microsoft.com/office/drawing/2014/main" id="{604C336C-0D85-48CF-A3F5-EA338CBD8291}"/>
+                <a16:creationId xmlns:a16="http://schemas.microsoft.com/office/drawing/2014/main" xmlns="" id="{604C336C-0D85-48CF-A3F5-EA338CBD8291}"/>
               </a:ext>
             </a:extLst>
           </p:cNvPr>
@@ -14190,7 +14283,7 @@
           <p:cNvPr id="2" name="Title 1">
             <a:extLst>
               <a:ext uri="{FF2B5EF4-FFF2-40B4-BE49-F238E27FC236}">
-                <a16:creationId xmlns:a16="http://schemas.microsoft.com/office/drawing/2014/main" id="{E07EF9F7-A4C7-464B-BED9-A76EAFE04726}"/>
+                <a16:creationId xmlns:a16="http://schemas.microsoft.com/office/drawing/2014/main" xmlns="" id="{E07EF9F7-A4C7-464B-BED9-A76EAFE04726}"/>
               </a:ext>
             </a:extLst>
           </p:cNvPr>
@@ -14224,7 +14317,7 @@
           <p:cNvPr id="4" name="Slide Number Placeholder 3">
             <a:extLst>
               <a:ext uri="{FF2B5EF4-FFF2-40B4-BE49-F238E27FC236}">
-                <a16:creationId xmlns:a16="http://schemas.microsoft.com/office/drawing/2014/main" id="{42840902-473E-4517-83E2-FDD72AABD8DF}"/>
+                <a16:creationId xmlns:a16="http://schemas.microsoft.com/office/drawing/2014/main" xmlns="" id="{42840902-473E-4517-83E2-FDD72AABD8DF}"/>
               </a:ext>
             </a:extLst>
           </p:cNvPr>
@@ -14284,7 +14377,7 @@
           <p:cNvPr id="4" name="Slide Number Placeholder 3">
             <a:extLst>
               <a:ext uri="{FF2B5EF4-FFF2-40B4-BE49-F238E27FC236}">
-                <a16:creationId xmlns:a16="http://schemas.microsoft.com/office/drawing/2014/main" id="{431854D3-3BC8-49FD-ACAB-E1165BC64D5E}"/>
+                <a16:creationId xmlns:a16="http://schemas.microsoft.com/office/drawing/2014/main" xmlns="" id="{431854D3-3BC8-49FD-ACAB-E1165BC64D5E}"/>
               </a:ext>
             </a:extLst>
           </p:cNvPr>
@@ -14314,7 +14407,7 @@
           <p:cNvPr id="6" name="Picture 5">
             <a:extLst>
               <a:ext uri="{FF2B5EF4-FFF2-40B4-BE49-F238E27FC236}">
-                <a16:creationId xmlns:a16="http://schemas.microsoft.com/office/drawing/2014/main" id="{8EB80DC0-A5DA-4BD3-8A55-A5204AB1A56A}"/>
+                <a16:creationId xmlns:a16="http://schemas.microsoft.com/office/drawing/2014/main" xmlns="" id="{8EB80DC0-A5DA-4BD3-8A55-A5204AB1A56A}"/>
               </a:ext>
             </a:extLst>
           </p:cNvPr>
@@ -14344,7 +14437,7 @@
           <p:cNvPr id="8" name="Picture 7">
             <a:extLst>
               <a:ext uri="{FF2B5EF4-FFF2-40B4-BE49-F238E27FC236}">
-                <a16:creationId xmlns:a16="http://schemas.microsoft.com/office/drawing/2014/main" id="{3BFD5376-B361-4E53-ABA6-32A04F61340D}"/>
+                <a16:creationId xmlns:a16="http://schemas.microsoft.com/office/drawing/2014/main" xmlns="" id="{3BFD5376-B361-4E53-ABA6-32A04F61340D}"/>
               </a:ext>
             </a:extLst>
           </p:cNvPr>
@@ -14374,7 +14467,7 @@
           <p:cNvPr id="9" name="TextBox 8">
             <a:extLst>
               <a:ext uri="{FF2B5EF4-FFF2-40B4-BE49-F238E27FC236}">
-                <a16:creationId xmlns:a16="http://schemas.microsoft.com/office/drawing/2014/main" id="{A4FDDFD4-A4FA-46B2-A304-AD567610AF12}"/>
+                <a16:creationId xmlns:a16="http://schemas.microsoft.com/office/drawing/2014/main" xmlns="" id="{A4FDDFD4-A4FA-46B2-A304-AD567610AF12}"/>
               </a:ext>
             </a:extLst>
           </p:cNvPr>
@@ -14426,7 +14519,7 @@
           <p:cNvPr id="10" name="TextBox 9">
             <a:extLst>
               <a:ext uri="{FF2B5EF4-FFF2-40B4-BE49-F238E27FC236}">
-                <a16:creationId xmlns:a16="http://schemas.microsoft.com/office/drawing/2014/main" id="{E0C04E51-197A-4454-822E-8DFDBAAAB1AD}"/>
+                <a16:creationId xmlns:a16="http://schemas.microsoft.com/office/drawing/2014/main" xmlns="" id="{E0C04E51-197A-4454-822E-8DFDBAAAB1AD}"/>
               </a:ext>
             </a:extLst>
           </p:cNvPr>
@@ -14508,7 +14601,7 @@
           <p:cNvPr id="4" name="Slide Number Placeholder 3">
             <a:extLst>
               <a:ext uri="{FF2B5EF4-FFF2-40B4-BE49-F238E27FC236}">
-                <a16:creationId xmlns:a16="http://schemas.microsoft.com/office/drawing/2014/main" id="{BA692EEC-779B-4C4B-B40D-FCBE442819E8}"/>
+                <a16:creationId xmlns:a16="http://schemas.microsoft.com/office/drawing/2014/main" xmlns="" id="{BA692EEC-779B-4C4B-B40D-FCBE442819E8}"/>
               </a:ext>
             </a:extLst>
           </p:cNvPr>
@@ -14538,7 +14631,7 @@
           <p:cNvPr id="6" name="Picture 5">
             <a:extLst>
               <a:ext uri="{FF2B5EF4-FFF2-40B4-BE49-F238E27FC236}">
-                <a16:creationId xmlns:a16="http://schemas.microsoft.com/office/drawing/2014/main" id="{32A9F643-FF3B-4DFA-8368-F69964FD630C}"/>
+                <a16:creationId xmlns:a16="http://schemas.microsoft.com/office/drawing/2014/main" xmlns="" id="{32A9F643-FF3B-4DFA-8368-F69964FD630C}"/>
               </a:ext>
             </a:extLst>
           </p:cNvPr>
@@ -14568,7 +14661,7 @@
           <p:cNvPr id="8" name="Picture 7">
             <a:extLst>
               <a:ext uri="{FF2B5EF4-FFF2-40B4-BE49-F238E27FC236}">
-                <a16:creationId xmlns:a16="http://schemas.microsoft.com/office/drawing/2014/main" id="{712E0927-DACB-4F79-BF1F-50A65411B0DC}"/>
+                <a16:creationId xmlns:a16="http://schemas.microsoft.com/office/drawing/2014/main" xmlns="" id="{712E0927-DACB-4F79-BF1F-50A65411B0DC}"/>
               </a:ext>
             </a:extLst>
           </p:cNvPr>
@@ -14598,7 +14691,7 @@
           <p:cNvPr id="9" name="TextBox 8">
             <a:extLst>
               <a:ext uri="{FF2B5EF4-FFF2-40B4-BE49-F238E27FC236}">
-                <a16:creationId xmlns:a16="http://schemas.microsoft.com/office/drawing/2014/main" id="{34B9BED0-F47A-4CBF-A0C4-CAA6D004A258}"/>
+                <a16:creationId xmlns:a16="http://schemas.microsoft.com/office/drawing/2014/main" xmlns="" id="{34B9BED0-F47A-4CBF-A0C4-CAA6D004A258}"/>
               </a:ext>
             </a:extLst>
           </p:cNvPr>
@@ -14650,7 +14743,7 @@
           <p:cNvPr id="10" name="TextBox 9">
             <a:extLst>
               <a:ext uri="{FF2B5EF4-FFF2-40B4-BE49-F238E27FC236}">
-                <a16:creationId xmlns:a16="http://schemas.microsoft.com/office/drawing/2014/main" id="{244EF210-1217-4031-8E9B-9EDB1A5A09F0}"/>
+                <a16:creationId xmlns:a16="http://schemas.microsoft.com/office/drawing/2014/main" xmlns="" id="{244EF210-1217-4031-8E9B-9EDB1A5A09F0}"/>
               </a:ext>
             </a:extLst>
           </p:cNvPr>
@@ -14732,7 +14825,7 @@
           <p:cNvPr id="4" name="Slide Number Placeholder 3">
             <a:extLst>
               <a:ext uri="{FF2B5EF4-FFF2-40B4-BE49-F238E27FC236}">
-                <a16:creationId xmlns:a16="http://schemas.microsoft.com/office/drawing/2014/main" id="{76789675-9B78-4C52-8144-29F9411E0540}"/>
+                <a16:creationId xmlns:a16="http://schemas.microsoft.com/office/drawing/2014/main" xmlns="" id="{76789675-9B78-4C52-8144-29F9411E0540}"/>
               </a:ext>
             </a:extLst>
           </p:cNvPr>
@@ -14762,7 +14855,7 @@
           <p:cNvPr id="6" name="Picture 5">
             <a:extLst>
               <a:ext uri="{FF2B5EF4-FFF2-40B4-BE49-F238E27FC236}">
-                <a16:creationId xmlns:a16="http://schemas.microsoft.com/office/drawing/2014/main" id="{4E765069-08EC-40A4-9A37-03832560ED76}"/>
+                <a16:creationId xmlns:a16="http://schemas.microsoft.com/office/drawing/2014/main" xmlns="" id="{4E765069-08EC-40A4-9A37-03832560ED76}"/>
               </a:ext>
             </a:extLst>
           </p:cNvPr>
@@ -14792,7 +14885,7 @@
           <p:cNvPr id="8" name="Picture 7">
             <a:extLst>
               <a:ext uri="{FF2B5EF4-FFF2-40B4-BE49-F238E27FC236}">
-                <a16:creationId xmlns:a16="http://schemas.microsoft.com/office/drawing/2014/main" id="{D75648ED-D30F-4AF2-B843-E5C75828B581}"/>
+                <a16:creationId xmlns:a16="http://schemas.microsoft.com/office/drawing/2014/main" xmlns="" id="{D75648ED-D30F-4AF2-B843-E5C75828B581}"/>
               </a:ext>
             </a:extLst>
           </p:cNvPr>
@@ -14852,7 +14945,7 @@
           <p:cNvPr id="2" name="Title 1">
             <a:extLst>
               <a:ext uri="{FF2B5EF4-FFF2-40B4-BE49-F238E27FC236}">
-                <a16:creationId xmlns:a16="http://schemas.microsoft.com/office/drawing/2014/main" id="{106B149F-839A-40BD-BCF7-76C13376EC53}"/>
+                <a16:creationId xmlns:a16="http://schemas.microsoft.com/office/drawing/2014/main" xmlns="" id="{106B149F-839A-40BD-BCF7-76C13376EC53}"/>
               </a:ext>
             </a:extLst>
           </p:cNvPr>
@@ -14881,7 +14974,7 @@
           <p:cNvPr id="3" name="Content Placeholder 2">
             <a:extLst>
               <a:ext uri="{FF2B5EF4-FFF2-40B4-BE49-F238E27FC236}">
-                <a16:creationId xmlns:a16="http://schemas.microsoft.com/office/drawing/2014/main" id="{B12763A9-2C3B-4E77-93CC-5B613A1C7C0F}"/>
+                <a16:creationId xmlns:a16="http://schemas.microsoft.com/office/drawing/2014/main" xmlns="" id="{B12763A9-2C3B-4E77-93CC-5B613A1C7C0F}"/>
               </a:ext>
             </a:extLst>
           </p:cNvPr>
@@ -14962,7 +15055,7 @@
           <p:cNvPr id="4" name="Slide Number Placeholder 3">
             <a:extLst>
               <a:ext uri="{FF2B5EF4-FFF2-40B4-BE49-F238E27FC236}">
-                <a16:creationId xmlns:a16="http://schemas.microsoft.com/office/drawing/2014/main" id="{C2DEC7B9-07A9-4BD9-8F66-8CEA7C53D3E5}"/>
+                <a16:creationId xmlns:a16="http://schemas.microsoft.com/office/drawing/2014/main" xmlns="" id="{C2DEC7B9-07A9-4BD9-8F66-8CEA7C53D3E5}"/>
               </a:ext>
             </a:extLst>
           </p:cNvPr>
@@ -15022,7 +15115,7 @@
           <p:cNvPr id="2" name="Title 1">
             <a:extLst>
               <a:ext uri="{FF2B5EF4-FFF2-40B4-BE49-F238E27FC236}">
-                <a16:creationId xmlns:a16="http://schemas.microsoft.com/office/drawing/2014/main" id="{1AB38423-BB53-4EE8-9B01-D075ABBCD20D}"/>
+                <a16:creationId xmlns:a16="http://schemas.microsoft.com/office/drawing/2014/main" xmlns="" id="{1AB38423-BB53-4EE8-9B01-D075ABBCD20D}"/>
               </a:ext>
             </a:extLst>
           </p:cNvPr>
@@ -15050,7 +15143,7 @@
           <p:cNvPr id="6" name="Content Placeholder 5">
             <a:extLst>
               <a:ext uri="{FF2B5EF4-FFF2-40B4-BE49-F238E27FC236}">
-                <a16:creationId xmlns:a16="http://schemas.microsoft.com/office/drawing/2014/main" id="{DF115F28-BD16-400E-9855-319AC9F3FAC9}"/>
+                <a16:creationId xmlns:a16="http://schemas.microsoft.com/office/drawing/2014/main" xmlns="" id="{DF115F28-BD16-400E-9855-319AC9F3FAC9}"/>
               </a:ext>
             </a:extLst>
           </p:cNvPr>
@@ -15079,7 +15172,7 @@
           <p:cNvPr id="4" name="Slide Number Placeholder 3">
             <a:extLst>
               <a:ext uri="{FF2B5EF4-FFF2-40B4-BE49-F238E27FC236}">
-                <a16:creationId xmlns:a16="http://schemas.microsoft.com/office/drawing/2014/main" id="{4E33105B-71A3-4BDA-95D0-2577CEA4E448}"/>
+                <a16:creationId xmlns:a16="http://schemas.microsoft.com/office/drawing/2014/main" xmlns="" id="{4E33105B-71A3-4BDA-95D0-2577CEA4E448}"/>
               </a:ext>
             </a:extLst>
           </p:cNvPr>
@@ -15109,7 +15202,7 @@
           <p:cNvPr id="7" name="TextBox 6">
             <a:extLst>
               <a:ext uri="{FF2B5EF4-FFF2-40B4-BE49-F238E27FC236}">
-                <a16:creationId xmlns:a16="http://schemas.microsoft.com/office/drawing/2014/main" id="{7483A66F-54EB-4184-A294-F18C3F2AE557}"/>
+                <a16:creationId xmlns:a16="http://schemas.microsoft.com/office/drawing/2014/main" xmlns="" id="{7483A66F-54EB-4184-A294-F18C3F2AE557}"/>
               </a:ext>
             </a:extLst>
           </p:cNvPr>
@@ -15219,7 +15312,7 @@
           <p:cNvPr id="8" name="Rectangle 7">
             <a:extLst>
               <a:ext uri="{FF2B5EF4-FFF2-40B4-BE49-F238E27FC236}">
-                <a16:creationId xmlns:a16="http://schemas.microsoft.com/office/drawing/2014/main" id="{B7785E06-731C-4473-AACE-09429B81794D}"/>
+                <a16:creationId xmlns:a16="http://schemas.microsoft.com/office/drawing/2014/main" xmlns="" id="{B7785E06-731C-4473-AACE-09429B81794D}"/>
               </a:ext>
             </a:extLst>
           </p:cNvPr>
@@ -15261,7 +15354,7 @@
           <p:cNvPr id="11" name="Content Placeholder 2">
             <a:extLst>
               <a:ext uri="{FF2B5EF4-FFF2-40B4-BE49-F238E27FC236}">
-                <a16:creationId xmlns:a16="http://schemas.microsoft.com/office/drawing/2014/main" id="{A1363DF2-9A24-4066-994F-35421398673F}"/>
+                <a16:creationId xmlns:a16="http://schemas.microsoft.com/office/drawing/2014/main" xmlns="" id="{A1363DF2-9A24-4066-994F-35421398673F}"/>
               </a:ext>
             </a:extLst>
           </p:cNvPr>
@@ -15550,12 +15643,12 @@
               <a:t> de la reacción se relaciona con el </a:t>
             </a:r>
             <a:r>
-              <a:rPr lang="es-ES" dirty="0" err="1"/>
-              <a:t>impédimento</a:t>
+              <a:rPr lang="es-ES" dirty="0" smtClean="0"/>
+              <a:t>impedimento </a:t>
             </a:r>
             <a:r>
               <a:rPr lang="es-ES" dirty="0"/>
-              <a:t> estérico.</a:t>
+              <a:t>estérico.</a:t>
             </a:r>
           </a:p>
         </p:txBody>
@@ -15595,7 +15688,7 @@
           <p:cNvPr id="12" name="Picture 11">
             <a:extLst>
               <a:ext uri="{FF2B5EF4-FFF2-40B4-BE49-F238E27FC236}">
-                <a16:creationId xmlns:a16="http://schemas.microsoft.com/office/drawing/2014/main" id="{575171FD-1437-42DA-9E9A-7C01F51EF596}"/>
+                <a16:creationId xmlns:a16="http://schemas.microsoft.com/office/drawing/2014/main" xmlns="" id="{575171FD-1437-42DA-9E9A-7C01F51EF596}"/>
               </a:ext>
             </a:extLst>
           </p:cNvPr>
@@ -15625,7 +15718,7 @@
           <p:cNvPr id="2" name="Title 1">
             <a:extLst>
               <a:ext uri="{FF2B5EF4-FFF2-40B4-BE49-F238E27FC236}">
-                <a16:creationId xmlns:a16="http://schemas.microsoft.com/office/drawing/2014/main" id="{1AB38423-BB53-4EE8-9B01-D075ABBCD20D}"/>
+                <a16:creationId xmlns:a16="http://schemas.microsoft.com/office/drawing/2014/main" xmlns="" id="{1AB38423-BB53-4EE8-9B01-D075ABBCD20D}"/>
               </a:ext>
             </a:extLst>
           </p:cNvPr>
@@ -15653,7 +15746,7 @@
           <p:cNvPr id="4" name="Slide Number Placeholder 3">
             <a:extLst>
               <a:ext uri="{FF2B5EF4-FFF2-40B4-BE49-F238E27FC236}">
-                <a16:creationId xmlns:a16="http://schemas.microsoft.com/office/drawing/2014/main" id="{4E33105B-71A3-4BDA-95D0-2577CEA4E448}"/>
+                <a16:creationId xmlns:a16="http://schemas.microsoft.com/office/drawing/2014/main" xmlns="" id="{4E33105B-71A3-4BDA-95D0-2577CEA4E448}"/>
               </a:ext>
             </a:extLst>
           </p:cNvPr>
@@ -15683,7 +15776,7 @@
           <p:cNvPr id="7" name="TextBox 6">
             <a:extLst>
               <a:ext uri="{FF2B5EF4-FFF2-40B4-BE49-F238E27FC236}">
-                <a16:creationId xmlns:a16="http://schemas.microsoft.com/office/drawing/2014/main" id="{7483A66F-54EB-4184-A294-F18C3F2AE557}"/>
+                <a16:creationId xmlns:a16="http://schemas.microsoft.com/office/drawing/2014/main" xmlns="" id="{7483A66F-54EB-4184-A294-F18C3F2AE557}"/>
               </a:ext>
             </a:extLst>
           </p:cNvPr>
@@ -15747,7 +15840,7 @@
           <p:cNvPr id="8" name="Rectangle 7">
             <a:extLst>
               <a:ext uri="{FF2B5EF4-FFF2-40B4-BE49-F238E27FC236}">
-                <a16:creationId xmlns:a16="http://schemas.microsoft.com/office/drawing/2014/main" id="{B7785E06-731C-4473-AACE-09429B81794D}"/>
+                <a16:creationId xmlns:a16="http://schemas.microsoft.com/office/drawing/2014/main" xmlns="" id="{B7785E06-731C-4473-AACE-09429B81794D}"/>
               </a:ext>
             </a:extLst>
           </p:cNvPr>
@@ -15797,7 +15890,7 @@
           <p:cNvPr id="11" name="Content Placeholder 2">
             <a:extLst>
               <a:ext uri="{FF2B5EF4-FFF2-40B4-BE49-F238E27FC236}">
-                <a16:creationId xmlns:a16="http://schemas.microsoft.com/office/drawing/2014/main" id="{A1363DF2-9A24-4066-994F-35421398673F}"/>
+                <a16:creationId xmlns:a16="http://schemas.microsoft.com/office/drawing/2014/main" xmlns="" id="{A1363DF2-9A24-4066-994F-35421398673F}"/>
               </a:ext>
             </a:extLst>
           </p:cNvPr>
@@ -16096,7 +16189,7 @@
           <p:cNvPr id="2" name="Title 1">
             <a:extLst>
               <a:ext uri="{FF2B5EF4-FFF2-40B4-BE49-F238E27FC236}">
-                <a16:creationId xmlns:a16="http://schemas.microsoft.com/office/drawing/2014/main" id="{2A1CC3FA-D5DC-446B-9A29-58EC451BC22A}"/>
+                <a16:creationId xmlns:a16="http://schemas.microsoft.com/office/drawing/2014/main" xmlns="" id="{2A1CC3FA-D5DC-446B-9A29-58EC451BC22A}"/>
               </a:ext>
             </a:extLst>
           </p:cNvPr>
@@ -16133,7 +16226,7 @@
           <p:cNvPr id="5" name="Content Placeholder 4">
             <a:extLst>
               <a:ext uri="{FF2B5EF4-FFF2-40B4-BE49-F238E27FC236}">
-                <a16:creationId xmlns:a16="http://schemas.microsoft.com/office/drawing/2014/main" id="{814A3EC3-8BD9-4AA3-8697-AA5D0EF60BCD}"/>
+                <a16:creationId xmlns:a16="http://schemas.microsoft.com/office/drawing/2014/main" xmlns="" id="{814A3EC3-8BD9-4AA3-8697-AA5D0EF60BCD}"/>
               </a:ext>
             </a:extLst>
           </p:cNvPr>
@@ -16144,7 +16237,7 @@
             <p:ph idx="1"/>
             <p:extLst>
               <p:ext uri="{D42A27DB-BD31-4B8C-83A1-F6EECF244321}">
-                <p14:modId xmlns:p14="http://schemas.microsoft.com/office/powerpoint/2010/main" val="3299737889"/>
+                <p14:modId xmlns:p14="http://schemas.microsoft.com/office/powerpoint/2010/main" val="3232148288"/>
               </p:ext>
             </p:extLst>
           </p:nvPr>
@@ -16164,7 +16257,7 @@
           <p:cNvPr id="4" name="Slide Number Placeholder 3">
             <a:extLst>
               <a:ext uri="{FF2B5EF4-FFF2-40B4-BE49-F238E27FC236}">
-                <a16:creationId xmlns:a16="http://schemas.microsoft.com/office/drawing/2014/main" id="{72971BDC-184D-445A-A5B9-8A4CA473425C}"/>
+                <a16:creationId xmlns:a16="http://schemas.microsoft.com/office/drawing/2014/main" xmlns="" id="{72971BDC-184D-445A-A5B9-8A4CA473425C}"/>
               </a:ext>
             </a:extLst>
           </p:cNvPr>
@@ -16224,7 +16317,7 @@
           <p:cNvPr id="2" name="Title 1">
             <a:extLst>
               <a:ext uri="{FF2B5EF4-FFF2-40B4-BE49-F238E27FC236}">
-                <a16:creationId xmlns:a16="http://schemas.microsoft.com/office/drawing/2014/main" id="{3EFD2825-5C33-4041-BFF5-09BC1152EDE1}"/>
+                <a16:creationId xmlns:a16="http://schemas.microsoft.com/office/drawing/2014/main" xmlns="" id="{3EFD2825-5C33-4041-BFF5-09BC1152EDE1}"/>
               </a:ext>
             </a:extLst>
           </p:cNvPr>
@@ -16261,7 +16354,7 @@
           <p:cNvPr id="3" name="Content Placeholder 2">
             <a:extLst>
               <a:ext uri="{FF2B5EF4-FFF2-40B4-BE49-F238E27FC236}">
-                <a16:creationId xmlns:a16="http://schemas.microsoft.com/office/drawing/2014/main" id="{42C0AA34-F2C3-4722-8A9C-BB88B5CB5698}"/>
+                <a16:creationId xmlns:a16="http://schemas.microsoft.com/office/drawing/2014/main" xmlns="" id="{42C0AA34-F2C3-4722-8A9C-BB88B5CB5698}"/>
               </a:ext>
             </a:extLst>
           </p:cNvPr>
@@ -16285,12 +16378,16 @@
           <a:lstStyle/>
           <a:p>
             <a:r>
-              <a:rPr lang="en-US" dirty="0" err="1"/>
-              <a:t>Rendimiento</a:t>
+              <a:rPr lang="en-US" dirty="0" err="1" smtClean="0"/>
+              <a:t>Recuperación</a:t>
+            </a:r>
+            <a:r>
+              <a:rPr lang="en-US" dirty="0" smtClean="0"/>
+              <a:t> </a:t>
             </a:r>
             <a:r>
               <a:rPr lang="en-US" dirty="0"/>
-              <a:t> de 20.3 %.</a:t>
+              <a:t>de 20.3 %.</a:t>
             </a:r>
           </a:p>
           <a:p>
@@ -16322,7 +16419,7 @@
           <p:cNvPr id="4" name="Slide Number Placeholder 3">
             <a:extLst>
               <a:ext uri="{FF2B5EF4-FFF2-40B4-BE49-F238E27FC236}">
-                <a16:creationId xmlns:a16="http://schemas.microsoft.com/office/drawing/2014/main" id="{B02906C4-3FA7-45DF-8AEC-81991297F699}"/>
+                <a16:creationId xmlns:a16="http://schemas.microsoft.com/office/drawing/2014/main" xmlns="" id="{B02906C4-3FA7-45DF-8AEC-81991297F699}"/>
               </a:ext>
             </a:extLst>
           </p:cNvPr>
@@ -16352,7 +16449,7 @@
           <p:cNvPr id="7" name="Group 6">
             <a:extLst>
               <a:ext uri="{FF2B5EF4-FFF2-40B4-BE49-F238E27FC236}">
-                <a16:creationId xmlns:a16="http://schemas.microsoft.com/office/drawing/2014/main" id="{9FD25BF3-DA17-460F-88A4-E7F1FE18A162}"/>
+                <a16:creationId xmlns:a16="http://schemas.microsoft.com/office/drawing/2014/main" xmlns="" id="{9FD25BF3-DA17-460F-88A4-E7F1FE18A162}"/>
               </a:ext>
             </a:extLst>
           </p:cNvPr>
@@ -16367,14 +16464,14 @@
             <a:chExt cx="4993796" cy="741806"/>
           </a:xfrm>
         </p:grpSpPr>
-        <mc:AlternateContent xmlns:mc="http://schemas.openxmlformats.org/markup-compatibility/2006">
-          <mc:Choice xmlns:a14="http://schemas.microsoft.com/office/drawing/2010/main" Requires="a14">
+        <mc:AlternateContent xmlns:mc="http://schemas.openxmlformats.org/markup-compatibility/2006" xmlns:a14="http://schemas.microsoft.com/office/drawing/2010/main">
+          <mc:Choice Requires="a14">
             <p:sp>
               <p:nvSpPr>
                 <p:cNvPr id="5" name="TextBox 4">
                   <a:extLst>
                     <a:ext uri="{FF2B5EF4-FFF2-40B4-BE49-F238E27FC236}">
-                      <a16:creationId xmlns:a16="http://schemas.microsoft.com/office/drawing/2014/main" id="{254D76D1-AF70-4500-BCEA-3CC883FE4BA4}"/>
+                      <a16:creationId xmlns:a16="http://schemas.microsoft.com/office/drawing/2014/main" xmlns="" id="{254D76D1-AF70-4500-BCEA-3CC883FE4BA4}"/>
                     </a:ext>
                   </a:extLst>
                 </p:cNvPr>
@@ -16397,6 +16494,7 @@
                 </a:bodyPr>
                 <a:lstStyle/>
                 <a:p>
+                  <a:pPr/>
                   <a14:m>
                     <m:oMathPara xmlns:m="http://schemas.openxmlformats.org/officeDocument/2006/math">
                       <m:oMathParaPr>
@@ -16694,7 +16792,7 @@
               </p:txBody>
             </p:sp>
           </mc:Choice>
-          <mc:Fallback>
+          <mc:Fallback xmlns="">
             <p:sp>
               <p:nvSpPr>
                 <p:cNvPr id="5" name="TextBox 4">
@@ -16739,14 +16837,14 @@
             </p:sp>
           </mc:Fallback>
         </mc:AlternateContent>
-        <mc:AlternateContent xmlns:mc="http://schemas.openxmlformats.org/markup-compatibility/2006">
-          <mc:Choice xmlns:a14="http://schemas.microsoft.com/office/drawing/2010/main" Requires="a14">
+        <mc:AlternateContent xmlns:mc="http://schemas.openxmlformats.org/markup-compatibility/2006" xmlns:a14="http://schemas.microsoft.com/office/drawing/2010/main">
+          <mc:Choice Requires="a14">
             <p:sp>
               <p:nvSpPr>
                 <p:cNvPr id="6" name="TextBox 5">
                   <a:extLst>
                     <a:ext uri="{FF2B5EF4-FFF2-40B4-BE49-F238E27FC236}">
-                      <a16:creationId xmlns:a16="http://schemas.microsoft.com/office/drawing/2014/main" id="{05D98682-CF97-4DC5-9D39-7809C46C618A}"/>
+                      <a16:creationId xmlns:a16="http://schemas.microsoft.com/office/drawing/2014/main" xmlns="" id="{05D98682-CF97-4DC5-9D39-7809C46C618A}"/>
                     </a:ext>
                   </a:extLst>
                 </p:cNvPr>
@@ -16769,6 +16867,7 @@
                 </a:bodyPr>
                 <a:lstStyle/>
                 <a:p>
+                  <a:pPr/>
                   <a14:m>
                     <m:oMathPara xmlns:m="http://schemas.openxmlformats.org/officeDocument/2006/math">
                       <m:oMathParaPr>
@@ -17024,7 +17123,7 @@
               </p:txBody>
             </p:sp>
           </mc:Choice>
-          <mc:Fallback>
+          <mc:Fallback xmlns="">
             <p:sp>
               <p:nvSpPr>
                 <p:cNvPr id="6" name="TextBox 5">
@@ -17077,7 +17176,7 @@
               <p:cNvPr id="8" name="Table 7">
                 <a:extLst>
                   <a:ext uri="{FF2B5EF4-FFF2-40B4-BE49-F238E27FC236}">
-                    <a16:creationId xmlns:a16="http://schemas.microsoft.com/office/drawing/2014/main" id="{ED640222-77D3-4CD5-8DED-2E50C1BF7671}"/>
+                    <a16:creationId xmlns:a16="http://schemas.microsoft.com/office/drawing/2014/main" xmlns="" id="{ED640222-77D3-4CD5-8DED-2E50C1BF7671}"/>
                   </a:ext>
                 </a:extLst>
               </p:cNvPr>
@@ -17087,7 +17186,7 @@
               <p:nvPr>
                 <p:extLst>
                   <p:ext uri="{D42A27DB-BD31-4B8C-83A1-F6EECF244321}">
-                    <p14:modId xmlns:p14="http://schemas.microsoft.com/office/powerpoint/2010/main" val="3855218205"/>
+                    <p14:modId xmlns:p14="http://schemas.microsoft.com/office/powerpoint/2010/main" val="2733523567"/>
                   </p:ext>
                 </p:extLst>
               </p:nvPr>
@@ -17106,35 +17205,35 @@
                     <a:gridCol w="1532255">
                       <a:extLst>
                         <a:ext uri="{9D8B030D-6E8A-4147-A177-3AD203B41FA5}">
-                          <a16:colId xmlns:a16="http://schemas.microsoft.com/office/drawing/2014/main" val="1932548680"/>
+                          <a16:colId xmlns:a16="http://schemas.microsoft.com/office/drawing/2014/main" xmlns="" val="1932548680"/>
                         </a:ext>
                       </a:extLst>
                     </a:gridCol>
                     <a:gridCol w="452291">
                       <a:extLst>
                         <a:ext uri="{9D8B030D-6E8A-4147-A177-3AD203B41FA5}">
-                          <a16:colId xmlns:a16="http://schemas.microsoft.com/office/drawing/2014/main" val="974605646"/>
+                          <a16:colId xmlns:a16="http://schemas.microsoft.com/office/drawing/2014/main" xmlns="" val="974605646"/>
                         </a:ext>
                       </a:extLst>
                     </a:gridCol>
                     <a:gridCol w="690880">
                       <a:extLst>
                         <a:ext uri="{9D8B030D-6E8A-4147-A177-3AD203B41FA5}">
-                          <a16:colId xmlns:a16="http://schemas.microsoft.com/office/drawing/2014/main" val="2723256158"/>
+                          <a16:colId xmlns:a16="http://schemas.microsoft.com/office/drawing/2014/main" xmlns="" val="2723256158"/>
                         </a:ext>
                       </a:extLst>
                     </a:gridCol>
                     <a:gridCol w="1011635">
                       <a:extLst>
                         <a:ext uri="{9D8B030D-6E8A-4147-A177-3AD203B41FA5}">
-                          <a16:colId xmlns:a16="http://schemas.microsoft.com/office/drawing/2014/main" val="86690558"/>
+                          <a16:colId xmlns:a16="http://schemas.microsoft.com/office/drawing/2014/main" xmlns="" val="86690558"/>
                         </a:ext>
                       </a:extLst>
                     </a:gridCol>
                     <a:gridCol w="1373672">
                       <a:extLst>
                         <a:ext uri="{9D8B030D-6E8A-4147-A177-3AD203B41FA5}">
-                          <a16:colId xmlns:a16="http://schemas.microsoft.com/office/drawing/2014/main" val="3399186977"/>
+                          <a16:colId xmlns:a16="http://schemas.microsoft.com/office/drawing/2014/main" xmlns="" val="3399186977"/>
                         </a:ext>
                       </a:extLst>
                     </a:gridCol>
@@ -17398,7 +17497,7 @@
                     </a:tc>
                     <a:extLst>
                       <a:ext uri="{0D108BD9-81ED-4DB2-BD59-A6C34878D82A}">
-                        <a16:rowId xmlns:a16="http://schemas.microsoft.com/office/drawing/2014/main" val="2345776386"/>
+                        <a16:rowId xmlns:a16="http://schemas.microsoft.com/office/drawing/2014/main" xmlns="" val="2345776386"/>
                       </a:ext>
                     </a:extLst>
                   </a:tr>
@@ -17480,7 +17579,7 @@
                     </a:tc>
                     <a:extLst>
                       <a:ext uri="{0D108BD9-81ED-4DB2-BD59-A6C34878D82A}">
-                        <a16:rowId xmlns:a16="http://schemas.microsoft.com/office/drawing/2014/main" val="235995012"/>
+                        <a16:rowId xmlns:a16="http://schemas.microsoft.com/office/drawing/2014/main" xmlns="" val="235995012"/>
                       </a:ext>
                     </a:extLst>
                   </a:tr>
@@ -17493,9 +17592,29 @@
                           <a:pPr algn="ctr"/>
                           <a:r>
                             <a:rPr lang="en-US" dirty="0"/>
-                            <a:t>C16H18O4</a:t>
+                            <a:t>C</a:t>
                           </a:r>
-                          <a:endParaRPr lang="es-CO" dirty="0"/>
+                          <a:r>
+                            <a:rPr lang="en-US" baseline="-25000" dirty="0"/>
+                            <a:t>16</a:t>
+                          </a:r>
+                          <a:r>
+                            <a:rPr lang="en-US" dirty="0"/>
+                            <a:t>H</a:t>
+                          </a:r>
+                          <a:r>
+                            <a:rPr lang="en-US" baseline="-25000" dirty="0"/>
+                            <a:t>18</a:t>
+                          </a:r>
+                          <a:r>
+                            <a:rPr lang="en-US" dirty="0"/>
+                            <a:t>O</a:t>
+                          </a:r>
+                          <a:r>
+                            <a:rPr lang="en-US" baseline="-25000" dirty="0"/>
+                            <a:t>4</a:t>
+                          </a:r>
+                          <a:endParaRPr lang="es-CO" baseline="-25000" dirty="0"/>
                         </a:p>
                       </a:txBody>
                       <a:tcPr anchor="ctr"/>
@@ -17562,7 +17681,7 @@
                     </a:tc>
                     <a:extLst>
                       <a:ext uri="{0D108BD9-81ED-4DB2-BD59-A6C34878D82A}">
-                        <a16:rowId xmlns:a16="http://schemas.microsoft.com/office/drawing/2014/main" val="4244662741"/>
+                        <a16:rowId xmlns:a16="http://schemas.microsoft.com/office/drawing/2014/main" xmlns="" val="4244662741"/>
                       </a:ext>
                     </a:extLst>
                   </a:tr>
@@ -17577,7 +17696,7 @@
               <p:cNvPr id="8" name="Table 7">
                 <a:extLst>
                   <a:ext uri="{FF2B5EF4-FFF2-40B4-BE49-F238E27FC236}">
-                    <a16:creationId xmlns:a16="http://schemas.microsoft.com/office/drawing/2014/main" id="{ED640222-77D3-4CD5-8DED-2E50C1BF7671}"/>
+                    <a16:creationId xmlns:a16="http://schemas.microsoft.com/office/drawing/2014/main" xmlns:a14="http://schemas.microsoft.com/office/drawing/2010/main" xmlns="" id="{ED640222-77D3-4CD5-8DED-2E50C1BF7671}"/>
                   </a:ext>
                 </a:extLst>
               </p:cNvPr>
@@ -17587,7 +17706,7 @@
               <p:nvPr>
                 <p:extLst>
                   <p:ext uri="{D42A27DB-BD31-4B8C-83A1-F6EECF244321}">
-                    <p14:modId xmlns:p14="http://schemas.microsoft.com/office/powerpoint/2010/main" val="3855218205"/>
+                    <p14:modId xmlns:p14="http://schemas.microsoft.com/office/powerpoint/2010/main" val="2733523567"/>
                   </p:ext>
                 </p:extLst>
               </p:nvPr>
@@ -17606,35 +17725,35 @@
                     <a:gridCol w="1532255">
                       <a:extLst>
                         <a:ext uri="{9D8B030D-6E8A-4147-A177-3AD203B41FA5}">
-                          <a16:colId xmlns:a16="http://schemas.microsoft.com/office/drawing/2014/main" val="1932548680"/>
+                          <a16:colId xmlns:a16="http://schemas.microsoft.com/office/drawing/2014/main" xmlns:a14="http://schemas.microsoft.com/office/drawing/2010/main" xmlns="" val="1932548680"/>
                         </a:ext>
                       </a:extLst>
                     </a:gridCol>
                     <a:gridCol w="452291">
                       <a:extLst>
                         <a:ext uri="{9D8B030D-6E8A-4147-A177-3AD203B41FA5}">
-                          <a16:colId xmlns:a16="http://schemas.microsoft.com/office/drawing/2014/main" val="974605646"/>
+                          <a16:colId xmlns:a16="http://schemas.microsoft.com/office/drawing/2014/main" xmlns:a14="http://schemas.microsoft.com/office/drawing/2010/main" xmlns="" val="974605646"/>
                         </a:ext>
                       </a:extLst>
                     </a:gridCol>
                     <a:gridCol w="690880">
                       <a:extLst>
                         <a:ext uri="{9D8B030D-6E8A-4147-A177-3AD203B41FA5}">
-                          <a16:colId xmlns:a16="http://schemas.microsoft.com/office/drawing/2014/main" val="2723256158"/>
+                          <a16:colId xmlns:a16="http://schemas.microsoft.com/office/drawing/2014/main" xmlns:a14="http://schemas.microsoft.com/office/drawing/2010/main" xmlns="" val="2723256158"/>
                         </a:ext>
                       </a:extLst>
                     </a:gridCol>
                     <a:gridCol w="1011635">
                       <a:extLst>
                         <a:ext uri="{9D8B030D-6E8A-4147-A177-3AD203B41FA5}">
-                          <a16:colId xmlns:a16="http://schemas.microsoft.com/office/drawing/2014/main" val="86690558"/>
+                          <a16:colId xmlns:a16="http://schemas.microsoft.com/office/drawing/2014/main" xmlns:a14="http://schemas.microsoft.com/office/drawing/2010/main" xmlns="" val="86690558"/>
                         </a:ext>
                       </a:extLst>
                     </a:gridCol>
                     <a:gridCol w="1373672">
                       <a:extLst>
                         <a:ext uri="{9D8B030D-6E8A-4147-A177-3AD203B41FA5}">
-                          <a16:colId xmlns:a16="http://schemas.microsoft.com/office/drawing/2014/main" val="3399186977"/>
+                          <a16:colId xmlns:a16="http://schemas.microsoft.com/office/drawing/2014/main" xmlns:a14="http://schemas.microsoft.com/office/drawing/2010/main" xmlns="" val="3399186977"/>
                         </a:ext>
                       </a:extLst>
                     </a:gridCol>
@@ -17664,7 +17783,7 @@
                         </a:p>
                       </a:txBody>
                       <a:tcPr anchor="ctr">
-                        <a:blipFill>
+                        <a:blipFill rotWithShape="0">
                           <a:blip r:embed="rId4"/>
                           <a:stretch>
                             <a:fillRect l="-341892" t="-3077" r="-689189" b="-210769"/>
@@ -17681,7 +17800,7 @@
                         </a:p>
                       </a:txBody>
                       <a:tcPr anchor="ctr">
-                        <a:blipFill>
+                        <a:blipFill rotWithShape="0">
                           <a:blip r:embed="rId4"/>
                           <a:stretch>
                             <a:fillRect l="-286842" t="-3077" r="-347368" b="-210769"/>
@@ -17698,7 +17817,7 @@
                         </a:p>
                       </a:txBody>
                       <a:tcPr anchor="ctr">
-                        <a:blipFill>
+                        <a:blipFill rotWithShape="0">
                           <a:blip r:embed="rId4"/>
                           <a:stretch>
                             <a:fillRect l="-265663" t="-3077" r="-138554" b="-210769"/>
@@ -17715,7 +17834,7 @@
                         </a:p>
                       </a:txBody>
                       <a:tcPr anchor="ctr">
-                        <a:blipFill>
+                        <a:blipFill rotWithShape="0">
                           <a:blip r:embed="rId4"/>
                           <a:stretch>
                             <a:fillRect l="-268584" t="-3077" r="-1770" b="-210769"/>
@@ -17725,7 +17844,7 @@
                     </a:tc>
                     <a:extLst>
                       <a:ext uri="{0D108BD9-81ED-4DB2-BD59-A6C34878D82A}">
-                        <a16:rowId xmlns:a16="http://schemas.microsoft.com/office/drawing/2014/main" val="2345776386"/>
+                        <a16:rowId xmlns:a16="http://schemas.microsoft.com/office/drawing/2014/main" xmlns:a14="http://schemas.microsoft.com/office/drawing/2010/main" xmlns="" val="2345776386"/>
                       </a:ext>
                     </a:extLst>
                   </a:tr>
@@ -17807,7 +17926,7 @@
                     </a:tc>
                     <a:extLst>
                       <a:ext uri="{0D108BD9-81ED-4DB2-BD59-A6C34878D82A}">
-                        <a16:rowId xmlns:a16="http://schemas.microsoft.com/office/drawing/2014/main" val="235995012"/>
+                        <a16:rowId xmlns:a16="http://schemas.microsoft.com/office/drawing/2014/main" xmlns:a14="http://schemas.microsoft.com/office/drawing/2010/main" xmlns="" val="235995012"/>
                       </a:ext>
                     </a:extLst>
                   </a:tr>
@@ -17820,9 +17939,29 @@
                           <a:pPr algn="ctr"/>
                           <a:r>
                             <a:rPr lang="en-US" dirty="0"/>
-                            <a:t>C16H18O4</a:t>
+                            <a:t>C</a:t>
                           </a:r>
-                          <a:endParaRPr lang="es-CO" dirty="0"/>
+                          <a:r>
+                            <a:rPr lang="en-US" baseline="-25000" dirty="0"/>
+                            <a:t>16</a:t>
+                          </a:r>
+                          <a:r>
+                            <a:rPr lang="en-US" dirty="0"/>
+                            <a:t>H</a:t>
+                          </a:r>
+                          <a:r>
+                            <a:rPr lang="en-US" baseline="-25000" dirty="0"/>
+                            <a:t>18</a:t>
+                          </a:r>
+                          <a:r>
+                            <a:rPr lang="en-US" dirty="0"/>
+                            <a:t>O</a:t>
+                          </a:r>
+                          <a:r>
+                            <a:rPr lang="en-US" baseline="-25000" dirty="0"/>
+                            <a:t>4</a:t>
+                          </a:r>
+                          <a:endParaRPr lang="es-CO" baseline="-25000" dirty="0"/>
                         </a:p>
                       </a:txBody>
                       <a:tcPr anchor="ctr"/>
@@ -17889,7 +18028,7 @@
                     </a:tc>
                     <a:extLst>
                       <a:ext uri="{0D108BD9-81ED-4DB2-BD59-A6C34878D82A}">
-                        <a16:rowId xmlns:a16="http://schemas.microsoft.com/office/drawing/2014/main" val="4244662741"/>
+                        <a16:rowId xmlns:a16="http://schemas.microsoft.com/office/drawing/2014/main" xmlns:a14="http://schemas.microsoft.com/office/drawing/2010/main" xmlns="" val="4244662741"/>
                       </a:ext>
                     </a:extLst>
                   </a:tr>
@@ -17904,7 +18043,7 @@
           <p:cNvPr id="9" name="TextBox 8">
             <a:extLst>
               <a:ext uri="{FF2B5EF4-FFF2-40B4-BE49-F238E27FC236}">
-                <a16:creationId xmlns:a16="http://schemas.microsoft.com/office/drawing/2014/main" id="{38CCFD7D-32AC-4459-B578-F13EAC31BF1C}"/>
+                <a16:creationId xmlns:a16="http://schemas.microsoft.com/office/drawing/2014/main" xmlns="" id="{38CCFD7D-32AC-4459-B578-F13EAC31BF1C}"/>
               </a:ext>
             </a:extLst>
           </p:cNvPr>
@@ -17968,7 +18107,7 @@
           <p:cNvPr id="16" name="Group 15">
             <a:extLst>
               <a:ext uri="{FF2B5EF4-FFF2-40B4-BE49-F238E27FC236}">
-                <a16:creationId xmlns:a16="http://schemas.microsoft.com/office/drawing/2014/main" id="{C591F68E-FB4F-4442-87A4-46057645CCC9}"/>
+                <a16:creationId xmlns:a16="http://schemas.microsoft.com/office/drawing/2014/main" xmlns="" id="{C591F68E-FB4F-4442-87A4-46057645CCC9}"/>
               </a:ext>
             </a:extLst>
           </p:cNvPr>
@@ -17988,7 +18127,7 @@
             <p:cNvPr id="14" name="Group 13">
               <a:extLst>
                 <a:ext uri="{FF2B5EF4-FFF2-40B4-BE49-F238E27FC236}">
-                  <a16:creationId xmlns:a16="http://schemas.microsoft.com/office/drawing/2014/main" id="{123042C7-1707-44BE-99E5-179743CF71A0}"/>
+                  <a16:creationId xmlns:a16="http://schemas.microsoft.com/office/drawing/2014/main" xmlns="" id="{123042C7-1707-44BE-99E5-179743CF71A0}"/>
                 </a:ext>
               </a:extLst>
             </p:cNvPr>
@@ -18008,7 +18147,7 @@
               <p:cNvPr id="11" name="Picture 10">
                 <a:extLst>
                   <a:ext uri="{FF2B5EF4-FFF2-40B4-BE49-F238E27FC236}">
-                    <a16:creationId xmlns:a16="http://schemas.microsoft.com/office/drawing/2014/main" id="{045A6351-E614-463F-AF33-A2FA69E21CAF}"/>
+                    <a16:creationId xmlns:a16="http://schemas.microsoft.com/office/drawing/2014/main" xmlns="" id="{045A6351-E614-463F-AF33-A2FA69E21CAF}"/>
                   </a:ext>
                 </a:extLst>
               </p:cNvPr>
@@ -18038,7 +18177,7 @@
               <p:cNvPr id="13" name="Picture 12">
                 <a:extLst>
                   <a:ext uri="{FF2B5EF4-FFF2-40B4-BE49-F238E27FC236}">
-                    <a16:creationId xmlns:a16="http://schemas.microsoft.com/office/drawing/2014/main" id="{735DF972-9B9D-4C72-930D-80AE30356180}"/>
+                    <a16:creationId xmlns:a16="http://schemas.microsoft.com/office/drawing/2014/main" xmlns="" id="{735DF972-9B9D-4C72-930D-80AE30356180}"/>
                   </a:ext>
                 </a:extLst>
               </p:cNvPr>
@@ -18069,7 +18208,7 @@
             <p:cNvPr id="15" name="TextBox 14">
               <a:extLst>
                 <a:ext uri="{FF2B5EF4-FFF2-40B4-BE49-F238E27FC236}">
-                  <a16:creationId xmlns:a16="http://schemas.microsoft.com/office/drawing/2014/main" id="{6C88A965-AE26-43D9-B25D-CA82005C8CC4}"/>
+                  <a16:creationId xmlns:a16="http://schemas.microsoft.com/office/drawing/2014/main" xmlns="" id="{6C88A965-AE26-43D9-B25D-CA82005C8CC4}"/>
                 </a:ext>
               </a:extLst>
             </p:cNvPr>
@@ -18106,7 +18245,7 @@
           <p:cNvPr id="17" name="TextBox 16">
             <a:extLst>
               <a:ext uri="{FF2B5EF4-FFF2-40B4-BE49-F238E27FC236}">
-                <a16:creationId xmlns:a16="http://schemas.microsoft.com/office/drawing/2014/main" id="{778DD820-FC05-488C-B1FF-A8788EF0C4E2}"/>
+                <a16:creationId xmlns:a16="http://schemas.microsoft.com/office/drawing/2014/main" xmlns="" id="{778DD820-FC05-488C-B1FF-A8788EF0C4E2}"/>
               </a:ext>
             </a:extLst>
           </p:cNvPr>
@@ -18203,7 +18342,7 @@
           <p:cNvPr id="2" name="Title 1">
             <a:extLst>
               <a:ext uri="{FF2B5EF4-FFF2-40B4-BE49-F238E27FC236}">
-                <a16:creationId xmlns:a16="http://schemas.microsoft.com/office/drawing/2014/main" id="{779E37A4-8999-4E18-9594-C2027FEBAAE0}"/>
+                <a16:creationId xmlns:a16="http://schemas.microsoft.com/office/drawing/2014/main" xmlns="" id="{779E37A4-8999-4E18-9594-C2027FEBAAE0}"/>
               </a:ext>
             </a:extLst>
           </p:cNvPr>
@@ -18240,7 +18379,7 @@
           <p:cNvPr id="6" name="Content Placeholder 5">
             <a:extLst>
               <a:ext uri="{FF2B5EF4-FFF2-40B4-BE49-F238E27FC236}">
-                <a16:creationId xmlns:a16="http://schemas.microsoft.com/office/drawing/2014/main" id="{E741BDB1-77C8-44B1-B499-96E5E586A1FE}"/>
+                <a16:creationId xmlns:a16="http://schemas.microsoft.com/office/drawing/2014/main" xmlns="" id="{E741BDB1-77C8-44B1-B499-96E5E586A1FE}"/>
               </a:ext>
             </a:extLst>
           </p:cNvPr>
@@ -18269,7 +18408,7 @@
           <p:cNvPr id="4" name="Slide Number Placeholder 3">
             <a:extLst>
               <a:ext uri="{FF2B5EF4-FFF2-40B4-BE49-F238E27FC236}">
-                <a16:creationId xmlns:a16="http://schemas.microsoft.com/office/drawing/2014/main" id="{A0E22773-995F-438C-B748-812F32E24826}"/>
+                <a16:creationId xmlns:a16="http://schemas.microsoft.com/office/drawing/2014/main" xmlns="" id="{A0E22773-995F-438C-B748-812F32E24826}"/>
               </a:ext>
             </a:extLst>
           </p:cNvPr>
@@ -18299,7 +18438,7 @@
           <p:cNvPr id="9" name="Picture 8">
             <a:extLst>
               <a:ext uri="{FF2B5EF4-FFF2-40B4-BE49-F238E27FC236}">
-                <a16:creationId xmlns:a16="http://schemas.microsoft.com/office/drawing/2014/main" id="{F49ADB09-FD53-4075-9119-25204DD5EDD2}"/>
+                <a16:creationId xmlns:a16="http://schemas.microsoft.com/office/drawing/2014/main" xmlns="" id="{F49ADB09-FD53-4075-9119-25204DD5EDD2}"/>
               </a:ext>
             </a:extLst>
           </p:cNvPr>
@@ -18328,7 +18467,7 @@
           <p:cNvPr id="11" name="Straight Arrow Connector 10">
             <a:extLst>
               <a:ext uri="{FF2B5EF4-FFF2-40B4-BE49-F238E27FC236}">
-                <a16:creationId xmlns:a16="http://schemas.microsoft.com/office/drawing/2014/main" id="{FF58577C-6508-48DF-924B-5EEC51D8A6CB}"/>
+                <a16:creationId xmlns:a16="http://schemas.microsoft.com/office/drawing/2014/main" xmlns="" id="{FF58577C-6508-48DF-924B-5EEC51D8A6CB}"/>
               </a:ext>
             </a:extLst>
           </p:cNvPr>
@@ -18369,7 +18508,7 @@
           <p:cNvPr id="13" name="TextBox 12">
             <a:extLst>
               <a:ext uri="{FF2B5EF4-FFF2-40B4-BE49-F238E27FC236}">
-                <a16:creationId xmlns:a16="http://schemas.microsoft.com/office/drawing/2014/main" id="{FEAA334F-3F25-437A-A836-00C24E770A6E}"/>
+                <a16:creationId xmlns:a16="http://schemas.microsoft.com/office/drawing/2014/main" xmlns="" id="{FEAA334F-3F25-437A-A836-00C24E770A6E}"/>
               </a:ext>
             </a:extLst>
           </p:cNvPr>
@@ -18421,7 +18560,7 @@
           <p:cNvPr id="15" name="TextBox 14">
             <a:extLst>
               <a:ext uri="{FF2B5EF4-FFF2-40B4-BE49-F238E27FC236}">
-                <a16:creationId xmlns:a16="http://schemas.microsoft.com/office/drawing/2014/main" id="{E900257E-432E-4914-BA65-837DBE8A3B50}"/>
+                <a16:creationId xmlns:a16="http://schemas.microsoft.com/office/drawing/2014/main" xmlns="" id="{E900257E-432E-4914-BA65-837DBE8A3B50}"/>
               </a:ext>
             </a:extLst>
           </p:cNvPr>
@@ -18488,7 +18627,7 @@
           <p:cNvPr id="17" name="Straight Arrow Connector 16">
             <a:extLst>
               <a:ext uri="{FF2B5EF4-FFF2-40B4-BE49-F238E27FC236}">
-                <a16:creationId xmlns:a16="http://schemas.microsoft.com/office/drawing/2014/main" id="{92A99E0B-C639-431C-AD07-99093ABF82C1}"/>
+                <a16:creationId xmlns:a16="http://schemas.microsoft.com/office/drawing/2014/main" xmlns="" id="{92A99E0B-C639-431C-AD07-99093ABF82C1}"/>
               </a:ext>
             </a:extLst>
           </p:cNvPr>
@@ -18527,7 +18666,7 @@
           <p:cNvPr id="20" name="Picture 19">
             <a:extLst>
               <a:ext uri="{FF2B5EF4-FFF2-40B4-BE49-F238E27FC236}">
-                <a16:creationId xmlns:a16="http://schemas.microsoft.com/office/drawing/2014/main" id="{4F30579A-66C9-4B4C-B268-1AB5A1014F47}"/>
+                <a16:creationId xmlns:a16="http://schemas.microsoft.com/office/drawing/2014/main" xmlns="" id="{4F30579A-66C9-4B4C-B268-1AB5A1014F47}"/>
               </a:ext>
             </a:extLst>
           </p:cNvPr>
@@ -18557,7 +18696,7 @@
           <p:cNvPr id="21" name="Rectangle 20">
             <a:extLst>
               <a:ext uri="{FF2B5EF4-FFF2-40B4-BE49-F238E27FC236}">
-                <a16:creationId xmlns:a16="http://schemas.microsoft.com/office/drawing/2014/main" id="{B0E90366-77C2-4BAF-855C-BCA4D5AC6671}"/>
+                <a16:creationId xmlns:a16="http://schemas.microsoft.com/office/drawing/2014/main" xmlns="" id="{B0E90366-77C2-4BAF-855C-BCA4D5AC6671}"/>
               </a:ext>
             </a:extLst>
           </p:cNvPr>
@@ -18629,7 +18768,7 @@
           <p:cNvPr id="2" name="Title 1">
             <a:extLst>
               <a:ext uri="{FF2B5EF4-FFF2-40B4-BE49-F238E27FC236}">
-                <a16:creationId xmlns:a16="http://schemas.microsoft.com/office/drawing/2014/main" id="{779E37A4-8999-4E18-9594-C2027FEBAAE0}"/>
+                <a16:creationId xmlns:a16="http://schemas.microsoft.com/office/drawing/2014/main" xmlns="" id="{779E37A4-8999-4E18-9594-C2027FEBAAE0}"/>
               </a:ext>
             </a:extLst>
           </p:cNvPr>
@@ -18666,7 +18805,7 @@
           <p:cNvPr id="6" name="Content Placeholder 5">
             <a:extLst>
               <a:ext uri="{FF2B5EF4-FFF2-40B4-BE49-F238E27FC236}">
-                <a16:creationId xmlns:a16="http://schemas.microsoft.com/office/drawing/2014/main" id="{E741BDB1-77C8-44B1-B499-96E5E586A1FE}"/>
+                <a16:creationId xmlns:a16="http://schemas.microsoft.com/office/drawing/2014/main" xmlns="" id="{E741BDB1-77C8-44B1-B499-96E5E586A1FE}"/>
               </a:ext>
             </a:extLst>
           </p:cNvPr>
@@ -18695,7 +18834,7 @@
           <p:cNvPr id="4" name="Slide Number Placeholder 3">
             <a:extLst>
               <a:ext uri="{FF2B5EF4-FFF2-40B4-BE49-F238E27FC236}">
-                <a16:creationId xmlns:a16="http://schemas.microsoft.com/office/drawing/2014/main" id="{A0E22773-995F-438C-B748-812F32E24826}"/>
+                <a16:creationId xmlns:a16="http://schemas.microsoft.com/office/drawing/2014/main" xmlns="" id="{A0E22773-995F-438C-B748-812F32E24826}"/>
               </a:ext>
             </a:extLst>
           </p:cNvPr>
@@ -18725,7 +18864,7 @@
           <p:cNvPr id="15" name="TextBox 14">
             <a:extLst>
               <a:ext uri="{FF2B5EF4-FFF2-40B4-BE49-F238E27FC236}">
-                <a16:creationId xmlns:a16="http://schemas.microsoft.com/office/drawing/2014/main" id="{E900257E-432E-4914-BA65-837DBE8A3B50}"/>
+                <a16:creationId xmlns:a16="http://schemas.microsoft.com/office/drawing/2014/main" xmlns="" id="{E900257E-432E-4914-BA65-837DBE8A3B50}"/>
               </a:ext>
             </a:extLst>
           </p:cNvPr>
@@ -18792,7 +18931,7 @@
           <p:cNvPr id="10" name="Straight Arrow Connector 9">
             <a:extLst>
               <a:ext uri="{FF2B5EF4-FFF2-40B4-BE49-F238E27FC236}">
-                <a16:creationId xmlns:a16="http://schemas.microsoft.com/office/drawing/2014/main" id="{9D5298D6-EE55-447A-B73C-C442576FC48D}"/>
+                <a16:creationId xmlns:a16="http://schemas.microsoft.com/office/drawing/2014/main" xmlns="" id="{9D5298D6-EE55-447A-B73C-C442576FC48D}"/>
               </a:ext>
             </a:extLst>
           </p:cNvPr>
@@ -18831,7 +18970,7 @@
           <p:cNvPr id="12" name="Picture 11">
             <a:extLst>
               <a:ext uri="{FF2B5EF4-FFF2-40B4-BE49-F238E27FC236}">
-                <a16:creationId xmlns:a16="http://schemas.microsoft.com/office/drawing/2014/main" id="{0EEA450F-DFE6-43FD-AE35-73F51ED9FAF8}"/>
+                <a16:creationId xmlns:a16="http://schemas.microsoft.com/office/drawing/2014/main" xmlns="" id="{0EEA450F-DFE6-43FD-AE35-73F51ED9FAF8}"/>
               </a:ext>
             </a:extLst>
           </p:cNvPr>
@@ -18861,7 +19000,7 @@
           <p:cNvPr id="16" name="Rectangle 15">
             <a:extLst>
               <a:ext uri="{FF2B5EF4-FFF2-40B4-BE49-F238E27FC236}">
-                <a16:creationId xmlns:a16="http://schemas.microsoft.com/office/drawing/2014/main" id="{43A7BCBC-775A-4045-AE8C-8BB3CCA0CCB0}"/>
+                <a16:creationId xmlns:a16="http://schemas.microsoft.com/office/drawing/2014/main" xmlns="" id="{43A7BCBC-775A-4045-AE8C-8BB3CCA0CCB0}"/>
               </a:ext>
             </a:extLst>
           </p:cNvPr>
@@ -18933,7 +19072,7 @@
           <p:cNvPr id="2" name="Title 1">
             <a:extLst>
               <a:ext uri="{FF2B5EF4-FFF2-40B4-BE49-F238E27FC236}">
-                <a16:creationId xmlns:a16="http://schemas.microsoft.com/office/drawing/2014/main" id="{F25B8E26-49D7-43CA-9159-76A91BB78FBA}"/>
+                <a16:creationId xmlns:a16="http://schemas.microsoft.com/office/drawing/2014/main" xmlns="" id="{F25B8E26-49D7-43CA-9159-76A91BB78FBA}"/>
               </a:ext>
             </a:extLst>
           </p:cNvPr>
@@ -18970,7 +19109,7 @@
           <p:cNvPr id="4" name="Slide Number Placeholder 3">
             <a:extLst>
               <a:ext uri="{FF2B5EF4-FFF2-40B4-BE49-F238E27FC236}">
-                <a16:creationId xmlns:a16="http://schemas.microsoft.com/office/drawing/2014/main" id="{BA7E69C3-56CF-45B5-8EB1-5EC4DC4FD7DE}"/>
+                <a16:creationId xmlns:a16="http://schemas.microsoft.com/office/drawing/2014/main" xmlns="" id="{BA7E69C3-56CF-45B5-8EB1-5EC4DC4FD7DE}"/>
               </a:ext>
             </a:extLst>
           </p:cNvPr>
@@ -19000,7 +19139,7 @@
           <p:cNvPr id="9" name="Content Placeholder 8">
             <a:extLst>
               <a:ext uri="{FF2B5EF4-FFF2-40B4-BE49-F238E27FC236}">
-                <a16:creationId xmlns:a16="http://schemas.microsoft.com/office/drawing/2014/main" id="{169AF6C5-D67F-4FF8-9576-8267E6A295B5}"/>
+                <a16:creationId xmlns:a16="http://schemas.microsoft.com/office/drawing/2014/main" xmlns="" id="{169AF6C5-D67F-4FF8-9576-8267E6A295B5}"/>
               </a:ext>
             </a:extLst>
           </p:cNvPr>
@@ -19029,7 +19168,7 @@
           <p:cNvPr id="11" name="Picture 10">
             <a:extLst>
               <a:ext uri="{FF2B5EF4-FFF2-40B4-BE49-F238E27FC236}">
-                <a16:creationId xmlns:a16="http://schemas.microsoft.com/office/drawing/2014/main" id="{4252D167-755F-4094-8CC8-9E14CD061C80}"/>
+                <a16:creationId xmlns:a16="http://schemas.microsoft.com/office/drawing/2014/main" xmlns="" id="{4252D167-755F-4094-8CC8-9E14CD061C80}"/>
               </a:ext>
             </a:extLst>
           </p:cNvPr>
@@ -19059,7 +19198,7 @@
           <p:cNvPr id="13" name="Table 12">
             <a:extLst>
               <a:ext uri="{FF2B5EF4-FFF2-40B4-BE49-F238E27FC236}">
-                <a16:creationId xmlns:a16="http://schemas.microsoft.com/office/drawing/2014/main" id="{39DD120D-4684-49DF-BD90-44A7C09FF317}"/>
+                <a16:creationId xmlns:a16="http://schemas.microsoft.com/office/drawing/2014/main" xmlns="" id="{39DD120D-4684-49DF-BD90-44A7C09FF317}"/>
               </a:ext>
             </a:extLst>
           </p:cNvPr>
@@ -19088,21 +19227,21 @@
                 <a:gridCol w="705168">
                   <a:extLst>
                     <a:ext uri="{9D8B030D-6E8A-4147-A177-3AD203B41FA5}">
-                      <a16:colId xmlns:a16="http://schemas.microsoft.com/office/drawing/2014/main" val="1145553956"/>
+                      <a16:colId xmlns:a16="http://schemas.microsoft.com/office/drawing/2014/main" xmlns="" val="1145553956"/>
                     </a:ext>
                   </a:extLst>
                 </a:gridCol>
                 <a:gridCol w="441643">
                   <a:extLst>
                     <a:ext uri="{9D8B030D-6E8A-4147-A177-3AD203B41FA5}">
-                      <a16:colId xmlns:a16="http://schemas.microsoft.com/office/drawing/2014/main" val="3391349660"/>
+                      <a16:colId xmlns:a16="http://schemas.microsoft.com/office/drawing/2014/main" xmlns="" val="3391349660"/>
                     </a:ext>
                   </a:extLst>
                 </a:gridCol>
                 <a:gridCol w="758433">
                   <a:extLst>
                     <a:ext uri="{9D8B030D-6E8A-4147-A177-3AD203B41FA5}">
-                      <a16:colId xmlns:a16="http://schemas.microsoft.com/office/drawing/2014/main" val="64411816"/>
+                      <a16:colId xmlns:a16="http://schemas.microsoft.com/office/drawing/2014/main" xmlns="" val="64411816"/>
                     </a:ext>
                   </a:extLst>
                 </a:gridCol>
@@ -19152,7 +19291,7 @@
                 </a:tc>
                 <a:extLst>
                   <a:ext uri="{0D108BD9-81ED-4DB2-BD59-A6C34878D82A}">
-                    <a16:rowId xmlns:a16="http://schemas.microsoft.com/office/drawing/2014/main" val="4007312235"/>
+                    <a16:rowId xmlns:a16="http://schemas.microsoft.com/office/drawing/2014/main" xmlns="" val="4007312235"/>
                   </a:ext>
                 </a:extLst>
               </a:tr>
@@ -19201,7 +19340,7 @@
                 </a:tc>
                 <a:extLst>
                   <a:ext uri="{0D108BD9-81ED-4DB2-BD59-A6C34878D82A}">
-                    <a16:rowId xmlns:a16="http://schemas.microsoft.com/office/drawing/2014/main" val="3982069718"/>
+                    <a16:rowId xmlns:a16="http://schemas.microsoft.com/office/drawing/2014/main" xmlns="" val="3982069718"/>
                   </a:ext>
                 </a:extLst>
               </a:tr>
@@ -19250,7 +19389,7 @@
                 </a:tc>
                 <a:extLst>
                   <a:ext uri="{0D108BD9-81ED-4DB2-BD59-A6C34878D82A}">
-                    <a16:rowId xmlns:a16="http://schemas.microsoft.com/office/drawing/2014/main" val="3488197243"/>
+                    <a16:rowId xmlns:a16="http://schemas.microsoft.com/office/drawing/2014/main" xmlns="" val="3488197243"/>
                   </a:ext>
                 </a:extLst>
               </a:tr>
@@ -19299,7 +19438,7 @@
                 </a:tc>
                 <a:extLst>
                   <a:ext uri="{0D108BD9-81ED-4DB2-BD59-A6C34878D82A}">
-                    <a16:rowId xmlns:a16="http://schemas.microsoft.com/office/drawing/2014/main" val="2124202204"/>
+                    <a16:rowId xmlns:a16="http://schemas.microsoft.com/office/drawing/2014/main" xmlns="" val="2124202204"/>
                   </a:ext>
                 </a:extLst>
               </a:tr>
@@ -19348,7 +19487,7 @@
                 </a:tc>
                 <a:extLst>
                   <a:ext uri="{0D108BD9-81ED-4DB2-BD59-A6C34878D82A}">
-                    <a16:rowId xmlns:a16="http://schemas.microsoft.com/office/drawing/2014/main" val="4145487885"/>
+                    <a16:rowId xmlns:a16="http://schemas.microsoft.com/office/drawing/2014/main" xmlns="" val="4145487885"/>
                   </a:ext>
                 </a:extLst>
               </a:tr>
@@ -19361,7 +19500,7 @@
           <p:cNvPr id="14" name="Rectangle 13">
             <a:extLst>
               <a:ext uri="{FF2B5EF4-FFF2-40B4-BE49-F238E27FC236}">
-                <a16:creationId xmlns:a16="http://schemas.microsoft.com/office/drawing/2014/main" id="{2D4E5217-833A-4136-B2F6-585024557421}"/>
+                <a16:creationId xmlns:a16="http://schemas.microsoft.com/office/drawing/2014/main" xmlns="" id="{2D4E5217-833A-4136-B2F6-585024557421}"/>
               </a:ext>
             </a:extLst>
           </p:cNvPr>

--- a/2-McMurry/seminario/Reacción de McMurry.pptx
+++ b/2-McMurry/seminario/Reacción de McMurry.pptx
@@ -1739,30 +1739,29 @@
             <a:t> y </a:t>
           </a:r>
           <a:r>
-            <a:rPr lang="en-US" dirty="0" err="1" smtClean="0"/>
+            <a:rPr lang="en-US" dirty="0" err="1"/>
             <a:t>evaporación</a:t>
           </a:r>
           <a:r>
-            <a:rPr lang="en-US" dirty="0" smtClean="0"/>
+            <a:rPr lang="en-US" dirty="0"/>
             <a:t> a </a:t>
           </a:r>
           <a:r>
-            <a:rPr lang="en-US" dirty="0" err="1" smtClean="0"/>
+            <a:rPr lang="en-US" dirty="0" err="1"/>
             <a:t>presión</a:t>
           </a:r>
           <a:r>
-            <a:rPr lang="en-US" dirty="0" smtClean="0"/>
+            <a:rPr lang="en-US" dirty="0"/>
             <a:t> </a:t>
           </a:r>
           <a:r>
-            <a:rPr lang="en-US" dirty="0" err="1" smtClean="0"/>
+            <a:rPr lang="en-US" dirty="0" err="1"/>
             <a:t>reducida</a:t>
           </a:r>
           <a:r>
-            <a:rPr lang="en-US" dirty="0" smtClean="0"/>
+            <a:rPr lang="en-US" dirty="0"/>
             <a:t>.</a:t>
           </a:r>
-          <a:endParaRPr lang="en-US" dirty="0"/>
         </a:p>
       </dgm:t>
     </dgm:pt>
@@ -1954,13 +1953,6 @@
         </dgm:presLayoutVars>
       </dgm:prSet>
       <dgm:spPr/>
-      <dgm:t>
-        <a:bodyPr/>
-        <a:lstStyle/>
-        <a:p>
-          <a:endParaRPr lang="es-CO"/>
-        </a:p>
-      </dgm:t>
     </dgm:pt>
     <dgm:pt modelId="{4ACF77EA-3FCA-4951-A887-AB3AAEB855AF}" type="pres">
       <dgm:prSet presAssocID="{A70723DE-A2A0-4127-B1D4-C85B1D90FDB1}" presName="composite" presStyleCnt="0"/>
@@ -1974,13 +1966,6 @@
         </dgm:presLayoutVars>
       </dgm:prSet>
       <dgm:spPr/>
-      <dgm:t>
-        <a:bodyPr/>
-        <a:lstStyle/>
-        <a:p>
-          <a:endParaRPr lang="es-CO"/>
-        </a:p>
-      </dgm:t>
     </dgm:pt>
     <dgm:pt modelId="{9B16637D-924D-44FA-BB5A-5D05FA56AF04}" type="pres">
       <dgm:prSet presAssocID="{A70723DE-A2A0-4127-B1D4-C85B1D90FDB1}" presName="descendantText" presStyleLbl="alignAcc1" presStyleIdx="0" presStyleCnt="4" custScaleY="100000">
@@ -1989,13 +1974,6 @@
         </dgm:presLayoutVars>
       </dgm:prSet>
       <dgm:spPr/>
-      <dgm:t>
-        <a:bodyPr/>
-        <a:lstStyle/>
-        <a:p>
-          <a:endParaRPr lang="es-CO"/>
-        </a:p>
-      </dgm:t>
     </dgm:pt>
     <dgm:pt modelId="{ABB3EC4E-C84C-49B8-94A7-3DBD49C403D3}" type="pres">
       <dgm:prSet presAssocID="{A5153C8C-5C5D-4104-9C6C-7257FDCBF23B}" presName="sp" presStyleCnt="0"/>
@@ -2013,13 +1991,6 @@
         </dgm:presLayoutVars>
       </dgm:prSet>
       <dgm:spPr/>
-      <dgm:t>
-        <a:bodyPr/>
-        <a:lstStyle/>
-        <a:p>
-          <a:endParaRPr lang="es-CO"/>
-        </a:p>
-      </dgm:t>
     </dgm:pt>
     <dgm:pt modelId="{F39690DC-D152-46E6-9FA5-FE3F8986CE81}" type="pres">
       <dgm:prSet presAssocID="{FCDB82CE-2D57-46EC-99A3-E4FD195FA563}" presName="descendantText" presStyleLbl="alignAcc1" presStyleIdx="1" presStyleCnt="4" custScaleY="123163">
@@ -2028,13 +1999,6 @@
         </dgm:presLayoutVars>
       </dgm:prSet>
       <dgm:spPr/>
-      <dgm:t>
-        <a:bodyPr/>
-        <a:lstStyle/>
-        <a:p>
-          <a:endParaRPr lang="es-CO"/>
-        </a:p>
-      </dgm:t>
     </dgm:pt>
     <dgm:pt modelId="{C8D2D1E2-3229-4C20-95E6-9F97F88A2F00}" type="pres">
       <dgm:prSet presAssocID="{457C7131-7CA8-4CCC-906A-B5E71FD9FA16}" presName="sp" presStyleCnt="0"/>
@@ -2052,13 +2016,6 @@
         </dgm:presLayoutVars>
       </dgm:prSet>
       <dgm:spPr/>
-      <dgm:t>
-        <a:bodyPr/>
-        <a:lstStyle/>
-        <a:p>
-          <a:endParaRPr lang="es-CO"/>
-        </a:p>
-      </dgm:t>
     </dgm:pt>
     <dgm:pt modelId="{7D83A7F7-A0B4-4E24-A9A9-741E66AEB222}" type="pres">
       <dgm:prSet presAssocID="{9AA255C3-C9EE-4048-A9D0-92A8D6006465}" presName="descendantText" presStyleLbl="alignAcc1" presStyleIdx="2" presStyleCnt="4">
@@ -2067,13 +2024,6 @@
         </dgm:presLayoutVars>
       </dgm:prSet>
       <dgm:spPr/>
-      <dgm:t>
-        <a:bodyPr/>
-        <a:lstStyle/>
-        <a:p>
-          <a:endParaRPr lang="es-CO"/>
-        </a:p>
-      </dgm:t>
     </dgm:pt>
     <dgm:pt modelId="{1D6EA489-5AD7-487D-8107-0A9FA1FAD3B3}" type="pres">
       <dgm:prSet presAssocID="{0438340C-6374-4951-8FF0-84A078F6395E}" presName="sp" presStyleCnt="0"/>
@@ -2091,13 +2041,6 @@
         </dgm:presLayoutVars>
       </dgm:prSet>
       <dgm:spPr/>
-      <dgm:t>
-        <a:bodyPr/>
-        <a:lstStyle/>
-        <a:p>
-          <a:endParaRPr lang="es-CO"/>
-        </a:p>
-      </dgm:t>
     </dgm:pt>
     <dgm:pt modelId="{56D5EFD3-3431-4ABB-9328-4E7C91EAD593}" type="pres">
       <dgm:prSet presAssocID="{8DA02B0A-F09A-4CC3-97EA-15364136EE53}" presName="descendantText" presStyleLbl="alignAcc1" presStyleIdx="3" presStyleCnt="4">
@@ -2106,47 +2049,40 @@
         </dgm:presLayoutVars>
       </dgm:prSet>
       <dgm:spPr/>
-      <dgm:t>
-        <a:bodyPr/>
-        <a:lstStyle/>
-        <a:p>
-          <a:endParaRPr lang="es-CO"/>
-        </a:p>
-      </dgm:t>
     </dgm:pt>
   </dgm:ptLst>
   <dgm:cxnLst>
+    <dgm:cxn modelId="{AAAF4403-1467-4E3A-BE41-7FEB4953B3CE}" srcId="{8DA02B0A-F09A-4CC3-97EA-15364136EE53}" destId="{B1A5CD55-6F8D-4513-8AD3-4BDA9EDE3F94}" srcOrd="1" destOrd="0" parTransId="{5924716F-39C2-4F4C-B0E1-566789902745}" sibTransId="{9C4F9D2F-42EC-4D1F-9A01-E8E898928C1F}"/>
+    <dgm:cxn modelId="{C49FE503-B94E-49CC-93E5-9B5F2BD59773}" type="presOf" srcId="{C27DDAE6-D76A-4CEB-8720-865545EF0E06}" destId="{0EF8465C-2D77-4D72-BA28-819FBB595FE3}" srcOrd="0" destOrd="0" presId="urn:microsoft.com/office/officeart/2005/8/layout/chevron2"/>
+    <dgm:cxn modelId="{EF182708-B804-4A10-903C-30596C4B7A72}" type="presOf" srcId="{9AA255C3-C9EE-4048-A9D0-92A8D6006465}" destId="{203C28E5-6D32-4F13-93D9-344BEE5A8FB4}" srcOrd="0" destOrd="0" presId="urn:microsoft.com/office/officeart/2005/8/layout/chevron2"/>
     <dgm:cxn modelId="{CB723A0A-C2FA-4EC2-92A5-27CA7ACD8CE7}" srcId="{FCDB82CE-2D57-46EC-99A3-E4FD195FA563}" destId="{D73189AA-D988-417B-94F5-7092051280CE}" srcOrd="1" destOrd="0" parTransId="{73F2910F-BBCE-4E06-8809-83EB9C8E8C03}" sibTransId="{5A54F43A-3652-4A0D-B53E-416F8C440FEC}"/>
+    <dgm:cxn modelId="{60A4AB0B-DC22-4384-AEDC-8FF7556CE6A2}" srcId="{9AA255C3-C9EE-4048-A9D0-92A8D6006465}" destId="{12014D8B-EDC6-4113-A55D-307F295388DC}" srcOrd="0" destOrd="0" parTransId="{22093B57-DAAB-4209-BB1C-ABE40B149D1B}" sibTransId="{0234D016-EFED-49D5-91B7-4F68B2A66293}"/>
+    <dgm:cxn modelId="{89DCB00E-E129-4322-A588-BCB25D330EA3}" srcId="{C27DDAE6-D76A-4CEB-8720-865545EF0E06}" destId="{FCDB82CE-2D57-46EC-99A3-E4FD195FA563}" srcOrd="1" destOrd="0" parTransId="{08C088A4-C6A1-4A7F-9EF3-8B72DB475F42}" sibTransId="{457C7131-7CA8-4CCC-906A-B5E71FD9FA16}"/>
+    <dgm:cxn modelId="{9081E611-0E27-4773-BC8D-AF43C2285E3D}" srcId="{C27DDAE6-D76A-4CEB-8720-865545EF0E06}" destId="{9AA255C3-C9EE-4048-A9D0-92A8D6006465}" srcOrd="2" destOrd="0" parTransId="{3C537B3B-D1CE-445D-9156-E6FA4CFB9281}" sibTransId="{0438340C-6374-4951-8FF0-84A078F6395E}"/>
+    <dgm:cxn modelId="{3178A012-5864-4607-8CB5-618C68D46867}" srcId="{FCDB82CE-2D57-46EC-99A3-E4FD195FA563}" destId="{CEF33A41-439F-44E3-817B-B24E2F03C884}" srcOrd="2" destOrd="0" parTransId="{9452A6E4-207F-4C49-9627-F7D251AC104B}" sibTransId="{297C0078-0AC3-4F92-8AEB-A24346665A31}"/>
+    <dgm:cxn modelId="{46EF9E14-AD17-41EF-B5A0-DD54E9755ED5}" srcId="{9AA255C3-C9EE-4048-A9D0-92A8D6006465}" destId="{34D73D66-79D9-44E0-A536-B42CAFE66938}" srcOrd="1" destOrd="0" parTransId="{F0388E59-CEB7-4AEA-BDC1-ADED54DA333D}" sibTransId="{6EEA123E-5687-458A-8AE6-C7C9A7697809}"/>
+    <dgm:cxn modelId="{7D051017-C5F4-4F60-8671-AEADC13FD8E8}" type="presOf" srcId="{FCDB82CE-2D57-46EC-99A3-E4FD195FA563}" destId="{31A02029-CFE8-4458-9EA4-A164B81BFEF9}" srcOrd="0" destOrd="0" presId="urn:microsoft.com/office/officeart/2005/8/layout/chevron2"/>
+    <dgm:cxn modelId="{94460E19-3457-4C49-AB4A-A40832EFE8CA}" srcId="{8DA02B0A-F09A-4CC3-97EA-15364136EE53}" destId="{1F20D538-F37A-4CAB-AFA0-C3E32E1AE30A}" srcOrd="0" destOrd="0" parTransId="{CD30DB80-7195-4E5D-9310-E46D907A1FE3}" sibTransId="{777678C3-4CC5-4FCE-9148-C15FA8A4073B}"/>
+    <dgm:cxn modelId="{B93A8A24-9F72-4689-AAFD-7CFDB917B9DA}" srcId="{FCDB82CE-2D57-46EC-99A3-E4FD195FA563}" destId="{A4FF4BE5-22CC-436E-B245-09BF412A9CBA}" srcOrd="0" destOrd="0" parTransId="{B48FA96F-4C30-43F9-85AB-BB9EA5F1374C}" sibTransId="{C49150BE-F26E-4F1F-B077-BD126A9EC485}"/>
     <dgm:cxn modelId="{F28D2E2D-5ED2-411F-BD1E-E4CD390F1531}" type="presOf" srcId="{A70723DE-A2A0-4127-B1D4-C85B1D90FDB1}" destId="{8D449E2F-AC45-4D53-89CB-245FA3F05FF3}" srcOrd="0" destOrd="0" presId="urn:microsoft.com/office/officeart/2005/8/layout/chevron2"/>
+    <dgm:cxn modelId="{865D152F-77AA-42DA-96C2-A0C389475DF2}" type="presOf" srcId="{B1A5CD55-6F8D-4513-8AD3-4BDA9EDE3F94}" destId="{56D5EFD3-3431-4ABB-9328-4E7C91EAD593}" srcOrd="0" destOrd="1" presId="urn:microsoft.com/office/officeart/2005/8/layout/chevron2"/>
+    <dgm:cxn modelId="{257FBB40-8A0D-4E16-AB3C-723C2B843191}" type="presOf" srcId="{1F20D538-F37A-4CAB-AFA0-C3E32E1AE30A}" destId="{56D5EFD3-3431-4ABB-9328-4E7C91EAD593}" srcOrd="0" destOrd="0" presId="urn:microsoft.com/office/officeart/2005/8/layout/chevron2"/>
+    <dgm:cxn modelId="{2E707E44-6DAE-4E87-8C2B-823F05FF6C8D}" type="presOf" srcId="{12014D8B-EDC6-4113-A55D-307F295388DC}" destId="{7D83A7F7-A0B4-4E24-A9A9-741E66AEB222}" srcOrd="0" destOrd="0" presId="urn:microsoft.com/office/officeart/2005/8/layout/chevron2"/>
+    <dgm:cxn modelId="{DDE69E44-8D87-43FE-AE98-1FD87E945879}" type="presOf" srcId="{CEF33A41-439F-44E3-817B-B24E2F03C884}" destId="{F39690DC-D152-46E6-9FA5-FE3F8986CE81}" srcOrd="0" destOrd="4" presId="urn:microsoft.com/office/officeart/2005/8/layout/chevron2"/>
     <dgm:cxn modelId="{1E18C747-60F3-4606-9DD8-27ED6EFDF456}" type="presOf" srcId="{8DA02B0A-F09A-4CC3-97EA-15364136EE53}" destId="{DF990E23-59F4-43AF-A899-39184D358677}" srcOrd="0" destOrd="0" presId="urn:microsoft.com/office/officeart/2005/8/layout/chevron2"/>
-    <dgm:cxn modelId="{2BA317C1-3125-4950-BEAC-C8D048A344A3}" type="presOf" srcId="{D73189AA-D988-417B-94F5-7092051280CE}" destId="{F39690DC-D152-46E6-9FA5-FE3F8986CE81}" srcOrd="0" destOrd="2" presId="urn:microsoft.com/office/officeart/2005/8/layout/chevron2"/>
-    <dgm:cxn modelId="{53A234AE-8C3D-42E1-BE43-9020B88C22AE}" type="presOf" srcId="{E8E8F9F1-6616-4C58-B06E-9DA1C6CEF61F}" destId="{F39690DC-D152-46E6-9FA5-FE3F8986CE81}" srcOrd="0" destOrd="1" presId="urn:microsoft.com/office/officeart/2005/8/layout/chevron2"/>
-    <dgm:cxn modelId="{94460E19-3457-4C49-AB4A-A40832EFE8CA}" srcId="{8DA02B0A-F09A-4CC3-97EA-15364136EE53}" destId="{1F20D538-F37A-4CAB-AFA0-C3E32E1AE30A}" srcOrd="0" destOrd="0" parTransId="{CD30DB80-7195-4E5D-9310-E46D907A1FE3}" sibTransId="{777678C3-4CC5-4FCE-9148-C15FA8A4073B}"/>
+    <dgm:cxn modelId="{7D8C0A4C-216C-407D-B580-7FDEB349A1F6}" srcId="{A70723DE-A2A0-4127-B1D4-C85B1D90FDB1}" destId="{F4191204-04A3-4DD7-A8F8-4911C7A9424D}" srcOrd="0" destOrd="0" parTransId="{6DC56A41-3B40-4761-8C00-53BB14469F60}" sibTransId="{B3B0AFA6-C377-4829-92A8-2B6E65B2AB38}"/>
     <dgm:cxn modelId="{6EBACE6D-D718-4778-9E20-B42527280B95}" type="presOf" srcId="{C91A23EB-ECA0-4253-B00E-39006246EB40}" destId="{7D83A7F7-A0B4-4E24-A9A9-741E66AEB222}" srcOrd="0" destOrd="2" presId="urn:microsoft.com/office/officeart/2005/8/layout/chevron2"/>
-    <dgm:cxn modelId="{3178A012-5864-4607-8CB5-618C68D46867}" srcId="{FCDB82CE-2D57-46EC-99A3-E4FD195FA563}" destId="{CEF33A41-439F-44E3-817B-B24E2F03C884}" srcOrd="2" destOrd="0" parTransId="{9452A6E4-207F-4C49-9627-F7D251AC104B}" sibTransId="{297C0078-0AC3-4F92-8AEB-A24346665A31}"/>
-    <dgm:cxn modelId="{85DA17B5-F258-454F-A5AE-0478F3CD62C8}" srcId="{C27DDAE6-D76A-4CEB-8720-865545EF0E06}" destId="{A70723DE-A2A0-4127-B1D4-C85B1D90FDB1}" srcOrd="0" destOrd="0" parTransId="{F1ECD5FB-5899-43D6-BE30-E681C6B96EC2}" sibTransId="{A5153C8C-5C5D-4104-9C6C-7257FDCBF23B}"/>
-    <dgm:cxn modelId="{715760E0-27A9-42E3-9E7D-23D0F2C4B60C}" type="presOf" srcId="{314732FA-7173-4D6E-9DD4-39E40D3D5100}" destId="{F39690DC-D152-46E6-9FA5-FE3F8986CE81}" srcOrd="0" destOrd="3" presId="urn:microsoft.com/office/officeart/2005/8/layout/chevron2"/>
+    <dgm:cxn modelId="{1B9E1081-B472-40EA-BF27-286429C39507}" type="presOf" srcId="{A4FF4BE5-22CC-436E-B245-09BF412A9CBA}" destId="{F39690DC-D152-46E6-9FA5-FE3F8986CE81}" srcOrd="0" destOrd="0" presId="urn:microsoft.com/office/officeart/2005/8/layout/chevron2"/>
     <dgm:cxn modelId="{F3C0DE8B-9B4F-4059-A563-AEFEA4A92836}" srcId="{9AA255C3-C9EE-4048-A9D0-92A8D6006465}" destId="{C91A23EB-ECA0-4253-B00E-39006246EB40}" srcOrd="2" destOrd="0" parTransId="{8C4679DF-0AE3-4693-A70C-40D2F5DCD030}" sibTransId="{30CDD7D6-F524-4969-86C8-95A543BAE485}"/>
     <dgm:cxn modelId="{052BB792-37DC-4B00-A5FB-A0BDD5E3460F}" type="presOf" srcId="{34D73D66-79D9-44E0-A536-B42CAFE66938}" destId="{7D83A7F7-A0B4-4E24-A9A9-741E66AEB222}" srcOrd="0" destOrd="1" presId="urn:microsoft.com/office/officeart/2005/8/layout/chevron2"/>
-    <dgm:cxn modelId="{9081E611-0E27-4773-BC8D-AF43C2285E3D}" srcId="{C27DDAE6-D76A-4CEB-8720-865545EF0E06}" destId="{9AA255C3-C9EE-4048-A9D0-92A8D6006465}" srcOrd="2" destOrd="0" parTransId="{3C537B3B-D1CE-445D-9156-E6FA4CFB9281}" sibTransId="{0438340C-6374-4951-8FF0-84A078F6395E}"/>
-    <dgm:cxn modelId="{89DCB00E-E129-4322-A588-BCB25D330EA3}" srcId="{C27DDAE6-D76A-4CEB-8720-865545EF0E06}" destId="{FCDB82CE-2D57-46EC-99A3-E4FD195FA563}" srcOrd="1" destOrd="0" parTransId="{08C088A4-C6A1-4A7F-9EF3-8B72DB475F42}" sibTransId="{457C7131-7CA8-4CCC-906A-B5E71FD9FA16}"/>
-    <dgm:cxn modelId="{257FBB40-8A0D-4E16-AB3C-723C2B843191}" type="presOf" srcId="{1F20D538-F37A-4CAB-AFA0-C3E32E1AE30A}" destId="{56D5EFD3-3431-4ABB-9328-4E7C91EAD593}" srcOrd="0" destOrd="0" presId="urn:microsoft.com/office/officeart/2005/8/layout/chevron2"/>
-    <dgm:cxn modelId="{60A4AB0B-DC22-4384-AEDC-8FF7556CE6A2}" srcId="{9AA255C3-C9EE-4048-A9D0-92A8D6006465}" destId="{12014D8B-EDC6-4113-A55D-307F295388DC}" srcOrd="0" destOrd="0" parTransId="{22093B57-DAAB-4209-BB1C-ABE40B149D1B}" sibTransId="{0234D016-EFED-49D5-91B7-4F68B2A66293}"/>
-    <dgm:cxn modelId="{1B9E1081-B472-40EA-BF27-286429C39507}" type="presOf" srcId="{A4FF4BE5-22CC-436E-B245-09BF412A9CBA}" destId="{F39690DC-D152-46E6-9FA5-FE3F8986CE81}" srcOrd="0" destOrd="0" presId="urn:microsoft.com/office/officeart/2005/8/layout/chevron2"/>
-    <dgm:cxn modelId="{DDE69E44-8D87-43FE-AE98-1FD87E945879}" type="presOf" srcId="{CEF33A41-439F-44E3-817B-B24E2F03C884}" destId="{F39690DC-D152-46E6-9FA5-FE3F8986CE81}" srcOrd="0" destOrd="4" presId="urn:microsoft.com/office/officeart/2005/8/layout/chevron2"/>
+    <dgm:cxn modelId="{E6305D9E-6472-470D-871F-92B1BFD76CEB}" srcId="{A4FF4BE5-22CC-436E-B245-09BF412A9CBA}" destId="{E8E8F9F1-6616-4C58-B06E-9DA1C6CEF61F}" srcOrd="0" destOrd="0" parTransId="{DC86A337-BD2A-4906-B2EF-D5A8D9910180}" sibTransId="{BC13F6CD-BD38-4C48-AA03-689E198F1561}"/>
+    <dgm:cxn modelId="{53A234AE-8C3D-42E1-BE43-9020B88C22AE}" type="presOf" srcId="{E8E8F9F1-6616-4C58-B06E-9DA1C6CEF61F}" destId="{F39690DC-D152-46E6-9FA5-FE3F8986CE81}" srcOrd="0" destOrd="1" presId="urn:microsoft.com/office/officeart/2005/8/layout/chevron2"/>
+    <dgm:cxn modelId="{85DA17B5-F258-454F-A5AE-0478F3CD62C8}" srcId="{C27DDAE6-D76A-4CEB-8720-865545EF0E06}" destId="{A70723DE-A2A0-4127-B1D4-C85B1D90FDB1}" srcOrd="0" destOrd="0" parTransId="{F1ECD5FB-5899-43D6-BE30-E681C6B96EC2}" sibTransId="{A5153C8C-5C5D-4104-9C6C-7257FDCBF23B}"/>
+    <dgm:cxn modelId="{100033BB-5481-487D-A994-3BE61506A8E0}" srcId="{C27DDAE6-D76A-4CEB-8720-865545EF0E06}" destId="{8DA02B0A-F09A-4CC3-97EA-15364136EE53}" srcOrd="3" destOrd="0" parTransId="{0BFD2D7D-2843-4790-832C-401F16804F45}" sibTransId="{CF5CFA14-C4CA-4DC2-AC80-F230178C0295}"/>
+    <dgm:cxn modelId="{2BA317C1-3125-4950-BEAC-C8D048A344A3}" type="presOf" srcId="{D73189AA-D988-417B-94F5-7092051280CE}" destId="{F39690DC-D152-46E6-9FA5-FE3F8986CE81}" srcOrd="0" destOrd="2" presId="urn:microsoft.com/office/officeart/2005/8/layout/chevron2"/>
+    <dgm:cxn modelId="{E263D8C7-017F-4675-8BFC-E22E2DF691D8}" type="presOf" srcId="{F4191204-04A3-4DD7-A8F8-4911C7A9424D}" destId="{9B16637D-924D-44FA-BB5A-5D05FA56AF04}" srcOrd="0" destOrd="0" presId="urn:microsoft.com/office/officeart/2005/8/layout/chevron2"/>
     <dgm:cxn modelId="{314E3CCA-08E0-4E0C-BE87-B311CA2AE5B2}" srcId="{D73189AA-D988-417B-94F5-7092051280CE}" destId="{314732FA-7173-4D6E-9DD4-39E40D3D5100}" srcOrd="0" destOrd="0" parTransId="{70C94DE7-1F9C-4C58-9143-B6C83075E39D}" sibTransId="{BEF6873E-1104-46B9-A9CE-73B09DB993FA}"/>
-    <dgm:cxn modelId="{100033BB-5481-487D-A994-3BE61506A8E0}" srcId="{C27DDAE6-D76A-4CEB-8720-865545EF0E06}" destId="{8DA02B0A-F09A-4CC3-97EA-15364136EE53}" srcOrd="3" destOrd="0" parTransId="{0BFD2D7D-2843-4790-832C-401F16804F45}" sibTransId="{CF5CFA14-C4CA-4DC2-AC80-F230178C0295}"/>
-    <dgm:cxn modelId="{EF182708-B804-4A10-903C-30596C4B7A72}" type="presOf" srcId="{9AA255C3-C9EE-4048-A9D0-92A8D6006465}" destId="{203C28E5-6D32-4F13-93D9-344BEE5A8FB4}" srcOrd="0" destOrd="0" presId="urn:microsoft.com/office/officeart/2005/8/layout/chevron2"/>
-    <dgm:cxn modelId="{2E707E44-6DAE-4E87-8C2B-823F05FF6C8D}" type="presOf" srcId="{12014D8B-EDC6-4113-A55D-307F295388DC}" destId="{7D83A7F7-A0B4-4E24-A9A9-741E66AEB222}" srcOrd="0" destOrd="0" presId="urn:microsoft.com/office/officeart/2005/8/layout/chevron2"/>
-    <dgm:cxn modelId="{E263D8C7-017F-4675-8BFC-E22E2DF691D8}" type="presOf" srcId="{F4191204-04A3-4DD7-A8F8-4911C7A9424D}" destId="{9B16637D-924D-44FA-BB5A-5D05FA56AF04}" srcOrd="0" destOrd="0" presId="urn:microsoft.com/office/officeart/2005/8/layout/chevron2"/>
-    <dgm:cxn modelId="{7D051017-C5F4-4F60-8671-AEADC13FD8E8}" type="presOf" srcId="{FCDB82CE-2D57-46EC-99A3-E4FD195FA563}" destId="{31A02029-CFE8-4458-9EA4-A164B81BFEF9}" srcOrd="0" destOrd="0" presId="urn:microsoft.com/office/officeart/2005/8/layout/chevron2"/>
-    <dgm:cxn modelId="{865D152F-77AA-42DA-96C2-A0C389475DF2}" type="presOf" srcId="{B1A5CD55-6F8D-4513-8AD3-4BDA9EDE3F94}" destId="{56D5EFD3-3431-4ABB-9328-4E7C91EAD593}" srcOrd="0" destOrd="1" presId="urn:microsoft.com/office/officeart/2005/8/layout/chevron2"/>
-    <dgm:cxn modelId="{B93A8A24-9F72-4689-AAFD-7CFDB917B9DA}" srcId="{FCDB82CE-2D57-46EC-99A3-E4FD195FA563}" destId="{A4FF4BE5-22CC-436E-B245-09BF412A9CBA}" srcOrd="0" destOrd="0" parTransId="{B48FA96F-4C30-43F9-85AB-BB9EA5F1374C}" sibTransId="{C49150BE-F26E-4F1F-B077-BD126A9EC485}"/>
-    <dgm:cxn modelId="{C49FE503-B94E-49CC-93E5-9B5F2BD59773}" type="presOf" srcId="{C27DDAE6-D76A-4CEB-8720-865545EF0E06}" destId="{0EF8465C-2D77-4D72-BA28-819FBB595FE3}" srcOrd="0" destOrd="0" presId="urn:microsoft.com/office/officeart/2005/8/layout/chevron2"/>
-    <dgm:cxn modelId="{E6305D9E-6472-470D-871F-92B1BFD76CEB}" srcId="{A4FF4BE5-22CC-436E-B245-09BF412A9CBA}" destId="{E8E8F9F1-6616-4C58-B06E-9DA1C6CEF61F}" srcOrd="0" destOrd="0" parTransId="{DC86A337-BD2A-4906-B2EF-D5A8D9910180}" sibTransId="{BC13F6CD-BD38-4C48-AA03-689E198F1561}"/>
-    <dgm:cxn modelId="{AAAF4403-1467-4E3A-BE41-7FEB4953B3CE}" srcId="{8DA02B0A-F09A-4CC3-97EA-15364136EE53}" destId="{B1A5CD55-6F8D-4513-8AD3-4BDA9EDE3F94}" srcOrd="1" destOrd="0" parTransId="{5924716F-39C2-4F4C-B0E1-566789902745}" sibTransId="{9C4F9D2F-42EC-4D1F-9A01-E8E898928C1F}"/>
-    <dgm:cxn modelId="{7D8C0A4C-216C-407D-B580-7FDEB349A1F6}" srcId="{A70723DE-A2A0-4127-B1D4-C85B1D90FDB1}" destId="{F4191204-04A3-4DD7-A8F8-4911C7A9424D}" srcOrd="0" destOrd="0" parTransId="{6DC56A41-3B40-4761-8C00-53BB14469F60}" sibTransId="{B3B0AFA6-C377-4829-92A8-2B6E65B2AB38}"/>
-    <dgm:cxn modelId="{46EF9E14-AD17-41EF-B5A0-DD54E9755ED5}" srcId="{9AA255C3-C9EE-4048-A9D0-92A8D6006465}" destId="{34D73D66-79D9-44E0-A536-B42CAFE66938}" srcOrd="1" destOrd="0" parTransId="{F0388E59-CEB7-4AEA-BDC1-ADED54DA333D}" sibTransId="{6EEA123E-5687-458A-8AE6-C7C9A7697809}"/>
+    <dgm:cxn modelId="{715760E0-27A9-42E3-9E7D-23D0F2C4B60C}" type="presOf" srcId="{314732FA-7173-4D6E-9DD4-39E40D3D5100}" destId="{F39690DC-D152-46E6-9FA5-FE3F8986CE81}" srcOrd="0" destOrd="3" presId="urn:microsoft.com/office/officeart/2005/8/layout/chevron2"/>
     <dgm:cxn modelId="{7E84874C-5466-442F-8EF8-547ED33030FE}" type="presParOf" srcId="{0EF8465C-2D77-4D72-BA28-819FBB595FE3}" destId="{4ACF77EA-3FCA-4951-A887-AB3AAEB855AF}" srcOrd="0" destOrd="0" presId="urn:microsoft.com/office/officeart/2005/8/layout/chevron2"/>
     <dgm:cxn modelId="{B4A75F93-17A8-4132-AAAF-CD515BE0D5C8}" type="presParOf" srcId="{4ACF77EA-3FCA-4951-A887-AB3AAEB855AF}" destId="{8D449E2F-AC45-4D53-89CB-245FA3F05FF3}" srcOrd="0" destOrd="0" presId="urn:microsoft.com/office/officeart/2005/8/layout/chevron2"/>
     <dgm:cxn modelId="{4D26820E-4604-4DF9-B537-5F5398D50E83}" type="presParOf" srcId="{4ACF77EA-3FCA-4951-A887-AB3AAEB855AF}" destId="{9B16637D-924D-44FA-BB5A-5D05FA56AF04}" srcOrd="1" destOrd="0" presId="urn:microsoft.com/office/officeart/2005/8/layout/chevron2"/>
@@ -2258,7 +2194,7 @@
         </a:bodyPr>
         <a:lstStyle/>
         <a:p>
-          <a:pPr lvl="0" algn="ctr" defTabSz="533400">
+          <a:pPr marL="0" lvl="0" indent="0" algn="ctr" defTabSz="533400">
             <a:lnSpc>
               <a:spcPct val="90000"/>
             </a:lnSpc>
@@ -2268,6 +2204,7 @@
             <a:spcAft>
               <a:spcPct val="35000"/>
             </a:spcAft>
+            <a:buNone/>
           </a:pPr>
           <a:r>
             <a:rPr lang="en-US" sz="1200" b="1" kern="1200" dirty="0" err="1"/>
@@ -2350,7 +2287,7 @@
             <a:spcAft>
               <a:spcPct val="15000"/>
             </a:spcAft>
-            <a:buChar char="••"/>
+            <a:buChar char="•"/>
           </a:pPr>
           <a:r>
             <a:rPr lang="en-US" sz="1000" kern="1200" dirty="0"/>
@@ -2464,7 +2401,7 @@
         </a:bodyPr>
         <a:lstStyle/>
         <a:p>
-          <a:pPr lvl="0" algn="ctr" defTabSz="533400">
+          <a:pPr marL="0" lvl="0" indent="0" algn="ctr" defTabSz="533400">
             <a:lnSpc>
               <a:spcPct val="90000"/>
             </a:lnSpc>
@@ -2474,6 +2411,7 @@
             <a:spcAft>
               <a:spcPct val="35000"/>
             </a:spcAft>
+            <a:buNone/>
           </a:pPr>
           <a:r>
             <a:rPr lang="en-US" sz="1200" b="1" kern="1200" dirty="0" err="1"/>
@@ -2556,7 +2494,7 @@
             <a:spcAft>
               <a:spcPct val="15000"/>
             </a:spcAft>
-            <a:buChar char="••"/>
+            <a:buChar char="•"/>
           </a:pPr>
           <a:r>
             <a:rPr lang="en-US" sz="1000" kern="1200" dirty="0"/>
@@ -2614,7 +2552,7 @@
             <a:spcAft>
               <a:spcPct val="15000"/>
             </a:spcAft>
-            <a:buChar char="••"/>
+            <a:buChar char="•"/>
           </a:pPr>
           <a:r>
             <a:rPr lang="en-US" sz="1000" kern="1200" dirty="0" err="1"/>
@@ -2644,7 +2582,7 @@
             <a:spcAft>
               <a:spcPct val="15000"/>
             </a:spcAft>
-            <a:buChar char="••"/>
+            <a:buChar char="•"/>
           </a:pPr>
           <a:r>
             <a:rPr lang="en-US" sz="1000" kern="1200" dirty="0" err="1"/>
@@ -2682,7 +2620,7 @@
             <a:spcAft>
               <a:spcPct val="15000"/>
             </a:spcAft>
-            <a:buChar char="••"/>
+            <a:buChar char="•"/>
           </a:pPr>
           <a:r>
             <a:rPr lang="en-US" sz="1000" kern="1200" dirty="0" err="1"/>
@@ -2728,7 +2666,7 @@
             <a:spcAft>
               <a:spcPct val="15000"/>
             </a:spcAft>
-            <a:buChar char="••"/>
+            <a:buChar char="•"/>
           </a:pPr>
           <a:r>
             <a:rPr lang="en-US" sz="1000" kern="1200" dirty="0" err="1"/>
@@ -2830,7 +2768,7 @@
         </a:bodyPr>
         <a:lstStyle/>
         <a:p>
-          <a:pPr lvl="0" algn="ctr" defTabSz="533400">
+          <a:pPr marL="0" lvl="0" indent="0" algn="ctr" defTabSz="533400">
             <a:lnSpc>
               <a:spcPct val="90000"/>
             </a:lnSpc>
@@ -2840,6 +2778,7 @@
             <a:spcAft>
               <a:spcPct val="35000"/>
             </a:spcAft>
+            <a:buNone/>
           </a:pPr>
           <a:r>
             <a:rPr lang="en-US" sz="1200" b="1" kern="1200" dirty="0" err="1"/>
@@ -2922,7 +2861,7 @@
             <a:spcAft>
               <a:spcPct val="15000"/>
             </a:spcAft>
-            <a:buChar char="••"/>
+            <a:buChar char="•"/>
           </a:pPr>
           <a:r>
             <a:rPr lang="en-US" sz="1000" kern="1200" dirty="0" err="1"/>
@@ -2960,7 +2899,7 @@
             <a:spcAft>
               <a:spcPct val="15000"/>
             </a:spcAft>
-            <a:buChar char="••"/>
+            <a:buChar char="•"/>
           </a:pPr>
           <a:r>
             <a:rPr lang="en-US" sz="1000" kern="1200" dirty="0" err="1"/>
@@ -3054,7 +2993,7 @@
             <a:spcAft>
               <a:spcPct val="15000"/>
             </a:spcAft>
-            <a:buChar char="••"/>
+            <a:buChar char="•"/>
           </a:pPr>
           <a:r>
             <a:rPr lang="en-US" sz="1000" kern="1200" dirty="0" err="1"/>
@@ -3089,30 +3028,29 @@
             <a:t> y </a:t>
           </a:r>
           <a:r>
-            <a:rPr lang="en-US" sz="1000" kern="1200" dirty="0" err="1" smtClean="0"/>
+            <a:rPr lang="en-US" sz="1000" kern="1200" dirty="0" err="1"/>
             <a:t>evaporación</a:t>
           </a:r>
           <a:r>
-            <a:rPr lang="en-US" sz="1000" kern="1200" dirty="0" smtClean="0"/>
+            <a:rPr lang="en-US" sz="1000" kern="1200" dirty="0"/>
             <a:t> a </a:t>
           </a:r>
           <a:r>
-            <a:rPr lang="en-US" sz="1000" kern="1200" dirty="0" err="1" smtClean="0"/>
+            <a:rPr lang="en-US" sz="1000" kern="1200" dirty="0" err="1"/>
             <a:t>presión</a:t>
           </a:r>
           <a:r>
-            <a:rPr lang="en-US" sz="1000" kern="1200" dirty="0" smtClean="0"/>
+            <a:rPr lang="en-US" sz="1000" kern="1200" dirty="0"/>
             <a:t> </a:t>
           </a:r>
           <a:r>
-            <a:rPr lang="en-US" sz="1000" kern="1200" dirty="0" err="1" smtClean="0"/>
+            <a:rPr lang="en-US" sz="1000" kern="1200" dirty="0" err="1"/>
             <a:t>reducida</a:t>
           </a:r>
           <a:r>
-            <a:rPr lang="en-US" sz="1000" kern="1200" dirty="0" smtClean="0"/>
+            <a:rPr lang="en-US" sz="1000" kern="1200" dirty="0"/>
             <a:t>.</a:t>
           </a:r>
-          <a:endParaRPr lang="en-US" sz="1000" kern="1200" dirty="0"/>
         </a:p>
       </dsp:txBody>
       <dsp:txXfrm rot="-5400000">
@@ -3197,7 +3135,7 @@
         </a:bodyPr>
         <a:lstStyle/>
         <a:p>
-          <a:pPr lvl="0" algn="ctr" defTabSz="533400">
+          <a:pPr marL="0" lvl="0" indent="0" algn="ctr" defTabSz="533400">
             <a:lnSpc>
               <a:spcPct val="90000"/>
             </a:lnSpc>
@@ -3207,6 +3145,7 @@
             <a:spcAft>
               <a:spcPct val="35000"/>
             </a:spcAft>
+            <a:buNone/>
           </a:pPr>
           <a:r>
             <a:rPr lang="en-US" sz="1200" b="1" kern="1200" dirty="0" err="1"/>
@@ -3289,7 +3228,7 @@
             <a:spcAft>
               <a:spcPct val="15000"/>
             </a:spcAft>
-            <a:buChar char="••"/>
+            <a:buChar char="•"/>
           </a:pPr>
           <a:r>
             <a:rPr lang="en-US" sz="1000" b="0" kern="1200" dirty="0" err="1"/>
@@ -3351,7 +3290,7 @@
             <a:spcAft>
               <a:spcPct val="15000"/>
             </a:spcAft>
-            <a:buChar char="••"/>
+            <a:buChar char="•"/>
           </a:pPr>
           <a:r>
             <a:rPr lang="en-US" sz="1000" b="0" kern="1200" dirty="0" err="1"/>
@@ -12512,7 +12451,7 @@
           <p:cNvPr id="2" name="Title 1">
             <a:extLst>
               <a:ext uri="{FF2B5EF4-FFF2-40B4-BE49-F238E27FC236}">
-                <a16:creationId xmlns:a16="http://schemas.microsoft.com/office/drawing/2014/main" xmlns="" id="{8909C22C-9BF2-46B7-A76E-994225BFAC45}"/>
+                <a16:creationId xmlns:a16="http://schemas.microsoft.com/office/drawing/2014/main" id="{8909C22C-9BF2-46B7-A76E-994225BFAC45}"/>
               </a:ext>
             </a:extLst>
           </p:cNvPr>
@@ -12544,7 +12483,7 @@
           <p:cNvPr id="3" name="Subtitle 2">
             <a:extLst>
               <a:ext uri="{FF2B5EF4-FFF2-40B4-BE49-F238E27FC236}">
-                <a16:creationId xmlns:a16="http://schemas.microsoft.com/office/drawing/2014/main" xmlns="" id="{9337355B-A71D-4806-85DD-56BEEE385A31}"/>
+                <a16:creationId xmlns:a16="http://schemas.microsoft.com/office/drawing/2014/main" id="{9337355B-A71D-4806-85DD-56BEEE385A31}"/>
               </a:ext>
             </a:extLst>
           </p:cNvPr>
@@ -12601,7 +12540,7 @@
           <p:cNvPr id="5" name="Slide Number Placeholder 4">
             <a:extLst>
               <a:ext uri="{FF2B5EF4-FFF2-40B4-BE49-F238E27FC236}">
-                <a16:creationId xmlns:a16="http://schemas.microsoft.com/office/drawing/2014/main" xmlns="" id="{777D8DE0-DE56-41DD-922C-EA3AFF2F980E}"/>
+                <a16:creationId xmlns:a16="http://schemas.microsoft.com/office/drawing/2014/main" id="{777D8DE0-DE56-41DD-922C-EA3AFF2F980E}"/>
               </a:ext>
             </a:extLst>
           </p:cNvPr>
@@ -12661,7 +12600,7 @@
           <p:cNvPr id="2" name="Title 1">
             <a:extLst>
               <a:ext uri="{FF2B5EF4-FFF2-40B4-BE49-F238E27FC236}">
-                <a16:creationId xmlns:a16="http://schemas.microsoft.com/office/drawing/2014/main" xmlns="" id="{F25B8E26-49D7-43CA-9159-76A91BB78FBA}"/>
+                <a16:creationId xmlns:a16="http://schemas.microsoft.com/office/drawing/2014/main" id="{F25B8E26-49D7-43CA-9159-76A91BB78FBA}"/>
               </a:ext>
             </a:extLst>
           </p:cNvPr>
@@ -12698,7 +12637,7 @@
           <p:cNvPr id="4" name="Slide Number Placeholder 3">
             <a:extLst>
               <a:ext uri="{FF2B5EF4-FFF2-40B4-BE49-F238E27FC236}">
-                <a16:creationId xmlns:a16="http://schemas.microsoft.com/office/drawing/2014/main" xmlns="" id="{BA7E69C3-56CF-45B5-8EB1-5EC4DC4FD7DE}"/>
+                <a16:creationId xmlns:a16="http://schemas.microsoft.com/office/drawing/2014/main" id="{BA7E69C3-56CF-45B5-8EB1-5EC4DC4FD7DE}"/>
               </a:ext>
             </a:extLst>
           </p:cNvPr>
@@ -12728,7 +12667,7 @@
           <p:cNvPr id="9" name="Content Placeholder 8">
             <a:extLst>
               <a:ext uri="{FF2B5EF4-FFF2-40B4-BE49-F238E27FC236}">
-                <a16:creationId xmlns:a16="http://schemas.microsoft.com/office/drawing/2014/main" xmlns="" id="{169AF6C5-D67F-4FF8-9576-8267E6A295B5}"/>
+                <a16:creationId xmlns:a16="http://schemas.microsoft.com/office/drawing/2014/main" id="{169AF6C5-D67F-4FF8-9576-8267E6A295B5}"/>
               </a:ext>
             </a:extLst>
           </p:cNvPr>
@@ -12757,7 +12696,7 @@
           <p:cNvPr id="11" name="Picture 10">
             <a:extLst>
               <a:ext uri="{FF2B5EF4-FFF2-40B4-BE49-F238E27FC236}">
-                <a16:creationId xmlns:a16="http://schemas.microsoft.com/office/drawing/2014/main" xmlns="" id="{4252D167-755F-4094-8CC8-9E14CD061C80}"/>
+                <a16:creationId xmlns:a16="http://schemas.microsoft.com/office/drawing/2014/main" id="{4252D167-755F-4094-8CC8-9E14CD061C80}"/>
               </a:ext>
             </a:extLst>
           </p:cNvPr>
@@ -12787,7 +12726,7 @@
           <p:cNvPr id="14" name="Rectangle 13">
             <a:extLst>
               <a:ext uri="{FF2B5EF4-FFF2-40B4-BE49-F238E27FC236}">
-                <a16:creationId xmlns:a16="http://schemas.microsoft.com/office/drawing/2014/main" xmlns="" id="{2D4E5217-833A-4136-B2F6-585024557421}"/>
+                <a16:creationId xmlns:a16="http://schemas.microsoft.com/office/drawing/2014/main" id="{2D4E5217-833A-4136-B2F6-585024557421}"/>
               </a:ext>
             </a:extLst>
           </p:cNvPr>
@@ -13040,7 +12979,7 @@
           <p:cNvPr id="2" name="Title 1">
             <a:extLst>
               <a:ext uri="{FF2B5EF4-FFF2-40B4-BE49-F238E27FC236}">
-                <a16:creationId xmlns:a16="http://schemas.microsoft.com/office/drawing/2014/main" xmlns="" id="{F25B8E26-49D7-43CA-9159-76A91BB78FBA}"/>
+                <a16:creationId xmlns:a16="http://schemas.microsoft.com/office/drawing/2014/main" id="{F25B8E26-49D7-43CA-9159-76A91BB78FBA}"/>
               </a:ext>
             </a:extLst>
           </p:cNvPr>
@@ -13077,7 +13016,7 @@
           <p:cNvPr id="4" name="Slide Number Placeholder 3">
             <a:extLst>
               <a:ext uri="{FF2B5EF4-FFF2-40B4-BE49-F238E27FC236}">
-                <a16:creationId xmlns:a16="http://schemas.microsoft.com/office/drawing/2014/main" xmlns="" id="{BA7E69C3-56CF-45B5-8EB1-5EC4DC4FD7DE}"/>
+                <a16:creationId xmlns:a16="http://schemas.microsoft.com/office/drawing/2014/main" id="{BA7E69C3-56CF-45B5-8EB1-5EC4DC4FD7DE}"/>
               </a:ext>
             </a:extLst>
           </p:cNvPr>
@@ -13107,7 +13046,7 @@
           <p:cNvPr id="9" name="Content Placeholder 8">
             <a:extLst>
               <a:ext uri="{FF2B5EF4-FFF2-40B4-BE49-F238E27FC236}">
-                <a16:creationId xmlns:a16="http://schemas.microsoft.com/office/drawing/2014/main" xmlns="" id="{169AF6C5-D67F-4FF8-9576-8267E6A295B5}"/>
+                <a16:creationId xmlns:a16="http://schemas.microsoft.com/office/drawing/2014/main" id="{169AF6C5-D67F-4FF8-9576-8267E6A295B5}"/>
               </a:ext>
             </a:extLst>
           </p:cNvPr>
@@ -13136,7 +13075,7 @@
           <p:cNvPr id="11" name="Picture 10">
             <a:extLst>
               <a:ext uri="{FF2B5EF4-FFF2-40B4-BE49-F238E27FC236}">
-                <a16:creationId xmlns:a16="http://schemas.microsoft.com/office/drawing/2014/main" xmlns="" id="{4252D167-755F-4094-8CC8-9E14CD061C80}"/>
+                <a16:creationId xmlns:a16="http://schemas.microsoft.com/office/drawing/2014/main" id="{4252D167-755F-4094-8CC8-9E14CD061C80}"/>
               </a:ext>
             </a:extLst>
           </p:cNvPr>
@@ -13166,7 +13105,7 @@
           <p:cNvPr id="14" name="Rectangle 13">
             <a:extLst>
               <a:ext uri="{FF2B5EF4-FFF2-40B4-BE49-F238E27FC236}">
-                <a16:creationId xmlns:a16="http://schemas.microsoft.com/office/drawing/2014/main" xmlns="" id="{2D4E5217-833A-4136-B2F6-585024557421}"/>
+                <a16:creationId xmlns:a16="http://schemas.microsoft.com/office/drawing/2014/main" id="{2D4E5217-833A-4136-B2F6-585024557421}"/>
               </a:ext>
             </a:extLst>
           </p:cNvPr>
@@ -13419,7 +13358,7 @@
           <p:cNvPr id="2" name="Title 1">
             <a:extLst>
               <a:ext uri="{FF2B5EF4-FFF2-40B4-BE49-F238E27FC236}">
-                <a16:creationId xmlns:a16="http://schemas.microsoft.com/office/drawing/2014/main" xmlns="" id="{3058837D-4CF4-4102-B316-42AFCD10C0FD}"/>
+                <a16:creationId xmlns:a16="http://schemas.microsoft.com/office/drawing/2014/main" id="{3058837D-4CF4-4102-B316-42AFCD10C0FD}"/>
               </a:ext>
             </a:extLst>
           </p:cNvPr>
@@ -13448,7 +13387,7 @@
           <p:cNvPr id="3" name="Content Placeholder 2">
             <a:extLst>
               <a:ext uri="{FF2B5EF4-FFF2-40B4-BE49-F238E27FC236}">
-                <a16:creationId xmlns:a16="http://schemas.microsoft.com/office/drawing/2014/main" xmlns="" id="{A7532245-3633-4B93-93D5-708C026A5727}"/>
+                <a16:creationId xmlns:a16="http://schemas.microsoft.com/office/drawing/2014/main" id="{A7532245-3633-4B93-93D5-708C026A5727}"/>
               </a:ext>
             </a:extLst>
           </p:cNvPr>
@@ -13590,7 +13529,7 @@
           <p:cNvPr id="4" name="Slide Number Placeholder 3">
             <a:extLst>
               <a:ext uri="{FF2B5EF4-FFF2-40B4-BE49-F238E27FC236}">
-                <a16:creationId xmlns:a16="http://schemas.microsoft.com/office/drawing/2014/main" xmlns="" id="{F3349C97-CE2F-4AEE-8002-6FE977C11451}"/>
+                <a16:creationId xmlns:a16="http://schemas.microsoft.com/office/drawing/2014/main" id="{F3349C97-CE2F-4AEE-8002-6FE977C11451}"/>
               </a:ext>
             </a:extLst>
           </p:cNvPr>
@@ -13650,7 +13589,7 @@
           <p:cNvPr id="2" name="Title 1">
             <a:extLst>
               <a:ext uri="{FF2B5EF4-FFF2-40B4-BE49-F238E27FC236}">
-                <a16:creationId xmlns:a16="http://schemas.microsoft.com/office/drawing/2014/main" xmlns="" id="{AC233BA5-C465-44F0-A654-8B3CCEEE525B}"/>
+                <a16:creationId xmlns:a16="http://schemas.microsoft.com/office/drawing/2014/main" id="{AC233BA5-C465-44F0-A654-8B3CCEEE525B}"/>
               </a:ext>
             </a:extLst>
           </p:cNvPr>
@@ -13679,7 +13618,7 @@
           <p:cNvPr id="3" name="Content Placeholder 2">
             <a:extLst>
               <a:ext uri="{FF2B5EF4-FFF2-40B4-BE49-F238E27FC236}">
-                <a16:creationId xmlns:a16="http://schemas.microsoft.com/office/drawing/2014/main" xmlns="" id="{43936EA0-EC23-4214-8160-F2FFD3BE072F}"/>
+                <a16:creationId xmlns:a16="http://schemas.microsoft.com/office/drawing/2014/main" id="{43936EA0-EC23-4214-8160-F2FFD3BE072F}"/>
               </a:ext>
             </a:extLst>
           </p:cNvPr>
@@ -14223,7 +14162,7 @@
           <p:cNvPr id="4" name="Slide Number Placeholder 3">
             <a:extLst>
               <a:ext uri="{FF2B5EF4-FFF2-40B4-BE49-F238E27FC236}">
-                <a16:creationId xmlns:a16="http://schemas.microsoft.com/office/drawing/2014/main" xmlns="" id="{604C336C-0D85-48CF-A3F5-EA338CBD8291}"/>
+                <a16:creationId xmlns:a16="http://schemas.microsoft.com/office/drawing/2014/main" id="{604C336C-0D85-48CF-A3F5-EA338CBD8291}"/>
               </a:ext>
             </a:extLst>
           </p:cNvPr>
@@ -14283,7 +14222,7 @@
           <p:cNvPr id="2" name="Title 1">
             <a:extLst>
               <a:ext uri="{FF2B5EF4-FFF2-40B4-BE49-F238E27FC236}">
-                <a16:creationId xmlns:a16="http://schemas.microsoft.com/office/drawing/2014/main" xmlns="" id="{E07EF9F7-A4C7-464B-BED9-A76EAFE04726}"/>
+                <a16:creationId xmlns:a16="http://schemas.microsoft.com/office/drawing/2014/main" id="{E07EF9F7-A4C7-464B-BED9-A76EAFE04726}"/>
               </a:ext>
             </a:extLst>
           </p:cNvPr>
@@ -14317,7 +14256,7 @@
           <p:cNvPr id="4" name="Slide Number Placeholder 3">
             <a:extLst>
               <a:ext uri="{FF2B5EF4-FFF2-40B4-BE49-F238E27FC236}">
-                <a16:creationId xmlns:a16="http://schemas.microsoft.com/office/drawing/2014/main" xmlns="" id="{42840902-473E-4517-83E2-FDD72AABD8DF}"/>
+                <a16:creationId xmlns:a16="http://schemas.microsoft.com/office/drawing/2014/main" id="{42840902-473E-4517-83E2-FDD72AABD8DF}"/>
               </a:ext>
             </a:extLst>
           </p:cNvPr>
@@ -14377,7 +14316,7 @@
           <p:cNvPr id="4" name="Slide Number Placeholder 3">
             <a:extLst>
               <a:ext uri="{FF2B5EF4-FFF2-40B4-BE49-F238E27FC236}">
-                <a16:creationId xmlns:a16="http://schemas.microsoft.com/office/drawing/2014/main" xmlns="" id="{431854D3-3BC8-49FD-ACAB-E1165BC64D5E}"/>
+                <a16:creationId xmlns:a16="http://schemas.microsoft.com/office/drawing/2014/main" id="{431854D3-3BC8-49FD-ACAB-E1165BC64D5E}"/>
               </a:ext>
             </a:extLst>
           </p:cNvPr>
@@ -14407,7 +14346,7 @@
           <p:cNvPr id="6" name="Picture 5">
             <a:extLst>
               <a:ext uri="{FF2B5EF4-FFF2-40B4-BE49-F238E27FC236}">
-                <a16:creationId xmlns:a16="http://schemas.microsoft.com/office/drawing/2014/main" xmlns="" id="{8EB80DC0-A5DA-4BD3-8A55-A5204AB1A56A}"/>
+                <a16:creationId xmlns:a16="http://schemas.microsoft.com/office/drawing/2014/main" id="{8EB80DC0-A5DA-4BD3-8A55-A5204AB1A56A}"/>
               </a:ext>
             </a:extLst>
           </p:cNvPr>
@@ -14437,7 +14376,7 @@
           <p:cNvPr id="8" name="Picture 7">
             <a:extLst>
               <a:ext uri="{FF2B5EF4-FFF2-40B4-BE49-F238E27FC236}">
-                <a16:creationId xmlns:a16="http://schemas.microsoft.com/office/drawing/2014/main" xmlns="" id="{3BFD5376-B361-4E53-ABA6-32A04F61340D}"/>
+                <a16:creationId xmlns:a16="http://schemas.microsoft.com/office/drawing/2014/main" id="{3BFD5376-B361-4E53-ABA6-32A04F61340D}"/>
               </a:ext>
             </a:extLst>
           </p:cNvPr>
@@ -14467,7 +14406,7 @@
           <p:cNvPr id="9" name="TextBox 8">
             <a:extLst>
               <a:ext uri="{FF2B5EF4-FFF2-40B4-BE49-F238E27FC236}">
-                <a16:creationId xmlns:a16="http://schemas.microsoft.com/office/drawing/2014/main" xmlns="" id="{A4FDDFD4-A4FA-46B2-A304-AD567610AF12}"/>
+                <a16:creationId xmlns:a16="http://schemas.microsoft.com/office/drawing/2014/main" id="{A4FDDFD4-A4FA-46B2-A304-AD567610AF12}"/>
               </a:ext>
             </a:extLst>
           </p:cNvPr>
@@ -14519,7 +14458,7 @@
           <p:cNvPr id="10" name="TextBox 9">
             <a:extLst>
               <a:ext uri="{FF2B5EF4-FFF2-40B4-BE49-F238E27FC236}">
-                <a16:creationId xmlns:a16="http://schemas.microsoft.com/office/drawing/2014/main" xmlns="" id="{E0C04E51-197A-4454-822E-8DFDBAAAB1AD}"/>
+                <a16:creationId xmlns:a16="http://schemas.microsoft.com/office/drawing/2014/main" id="{E0C04E51-197A-4454-822E-8DFDBAAAB1AD}"/>
               </a:ext>
             </a:extLst>
           </p:cNvPr>
@@ -14601,7 +14540,7 @@
           <p:cNvPr id="4" name="Slide Number Placeholder 3">
             <a:extLst>
               <a:ext uri="{FF2B5EF4-FFF2-40B4-BE49-F238E27FC236}">
-                <a16:creationId xmlns:a16="http://schemas.microsoft.com/office/drawing/2014/main" xmlns="" id="{BA692EEC-779B-4C4B-B40D-FCBE442819E8}"/>
+                <a16:creationId xmlns:a16="http://schemas.microsoft.com/office/drawing/2014/main" id="{BA692EEC-779B-4C4B-B40D-FCBE442819E8}"/>
               </a:ext>
             </a:extLst>
           </p:cNvPr>
@@ -14631,7 +14570,7 @@
           <p:cNvPr id="6" name="Picture 5">
             <a:extLst>
               <a:ext uri="{FF2B5EF4-FFF2-40B4-BE49-F238E27FC236}">
-                <a16:creationId xmlns:a16="http://schemas.microsoft.com/office/drawing/2014/main" xmlns="" id="{32A9F643-FF3B-4DFA-8368-F69964FD630C}"/>
+                <a16:creationId xmlns:a16="http://schemas.microsoft.com/office/drawing/2014/main" id="{32A9F643-FF3B-4DFA-8368-F69964FD630C}"/>
               </a:ext>
             </a:extLst>
           </p:cNvPr>
@@ -14661,7 +14600,7 @@
           <p:cNvPr id="8" name="Picture 7">
             <a:extLst>
               <a:ext uri="{FF2B5EF4-FFF2-40B4-BE49-F238E27FC236}">
-                <a16:creationId xmlns:a16="http://schemas.microsoft.com/office/drawing/2014/main" xmlns="" id="{712E0927-DACB-4F79-BF1F-50A65411B0DC}"/>
+                <a16:creationId xmlns:a16="http://schemas.microsoft.com/office/drawing/2014/main" id="{712E0927-DACB-4F79-BF1F-50A65411B0DC}"/>
               </a:ext>
             </a:extLst>
           </p:cNvPr>
@@ -14691,7 +14630,7 @@
           <p:cNvPr id="9" name="TextBox 8">
             <a:extLst>
               <a:ext uri="{FF2B5EF4-FFF2-40B4-BE49-F238E27FC236}">
-                <a16:creationId xmlns:a16="http://schemas.microsoft.com/office/drawing/2014/main" xmlns="" id="{34B9BED0-F47A-4CBF-A0C4-CAA6D004A258}"/>
+                <a16:creationId xmlns:a16="http://schemas.microsoft.com/office/drawing/2014/main" id="{34B9BED0-F47A-4CBF-A0C4-CAA6D004A258}"/>
               </a:ext>
             </a:extLst>
           </p:cNvPr>
@@ -14743,7 +14682,7 @@
           <p:cNvPr id="10" name="TextBox 9">
             <a:extLst>
               <a:ext uri="{FF2B5EF4-FFF2-40B4-BE49-F238E27FC236}">
-                <a16:creationId xmlns:a16="http://schemas.microsoft.com/office/drawing/2014/main" xmlns="" id="{244EF210-1217-4031-8E9B-9EDB1A5A09F0}"/>
+                <a16:creationId xmlns:a16="http://schemas.microsoft.com/office/drawing/2014/main" id="{244EF210-1217-4031-8E9B-9EDB1A5A09F0}"/>
               </a:ext>
             </a:extLst>
           </p:cNvPr>
@@ -14825,7 +14764,7 @@
           <p:cNvPr id="4" name="Slide Number Placeholder 3">
             <a:extLst>
               <a:ext uri="{FF2B5EF4-FFF2-40B4-BE49-F238E27FC236}">
-                <a16:creationId xmlns:a16="http://schemas.microsoft.com/office/drawing/2014/main" xmlns="" id="{76789675-9B78-4C52-8144-29F9411E0540}"/>
+                <a16:creationId xmlns:a16="http://schemas.microsoft.com/office/drawing/2014/main" id="{76789675-9B78-4C52-8144-29F9411E0540}"/>
               </a:ext>
             </a:extLst>
           </p:cNvPr>
@@ -14855,7 +14794,7 @@
           <p:cNvPr id="6" name="Picture 5">
             <a:extLst>
               <a:ext uri="{FF2B5EF4-FFF2-40B4-BE49-F238E27FC236}">
-                <a16:creationId xmlns:a16="http://schemas.microsoft.com/office/drawing/2014/main" xmlns="" id="{4E765069-08EC-40A4-9A37-03832560ED76}"/>
+                <a16:creationId xmlns:a16="http://schemas.microsoft.com/office/drawing/2014/main" id="{4E765069-08EC-40A4-9A37-03832560ED76}"/>
               </a:ext>
             </a:extLst>
           </p:cNvPr>
@@ -14885,7 +14824,7 @@
           <p:cNvPr id="8" name="Picture 7">
             <a:extLst>
               <a:ext uri="{FF2B5EF4-FFF2-40B4-BE49-F238E27FC236}">
-                <a16:creationId xmlns:a16="http://schemas.microsoft.com/office/drawing/2014/main" xmlns="" id="{D75648ED-D30F-4AF2-B843-E5C75828B581}"/>
+                <a16:creationId xmlns:a16="http://schemas.microsoft.com/office/drawing/2014/main" id="{D75648ED-D30F-4AF2-B843-E5C75828B581}"/>
               </a:ext>
             </a:extLst>
           </p:cNvPr>
@@ -14945,7 +14884,7 @@
           <p:cNvPr id="2" name="Title 1">
             <a:extLst>
               <a:ext uri="{FF2B5EF4-FFF2-40B4-BE49-F238E27FC236}">
-                <a16:creationId xmlns:a16="http://schemas.microsoft.com/office/drawing/2014/main" xmlns="" id="{106B149F-839A-40BD-BCF7-76C13376EC53}"/>
+                <a16:creationId xmlns:a16="http://schemas.microsoft.com/office/drawing/2014/main" id="{106B149F-839A-40BD-BCF7-76C13376EC53}"/>
               </a:ext>
             </a:extLst>
           </p:cNvPr>
@@ -14974,7 +14913,7 @@
           <p:cNvPr id="3" name="Content Placeholder 2">
             <a:extLst>
               <a:ext uri="{FF2B5EF4-FFF2-40B4-BE49-F238E27FC236}">
-                <a16:creationId xmlns:a16="http://schemas.microsoft.com/office/drawing/2014/main" xmlns="" id="{B12763A9-2C3B-4E77-93CC-5B613A1C7C0F}"/>
+                <a16:creationId xmlns:a16="http://schemas.microsoft.com/office/drawing/2014/main" id="{B12763A9-2C3B-4E77-93CC-5B613A1C7C0F}"/>
               </a:ext>
             </a:extLst>
           </p:cNvPr>
@@ -15055,7 +14994,7 @@
           <p:cNvPr id="4" name="Slide Number Placeholder 3">
             <a:extLst>
               <a:ext uri="{FF2B5EF4-FFF2-40B4-BE49-F238E27FC236}">
-                <a16:creationId xmlns:a16="http://schemas.microsoft.com/office/drawing/2014/main" xmlns="" id="{C2DEC7B9-07A9-4BD9-8F66-8CEA7C53D3E5}"/>
+                <a16:creationId xmlns:a16="http://schemas.microsoft.com/office/drawing/2014/main" id="{C2DEC7B9-07A9-4BD9-8F66-8CEA7C53D3E5}"/>
               </a:ext>
             </a:extLst>
           </p:cNvPr>
@@ -15115,7 +15054,7 @@
           <p:cNvPr id="2" name="Title 1">
             <a:extLst>
               <a:ext uri="{FF2B5EF4-FFF2-40B4-BE49-F238E27FC236}">
-                <a16:creationId xmlns:a16="http://schemas.microsoft.com/office/drawing/2014/main" xmlns="" id="{1AB38423-BB53-4EE8-9B01-D075ABBCD20D}"/>
+                <a16:creationId xmlns:a16="http://schemas.microsoft.com/office/drawing/2014/main" id="{1AB38423-BB53-4EE8-9B01-D075ABBCD20D}"/>
               </a:ext>
             </a:extLst>
           </p:cNvPr>
@@ -15143,7 +15082,7 @@
           <p:cNvPr id="6" name="Content Placeholder 5">
             <a:extLst>
               <a:ext uri="{FF2B5EF4-FFF2-40B4-BE49-F238E27FC236}">
-                <a16:creationId xmlns:a16="http://schemas.microsoft.com/office/drawing/2014/main" xmlns="" id="{DF115F28-BD16-400E-9855-319AC9F3FAC9}"/>
+                <a16:creationId xmlns:a16="http://schemas.microsoft.com/office/drawing/2014/main" id="{DF115F28-BD16-400E-9855-319AC9F3FAC9}"/>
               </a:ext>
             </a:extLst>
           </p:cNvPr>
@@ -15172,7 +15111,7 @@
           <p:cNvPr id="4" name="Slide Number Placeholder 3">
             <a:extLst>
               <a:ext uri="{FF2B5EF4-FFF2-40B4-BE49-F238E27FC236}">
-                <a16:creationId xmlns:a16="http://schemas.microsoft.com/office/drawing/2014/main" xmlns="" id="{4E33105B-71A3-4BDA-95D0-2577CEA4E448}"/>
+                <a16:creationId xmlns:a16="http://schemas.microsoft.com/office/drawing/2014/main" id="{4E33105B-71A3-4BDA-95D0-2577CEA4E448}"/>
               </a:ext>
             </a:extLst>
           </p:cNvPr>
@@ -15202,7 +15141,7 @@
           <p:cNvPr id="7" name="TextBox 6">
             <a:extLst>
               <a:ext uri="{FF2B5EF4-FFF2-40B4-BE49-F238E27FC236}">
-                <a16:creationId xmlns:a16="http://schemas.microsoft.com/office/drawing/2014/main" xmlns="" id="{7483A66F-54EB-4184-A294-F18C3F2AE557}"/>
+                <a16:creationId xmlns:a16="http://schemas.microsoft.com/office/drawing/2014/main" id="{7483A66F-54EB-4184-A294-F18C3F2AE557}"/>
               </a:ext>
             </a:extLst>
           </p:cNvPr>
@@ -15312,7 +15251,7 @@
           <p:cNvPr id="8" name="Rectangle 7">
             <a:extLst>
               <a:ext uri="{FF2B5EF4-FFF2-40B4-BE49-F238E27FC236}">
-                <a16:creationId xmlns:a16="http://schemas.microsoft.com/office/drawing/2014/main" xmlns="" id="{B7785E06-731C-4473-AACE-09429B81794D}"/>
+                <a16:creationId xmlns:a16="http://schemas.microsoft.com/office/drawing/2014/main" id="{B7785E06-731C-4473-AACE-09429B81794D}"/>
               </a:ext>
             </a:extLst>
           </p:cNvPr>
@@ -15354,7 +15293,7 @@
           <p:cNvPr id="11" name="Content Placeholder 2">
             <a:extLst>
               <a:ext uri="{FF2B5EF4-FFF2-40B4-BE49-F238E27FC236}">
-                <a16:creationId xmlns:a16="http://schemas.microsoft.com/office/drawing/2014/main" xmlns="" id="{A1363DF2-9A24-4066-994F-35421398673F}"/>
+                <a16:creationId xmlns:a16="http://schemas.microsoft.com/office/drawing/2014/main" id="{A1363DF2-9A24-4066-994F-35421398673F}"/>
               </a:ext>
             </a:extLst>
           </p:cNvPr>
@@ -15640,15 +15579,7 @@
             </a:r>
             <a:r>
               <a:rPr lang="es-ES" dirty="0"/>
-              <a:t> de la reacción se relaciona con el </a:t>
-            </a:r>
-            <a:r>
-              <a:rPr lang="es-ES" dirty="0" smtClean="0"/>
-              <a:t>impedimento </a:t>
-            </a:r>
-            <a:r>
-              <a:rPr lang="es-ES" dirty="0"/>
-              <a:t>estérico.</a:t>
+              <a:t> de la reacción se relaciona con el impedimento estérico.</a:t>
             </a:r>
           </a:p>
         </p:txBody>
@@ -15688,7 +15619,7 @@
           <p:cNvPr id="12" name="Picture 11">
             <a:extLst>
               <a:ext uri="{FF2B5EF4-FFF2-40B4-BE49-F238E27FC236}">
-                <a16:creationId xmlns:a16="http://schemas.microsoft.com/office/drawing/2014/main" xmlns="" id="{575171FD-1437-42DA-9E9A-7C01F51EF596}"/>
+                <a16:creationId xmlns:a16="http://schemas.microsoft.com/office/drawing/2014/main" id="{575171FD-1437-42DA-9E9A-7C01F51EF596}"/>
               </a:ext>
             </a:extLst>
           </p:cNvPr>
@@ -15718,7 +15649,7 @@
           <p:cNvPr id="2" name="Title 1">
             <a:extLst>
               <a:ext uri="{FF2B5EF4-FFF2-40B4-BE49-F238E27FC236}">
-                <a16:creationId xmlns:a16="http://schemas.microsoft.com/office/drawing/2014/main" xmlns="" id="{1AB38423-BB53-4EE8-9B01-D075ABBCD20D}"/>
+                <a16:creationId xmlns:a16="http://schemas.microsoft.com/office/drawing/2014/main" id="{1AB38423-BB53-4EE8-9B01-D075ABBCD20D}"/>
               </a:ext>
             </a:extLst>
           </p:cNvPr>
@@ -15746,7 +15677,7 @@
           <p:cNvPr id="4" name="Slide Number Placeholder 3">
             <a:extLst>
               <a:ext uri="{FF2B5EF4-FFF2-40B4-BE49-F238E27FC236}">
-                <a16:creationId xmlns:a16="http://schemas.microsoft.com/office/drawing/2014/main" xmlns="" id="{4E33105B-71A3-4BDA-95D0-2577CEA4E448}"/>
+                <a16:creationId xmlns:a16="http://schemas.microsoft.com/office/drawing/2014/main" id="{4E33105B-71A3-4BDA-95D0-2577CEA4E448}"/>
               </a:ext>
             </a:extLst>
           </p:cNvPr>
@@ -15776,7 +15707,7 @@
           <p:cNvPr id="7" name="TextBox 6">
             <a:extLst>
               <a:ext uri="{FF2B5EF4-FFF2-40B4-BE49-F238E27FC236}">
-                <a16:creationId xmlns:a16="http://schemas.microsoft.com/office/drawing/2014/main" xmlns="" id="{7483A66F-54EB-4184-A294-F18C3F2AE557}"/>
+                <a16:creationId xmlns:a16="http://schemas.microsoft.com/office/drawing/2014/main" id="{7483A66F-54EB-4184-A294-F18C3F2AE557}"/>
               </a:ext>
             </a:extLst>
           </p:cNvPr>
@@ -15840,7 +15771,7 @@
           <p:cNvPr id="8" name="Rectangle 7">
             <a:extLst>
               <a:ext uri="{FF2B5EF4-FFF2-40B4-BE49-F238E27FC236}">
-                <a16:creationId xmlns:a16="http://schemas.microsoft.com/office/drawing/2014/main" xmlns="" id="{B7785E06-731C-4473-AACE-09429B81794D}"/>
+                <a16:creationId xmlns:a16="http://schemas.microsoft.com/office/drawing/2014/main" id="{B7785E06-731C-4473-AACE-09429B81794D}"/>
               </a:ext>
             </a:extLst>
           </p:cNvPr>
@@ -15890,7 +15821,7 @@
           <p:cNvPr id="11" name="Content Placeholder 2">
             <a:extLst>
               <a:ext uri="{FF2B5EF4-FFF2-40B4-BE49-F238E27FC236}">
-                <a16:creationId xmlns:a16="http://schemas.microsoft.com/office/drawing/2014/main" xmlns="" id="{A1363DF2-9A24-4066-994F-35421398673F}"/>
+                <a16:creationId xmlns:a16="http://schemas.microsoft.com/office/drawing/2014/main" id="{A1363DF2-9A24-4066-994F-35421398673F}"/>
               </a:ext>
             </a:extLst>
           </p:cNvPr>
@@ -16189,7 +16120,7 @@
           <p:cNvPr id="2" name="Title 1">
             <a:extLst>
               <a:ext uri="{FF2B5EF4-FFF2-40B4-BE49-F238E27FC236}">
-                <a16:creationId xmlns:a16="http://schemas.microsoft.com/office/drawing/2014/main" xmlns="" id="{2A1CC3FA-D5DC-446B-9A29-58EC451BC22A}"/>
+                <a16:creationId xmlns:a16="http://schemas.microsoft.com/office/drawing/2014/main" id="{2A1CC3FA-D5DC-446B-9A29-58EC451BC22A}"/>
               </a:ext>
             </a:extLst>
           </p:cNvPr>
@@ -16226,7 +16157,7 @@
           <p:cNvPr id="5" name="Content Placeholder 4">
             <a:extLst>
               <a:ext uri="{FF2B5EF4-FFF2-40B4-BE49-F238E27FC236}">
-                <a16:creationId xmlns:a16="http://schemas.microsoft.com/office/drawing/2014/main" xmlns="" id="{814A3EC3-8BD9-4AA3-8697-AA5D0EF60BCD}"/>
+                <a16:creationId xmlns:a16="http://schemas.microsoft.com/office/drawing/2014/main" id="{814A3EC3-8BD9-4AA3-8697-AA5D0EF60BCD}"/>
               </a:ext>
             </a:extLst>
           </p:cNvPr>
@@ -16257,7 +16188,7 @@
           <p:cNvPr id="4" name="Slide Number Placeholder 3">
             <a:extLst>
               <a:ext uri="{FF2B5EF4-FFF2-40B4-BE49-F238E27FC236}">
-                <a16:creationId xmlns:a16="http://schemas.microsoft.com/office/drawing/2014/main" xmlns="" id="{72971BDC-184D-445A-A5B9-8A4CA473425C}"/>
+                <a16:creationId xmlns:a16="http://schemas.microsoft.com/office/drawing/2014/main" id="{72971BDC-184D-445A-A5B9-8A4CA473425C}"/>
               </a:ext>
             </a:extLst>
           </p:cNvPr>
@@ -16317,7 +16248,7 @@
           <p:cNvPr id="2" name="Title 1">
             <a:extLst>
               <a:ext uri="{FF2B5EF4-FFF2-40B4-BE49-F238E27FC236}">
-                <a16:creationId xmlns:a16="http://schemas.microsoft.com/office/drawing/2014/main" xmlns="" id="{3EFD2825-5C33-4041-BFF5-09BC1152EDE1}"/>
+                <a16:creationId xmlns:a16="http://schemas.microsoft.com/office/drawing/2014/main" id="{3EFD2825-5C33-4041-BFF5-09BC1152EDE1}"/>
               </a:ext>
             </a:extLst>
           </p:cNvPr>
@@ -16354,7 +16285,7 @@
           <p:cNvPr id="3" name="Content Placeholder 2">
             <a:extLst>
               <a:ext uri="{FF2B5EF4-FFF2-40B4-BE49-F238E27FC236}">
-                <a16:creationId xmlns:a16="http://schemas.microsoft.com/office/drawing/2014/main" xmlns="" id="{42C0AA34-F2C3-4722-8A9C-BB88B5CB5698}"/>
+                <a16:creationId xmlns:a16="http://schemas.microsoft.com/office/drawing/2014/main" id="{42C0AA34-F2C3-4722-8A9C-BB88B5CB5698}"/>
               </a:ext>
             </a:extLst>
           </p:cNvPr>
@@ -16378,16 +16309,12 @@
           <a:lstStyle/>
           <a:p>
             <a:r>
-              <a:rPr lang="en-US" dirty="0" err="1" smtClean="0"/>
+              <a:rPr lang="en-US" dirty="0" err="1"/>
               <a:t>Recuperación</a:t>
             </a:r>
             <a:r>
-              <a:rPr lang="en-US" dirty="0" smtClean="0"/>
-              <a:t> </a:t>
-            </a:r>
-            <a:r>
               <a:rPr lang="en-US" dirty="0"/>
-              <a:t>de 20.3 %.</a:t>
+              <a:t> de 20.3 %.</a:t>
             </a:r>
           </a:p>
           <a:p>
@@ -16419,7 +16346,7 @@
           <p:cNvPr id="4" name="Slide Number Placeholder 3">
             <a:extLst>
               <a:ext uri="{FF2B5EF4-FFF2-40B4-BE49-F238E27FC236}">
-                <a16:creationId xmlns:a16="http://schemas.microsoft.com/office/drawing/2014/main" xmlns="" id="{B02906C4-3FA7-45DF-8AEC-81991297F699}"/>
+                <a16:creationId xmlns:a16="http://schemas.microsoft.com/office/drawing/2014/main" id="{B02906C4-3FA7-45DF-8AEC-81991297F699}"/>
               </a:ext>
             </a:extLst>
           </p:cNvPr>
@@ -16449,7 +16376,7 @@
           <p:cNvPr id="7" name="Group 6">
             <a:extLst>
               <a:ext uri="{FF2B5EF4-FFF2-40B4-BE49-F238E27FC236}">
-                <a16:creationId xmlns:a16="http://schemas.microsoft.com/office/drawing/2014/main" xmlns="" id="{9FD25BF3-DA17-460F-88A4-E7F1FE18A162}"/>
+                <a16:creationId xmlns:a16="http://schemas.microsoft.com/office/drawing/2014/main" id="{9FD25BF3-DA17-460F-88A4-E7F1FE18A162}"/>
               </a:ext>
             </a:extLst>
           </p:cNvPr>
@@ -16471,7 +16398,7 @@
                 <p:cNvPr id="5" name="TextBox 4">
                   <a:extLst>
                     <a:ext uri="{FF2B5EF4-FFF2-40B4-BE49-F238E27FC236}">
-                      <a16:creationId xmlns:a16="http://schemas.microsoft.com/office/drawing/2014/main" xmlns="" id="{254D76D1-AF70-4500-BCEA-3CC883FE4BA4}"/>
+                      <a16:creationId xmlns:a16="http://schemas.microsoft.com/office/drawing/2014/main" id="{254D76D1-AF70-4500-BCEA-3CC883FE4BA4}"/>
                     </a:ext>
                   </a:extLst>
                 </p:cNvPr>
@@ -16844,7 +16771,7 @@
                 <p:cNvPr id="6" name="TextBox 5">
                   <a:extLst>
                     <a:ext uri="{FF2B5EF4-FFF2-40B4-BE49-F238E27FC236}">
-                      <a16:creationId xmlns:a16="http://schemas.microsoft.com/office/drawing/2014/main" xmlns="" id="{05D98682-CF97-4DC5-9D39-7809C46C618A}"/>
+                      <a16:creationId xmlns:a16="http://schemas.microsoft.com/office/drawing/2014/main" id="{05D98682-CF97-4DC5-9D39-7809C46C618A}"/>
                     </a:ext>
                   </a:extLst>
                 </p:cNvPr>
@@ -17169,14 +17096,14 @@
           </mc:Fallback>
         </mc:AlternateContent>
       </p:grpSp>
-      <mc:AlternateContent xmlns:mc="http://schemas.openxmlformats.org/markup-compatibility/2006">
-        <mc:Choice xmlns:a14="http://schemas.microsoft.com/office/drawing/2010/main" Requires="a14">
+      <mc:AlternateContent xmlns:mc="http://schemas.openxmlformats.org/markup-compatibility/2006" xmlns:a14="http://schemas.microsoft.com/office/drawing/2010/main">
+        <mc:Choice Requires="a14">
           <p:graphicFrame>
             <p:nvGraphicFramePr>
               <p:cNvPr id="8" name="Table 7">
                 <a:extLst>
                   <a:ext uri="{FF2B5EF4-FFF2-40B4-BE49-F238E27FC236}">
-                    <a16:creationId xmlns:a16="http://schemas.microsoft.com/office/drawing/2014/main" xmlns="" id="{ED640222-77D3-4CD5-8DED-2E50C1BF7671}"/>
+                    <a16:creationId xmlns:a16="http://schemas.microsoft.com/office/drawing/2014/main" id="{ED640222-77D3-4CD5-8DED-2E50C1BF7671}"/>
                   </a:ext>
                 </a:extLst>
               </p:cNvPr>
@@ -17205,35 +17132,35 @@
                     <a:gridCol w="1532255">
                       <a:extLst>
                         <a:ext uri="{9D8B030D-6E8A-4147-A177-3AD203B41FA5}">
-                          <a16:colId xmlns:a16="http://schemas.microsoft.com/office/drawing/2014/main" xmlns="" val="1932548680"/>
+                          <a16:colId xmlns:a16="http://schemas.microsoft.com/office/drawing/2014/main" val="1932548680"/>
                         </a:ext>
                       </a:extLst>
                     </a:gridCol>
                     <a:gridCol w="452291">
                       <a:extLst>
                         <a:ext uri="{9D8B030D-6E8A-4147-A177-3AD203B41FA5}">
-                          <a16:colId xmlns:a16="http://schemas.microsoft.com/office/drawing/2014/main" xmlns="" val="974605646"/>
+                          <a16:colId xmlns:a16="http://schemas.microsoft.com/office/drawing/2014/main" val="974605646"/>
                         </a:ext>
                       </a:extLst>
                     </a:gridCol>
                     <a:gridCol w="690880">
                       <a:extLst>
                         <a:ext uri="{9D8B030D-6E8A-4147-A177-3AD203B41FA5}">
-                          <a16:colId xmlns:a16="http://schemas.microsoft.com/office/drawing/2014/main" xmlns="" val="2723256158"/>
+                          <a16:colId xmlns:a16="http://schemas.microsoft.com/office/drawing/2014/main" val="2723256158"/>
                         </a:ext>
                       </a:extLst>
                     </a:gridCol>
                     <a:gridCol w="1011635">
                       <a:extLst>
                         <a:ext uri="{9D8B030D-6E8A-4147-A177-3AD203B41FA5}">
-                          <a16:colId xmlns:a16="http://schemas.microsoft.com/office/drawing/2014/main" xmlns="" val="86690558"/>
+                          <a16:colId xmlns:a16="http://schemas.microsoft.com/office/drawing/2014/main" val="86690558"/>
                         </a:ext>
                       </a:extLst>
                     </a:gridCol>
                     <a:gridCol w="1373672">
                       <a:extLst>
                         <a:ext uri="{9D8B030D-6E8A-4147-A177-3AD203B41FA5}">
-                          <a16:colId xmlns:a16="http://schemas.microsoft.com/office/drawing/2014/main" xmlns="" val="3399186977"/>
+                          <a16:colId xmlns:a16="http://schemas.microsoft.com/office/drawing/2014/main" val="3399186977"/>
                         </a:ext>
                       </a:extLst>
                     </a:gridCol>
@@ -17497,7 +17424,7 @@
                     </a:tc>
                     <a:extLst>
                       <a:ext uri="{0D108BD9-81ED-4DB2-BD59-A6C34878D82A}">
-                        <a16:rowId xmlns:a16="http://schemas.microsoft.com/office/drawing/2014/main" xmlns="" val="2345776386"/>
+                        <a16:rowId xmlns:a16="http://schemas.microsoft.com/office/drawing/2014/main" val="2345776386"/>
                       </a:ext>
                     </a:extLst>
                   </a:tr>
@@ -17579,7 +17506,7 @@
                     </a:tc>
                     <a:extLst>
                       <a:ext uri="{0D108BD9-81ED-4DB2-BD59-A6C34878D82A}">
-                        <a16:rowId xmlns:a16="http://schemas.microsoft.com/office/drawing/2014/main" xmlns="" val="235995012"/>
+                        <a16:rowId xmlns:a16="http://schemas.microsoft.com/office/drawing/2014/main" val="235995012"/>
                       </a:ext>
                     </a:extLst>
                   </a:tr>
@@ -17681,7 +17608,7 @@
                     </a:tc>
                     <a:extLst>
                       <a:ext uri="{0D108BD9-81ED-4DB2-BD59-A6C34878D82A}">
-                        <a16:rowId xmlns:a16="http://schemas.microsoft.com/office/drawing/2014/main" xmlns="" val="4244662741"/>
+                        <a16:rowId xmlns:a16="http://schemas.microsoft.com/office/drawing/2014/main" val="4244662741"/>
                       </a:ext>
                     </a:extLst>
                   </a:tr>
@@ -17690,7 +17617,7 @@
             </a:graphic>
           </p:graphicFrame>
         </mc:Choice>
-        <mc:Fallback>
+        <mc:Fallback xmlns="">
           <p:graphicFrame>
             <p:nvGraphicFramePr>
               <p:cNvPr id="8" name="Table 7">
@@ -18043,7 +17970,7 @@
           <p:cNvPr id="9" name="TextBox 8">
             <a:extLst>
               <a:ext uri="{FF2B5EF4-FFF2-40B4-BE49-F238E27FC236}">
-                <a16:creationId xmlns:a16="http://schemas.microsoft.com/office/drawing/2014/main" xmlns="" id="{38CCFD7D-32AC-4459-B578-F13EAC31BF1C}"/>
+                <a16:creationId xmlns:a16="http://schemas.microsoft.com/office/drawing/2014/main" id="{38CCFD7D-32AC-4459-B578-F13EAC31BF1C}"/>
               </a:ext>
             </a:extLst>
           </p:cNvPr>
@@ -18107,7 +18034,7 @@
           <p:cNvPr id="16" name="Group 15">
             <a:extLst>
               <a:ext uri="{FF2B5EF4-FFF2-40B4-BE49-F238E27FC236}">
-                <a16:creationId xmlns:a16="http://schemas.microsoft.com/office/drawing/2014/main" xmlns="" id="{C591F68E-FB4F-4442-87A4-46057645CCC9}"/>
+                <a16:creationId xmlns:a16="http://schemas.microsoft.com/office/drawing/2014/main" id="{C591F68E-FB4F-4442-87A4-46057645CCC9}"/>
               </a:ext>
             </a:extLst>
           </p:cNvPr>
@@ -18127,7 +18054,7 @@
             <p:cNvPr id="14" name="Group 13">
               <a:extLst>
                 <a:ext uri="{FF2B5EF4-FFF2-40B4-BE49-F238E27FC236}">
-                  <a16:creationId xmlns:a16="http://schemas.microsoft.com/office/drawing/2014/main" xmlns="" id="{123042C7-1707-44BE-99E5-179743CF71A0}"/>
+                  <a16:creationId xmlns:a16="http://schemas.microsoft.com/office/drawing/2014/main" id="{123042C7-1707-44BE-99E5-179743CF71A0}"/>
                 </a:ext>
               </a:extLst>
             </p:cNvPr>
@@ -18147,7 +18074,7 @@
               <p:cNvPr id="11" name="Picture 10">
                 <a:extLst>
                   <a:ext uri="{FF2B5EF4-FFF2-40B4-BE49-F238E27FC236}">
-                    <a16:creationId xmlns:a16="http://schemas.microsoft.com/office/drawing/2014/main" xmlns="" id="{045A6351-E614-463F-AF33-A2FA69E21CAF}"/>
+                    <a16:creationId xmlns:a16="http://schemas.microsoft.com/office/drawing/2014/main" id="{045A6351-E614-463F-AF33-A2FA69E21CAF}"/>
                   </a:ext>
                 </a:extLst>
               </p:cNvPr>
@@ -18177,7 +18104,7 @@
               <p:cNvPr id="13" name="Picture 12">
                 <a:extLst>
                   <a:ext uri="{FF2B5EF4-FFF2-40B4-BE49-F238E27FC236}">
-                    <a16:creationId xmlns:a16="http://schemas.microsoft.com/office/drawing/2014/main" xmlns="" id="{735DF972-9B9D-4C72-930D-80AE30356180}"/>
+                    <a16:creationId xmlns:a16="http://schemas.microsoft.com/office/drawing/2014/main" id="{735DF972-9B9D-4C72-930D-80AE30356180}"/>
                   </a:ext>
                 </a:extLst>
               </p:cNvPr>
@@ -18208,7 +18135,7 @@
             <p:cNvPr id="15" name="TextBox 14">
               <a:extLst>
                 <a:ext uri="{FF2B5EF4-FFF2-40B4-BE49-F238E27FC236}">
-                  <a16:creationId xmlns:a16="http://schemas.microsoft.com/office/drawing/2014/main" xmlns="" id="{6C88A965-AE26-43D9-B25D-CA82005C8CC4}"/>
+                  <a16:creationId xmlns:a16="http://schemas.microsoft.com/office/drawing/2014/main" id="{6C88A965-AE26-43D9-B25D-CA82005C8CC4}"/>
                 </a:ext>
               </a:extLst>
             </p:cNvPr>
@@ -18245,7 +18172,7 @@
           <p:cNvPr id="17" name="TextBox 16">
             <a:extLst>
               <a:ext uri="{FF2B5EF4-FFF2-40B4-BE49-F238E27FC236}">
-                <a16:creationId xmlns:a16="http://schemas.microsoft.com/office/drawing/2014/main" xmlns="" id="{778DD820-FC05-488C-B1FF-A8788EF0C4E2}"/>
+                <a16:creationId xmlns:a16="http://schemas.microsoft.com/office/drawing/2014/main" id="{778DD820-FC05-488C-B1FF-A8788EF0C4E2}"/>
               </a:ext>
             </a:extLst>
           </p:cNvPr>
@@ -18342,7 +18269,7 @@
           <p:cNvPr id="2" name="Title 1">
             <a:extLst>
               <a:ext uri="{FF2B5EF4-FFF2-40B4-BE49-F238E27FC236}">
-                <a16:creationId xmlns:a16="http://schemas.microsoft.com/office/drawing/2014/main" xmlns="" id="{779E37A4-8999-4E18-9594-C2027FEBAAE0}"/>
+                <a16:creationId xmlns:a16="http://schemas.microsoft.com/office/drawing/2014/main" id="{779E37A4-8999-4E18-9594-C2027FEBAAE0}"/>
               </a:ext>
             </a:extLst>
           </p:cNvPr>
@@ -18379,7 +18306,7 @@
           <p:cNvPr id="6" name="Content Placeholder 5">
             <a:extLst>
               <a:ext uri="{FF2B5EF4-FFF2-40B4-BE49-F238E27FC236}">
-                <a16:creationId xmlns:a16="http://schemas.microsoft.com/office/drawing/2014/main" xmlns="" id="{E741BDB1-77C8-44B1-B499-96E5E586A1FE}"/>
+                <a16:creationId xmlns:a16="http://schemas.microsoft.com/office/drawing/2014/main" id="{E741BDB1-77C8-44B1-B499-96E5E586A1FE}"/>
               </a:ext>
             </a:extLst>
           </p:cNvPr>
@@ -18408,7 +18335,7 @@
           <p:cNvPr id="4" name="Slide Number Placeholder 3">
             <a:extLst>
               <a:ext uri="{FF2B5EF4-FFF2-40B4-BE49-F238E27FC236}">
-                <a16:creationId xmlns:a16="http://schemas.microsoft.com/office/drawing/2014/main" xmlns="" id="{A0E22773-995F-438C-B748-812F32E24826}"/>
+                <a16:creationId xmlns:a16="http://schemas.microsoft.com/office/drawing/2014/main" id="{A0E22773-995F-438C-B748-812F32E24826}"/>
               </a:ext>
             </a:extLst>
           </p:cNvPr>
@@ -18438,7 +18365,7 @@
           <p:cNvPr id="9" name="Picture 8">
             <a:extLst>
               <a:ext uri="{FF2B5EF4-FFF2-40B4-BE49-F238E27FC236}">
-                <a16:creationId xmlns:a16="http://schemas.microsoft.com/office/drawing/2014/main" xmlns="" id="{F49ADB09-FD53-4075-9119-25204DD5EDD2}"/>
+                <a16:creationId xmlns:a16="http://schemas.microsoft.com/office/drawing/2014/main" id="{F49ADB09-FD53-4075-9119-25204DD5EDD2}"/>
               </a:ext>
             </a:extLst>
           </p:cNvPr>
@@ -18467,7 +18394,7 @@
           <p:cNvPr id="11" name="Straight Arrow Connector 10">
             <a:extLst>
               <a:ext uri="{FF2B5EF4-FFF2-40B4-BE49-F238E27FC236}">
-                <a16:creationId xmlns:a16="http://schemas.microsoft.com/office/drawing/2014/main" xmlns="" id="{FF58577C-6508-48DF-924B-5EEC51D8A6CB}"/>
+                <a16:creationId xmlns:a16="http://schemas.microsoft.com/office/drawing/2014/main" id="{FF58577C-6508-48DF-924B-5EEC51D8A6CB}"/>
               </a:ext>
             </a:extLst>
           </p:cNvPr>
@@ -18508,7 +18435,7 @@
           <p:cNvPr id="13" name="TextBox 12">
             <a:extLst>
               <a:ext uri="{FF2B5EF4-FFF2-40B4-BE49-F238E27FC236}">
-                <a16:creationId xmlns:a16="http://schemas.microsoft.com/office/drawing/2014/main" xmlns="" id="{FEAA334F-3F25-437A-A836-00C24E770A6E}"/>
+                <a16:creationId xmlns:a16="http://schemas.microsoft.com/office/drawing/2014/main" id="{FEAA334F-3F25-437A-A836-00C24E770A6E}"/>
               </a:ext>
             </a:extLst>
           </p:cNvPr>
@@ -18560,7 +18487,7 @@
           <p:cNvPr id="15" name="TextBox 14">
             <a:extLst>
               <a:ext uri="{FF2B5EF4-FFF2-40B4-BE49-F238E27FC236}">
-                <a16:creationId xmlns:a16="http://schemas.microsoft.com/office/drawing/2014/main" xmlns="" id="{E900257E-432E-4914-BA65-837DBE8A3B50}"/>
+                <a16:creationId xmlns:a16="http://schemas.microsoft.com/office/drawing/2014/main" id="{E900257E-432E-4914-BA65-837DBE8A3B50}"/>
               </a:ext>
             </a:extLst>
           </p:cNvPr>
@@ -18627,7 +18554,7 @@
           <p:cNvPr id="17" name="Straight Arrow Connector 16">
             <a:extLst>
               <a:ext uri="{FF2B5EF4-FFF2-40B4-BE49-F238E27FC236}">
-                <a16:creationId xmlns:a16="http://schemas.microsoft.com/office/drawing/2014/main" xmlns="" id="{92A99E0B-C639-431C-AD07-99093ABF82C1}"/>
+                <a16:creationId xmlns:a16="http://schemas.microsoft.com/office/drawing/2014/main" id="{92A99E0B-C639-431C-AD07-99093ABF82C1}"/>
               </a:ext>
             </a:extLst>
           </p:cNvPr>
@@ -18666,7 +18593,7 @@
           <p:cNvPr id="20" name="Picture 19">
             <a:extLst>
               <a:ext uri="{FF2B5EF4-FFF2-40B4-BE49-F238E27FC236}">
-                <a16:creationId xmlns:a16="http://schemas.microsoft.com/office/drawing/2014/main" xmlns="" id="{4F30579A-66C9-4B4C-B268-1AB5A1014F47}"/>
+                <a16:creationId xmlns:a16="http://schemas.microsoft.com/office/drawing/2014/main" id="{4F30579A-66C9-4B4C-B268-1AB5A1014F47}"/>
               </a:ext>
             </a:extLst>
           </p:cNvPr>
@@ -18696,7 +18623,7 @@
           <p:cNvPr id="21" name="Rectangle 20">
             <a:extLst>
               <a:ext uri="{FF2B5EF4-FFF2-40B4-BE49-F238E27FC236}">
-                <a16:creationId xmlns:a16="http://schemas.microsoft.com/office/drawing/2014/main" xmlns="" id="{B0E90366-77C2-4BAF-855C-BCA4D5AC6671}"/>
+                <a16:creationId xmlns:a16="http://schemas.microsoft.com/office/drawing/2014/main" id="{B0E90366-77C2-4BAF-855C-BCA4D5AC6671}"/>
               </a:ext>
             </a:extLst>
           </p:cNvPr>
@@ -18730,6 +18657,58 @@
               <a:rPr lang="en-US" sz="1200" dirty="0"/>
               <a:t>; John Wiley &amp; Sons, Inc.: Hoboken, NJ, USA, 2010.</a:t>
             </a:r>
+          </a:p>
+        </p:txBody>
+      </p:sp>
+      <p:sp>
+        <p:nvSpPr>
+          <p:cNvPr id="12" name="TextBox 8">
+            <a:extLst>
+              <a:ext uri="{FF2B5EF4-FFF2-40B4-BE49-F238E27FC236}">
+                <a16:creationId xmlns:a16="http://schemas.microsoft.com/office/drawing/2014/main" id="{9375ED0A-6753-4A09-BBC4-C15BEA4FE49B}"/>
+              </a:ext>
+            </a:extLst>
+          </p:cNvPr>
+          <p:cNvSpPr txBox="1"/>
+          <p:nvPr/>
+        </p:nvSpPr>
+        <p:spPr>
+          <a:xfrm>
+            <a:off x="10068000" y="5745690"/>
+            <a:ext cx="1436612" cy="276999"/>
+          </a:xfrm>
+          <a:prstGeom prst="rect">
+            <a:avLst/>
+          </a:prstGeom>
+          <a:noFill/>
+        </p:spPr>
+        <p:txBody>
+          <a:bodyPr wrap="none" rtlCol="0">
+            <a:spAutoFit/>
+          </a:bodyPr>
+          <a:lstStyle/>
+          <a:p>
+            <a:r>
+              <a:rPr lang="en-US" sz="1200" dirty="0">
+                <a:solidFill>
+                  <a:srgbClr val="0070C0"/>
+                </a:solidFill>
+              </a:rPr>
+              <a:t>23.4982 kcal/</a:t>
+            </a:r>
+            <a:r>
+              <a:rPr lang="en-US" sz="1200" dirty="0" err="1">
+                <a:solidFill>
+                  <a:srgbClr val="0070C0"/>
+                </a:solidFill>
+              </a:rPr>
+              <a:t>mol</a:t>
+            </a:r>
+            <a:endParaRPr lang="es-CO" sz="1200" dirty="0">
+              <a:solidFill>
+                <a:srgbClr val="0070C0"/>
+              </a:solidFill>
+            </a:endParaRPr>
           </a:p>
         </p:txBody>
       </p:sp>
@@ -18768,7 +18747,7 @@
           <p:cNvPr id="2" name="Title 1">
             <a:extLst>
               <a:ext uri="{FF2B5EF4-FFF2-40B4-BE49-F238E27FC236}">
-                <a16:creationId xmlns:a16="http://schemas.microsoft.com/office/drawing/2014/main" xmlns="" id="{779E37A4-8999-4E18-9594-C2027FEBAAE0}"/>
+                <a16:creationId xmlns:a16="http://schemas.microsoft.com/office/drawing/2014/main" id="{779E37A4-8999-4E18-9594-C2027FEBAAE0}"/>
               </a:ext>
             </a:extLst>
           </p:cNvPr>
@@ -18805,7 +18784,7 @@
           <p:cNvPr id="6" name="Content Placeholder 5">
             <a:extLst>
               <a:ext uri="{FF2B5EF4-FFF2-40B4-BE49-F238E27FC236}">
-                <a16:creationId xmlns:a16="http://schemas.microsoft.com/office/drawing/2014/main" xmlns="" id="{E741BDB1-77C8-44B1-B499-96E5E586A1FE}"/>
+                <a16:creationId xmlns:a16="http://schemas.microsoft.com/office/drawing/2014/main" id="{E741BDB1-77C8-44B1-B499-96E5E586A1FE}"/>
               </a:ext>
             </a:extLst>
           </p:cNvPr>
@@ -18834,7 +18813,7 @@
           <p:cNvPr id="4" name="Slide Number Placeholder 3">
             <a:extLst>
               <a:ext uri="{FF2B5EF4-FFF2-40B4-BE49-F238E27FC236}">
-                <a16:creationId xmlns:a16="http://schemas.microsoft.com/office/drawing/2014/main" xmlns="" id="{A0E22773-995F-438C-B748-812F32E24826}"/>
+                <a16:creationId xmlns:a16="http://schemas.microsoft.com/office/drawing/2014/main" id="{A0E22773-995F-438C-B748-812F32E24826}"/>
               </a:ext>
             </a:extLst>
           </p:cNvPr>
@@ -18864,7 +18843,7 @@
           <p:cNvPr id="15" name="TextBox 14">
             <a:extLst>
               <a:ext uri="{FF2B5EF4-FFF2-40B4-BE49-F238E27FC236}">
-                <a16:creationId xmlns:a16="http://schemas.microsoft.com/office/drawing/2014/main" xmlns="" id="{E900257E-432E-4914-BA65-837DBE8A3B50}"/>
+                <a16:creationId xmlns:a16="http://schemas.microsoft.com/office/drawing/2014/main" id="{E900257E-432E-4914-BA65-837DBE8A3B50}"/>
               </a:ext>
             </a:extLst>
           </p:cNvPr>
@@ -18931,7 +18910,7 @@
           <p:cNvPr id="10" name="Straight Arrow Connector 9">
             <a:extLst>
               <a:ext uri="{FF2B5EF4-FFF2-40B4-BE49-F238E27FC236}">
-                <a16:creationId xmlns:a16="http://schemas.microsoft.com/office/drawing/2014/main" xmlns="" id="{9D5298D6-EE55-447A-B73C-C442576FC48D}"/>
+                <a16:creationId xmlns:a16="http://schemas.microsoft.com/office/drawing/2014/main" id="{9D5298D6-EE55-447A-B73C-C442576FC48D}"/>
               </a:ext>
             </a:extLst>
           </p:cNvPr>
@@ -18970,7 +18949,7 @@
           <p:cNvPr id="12" name="Picture 11">
             <a:extLst>
               <a:ext uri="{FF2B5EF4-FFF2-40B4-BE49-F238E27FC236}">
-                <a16:creationId xmlns:a16="http://schemas.microsoft.com/office/drawing/2014/main" xmlns="" id="{0EEA450F-DFE6-43FD-AE35-73F51ED9FAF8}"/>
+                <a16:creationId xmlns:a16="http://schemas.microsoft.com/office/drawing/2014/main" id="{0EEA450F-DFE6-43FD-AE35-73F51ED9FAF8}"/>
               </a:ext>
             </a:extLst>
           </p:cNvPr>
@@ -19000,7 +18979,7 @@
           <p:cNvPr id="16" name="Rectangle 15">
             <a:extLst>
               <a:ext uri="{FF2B5EF4-FFF2-40B4-BE49-F238E27FC236}">
-                <a16:creationId xmlns:a16="http://schemas.microsoft.com/office/drawing/2014/main" xmlns="" id="{43A7BCBC-775A-4045-AE8C-8BB3CCA0CCB0}"/>
+                <a16:creationId xmlns:a16="http://schemas.microsoft.com/office/drawing/2014/main" id="{43A7BCBC-775A-4045-AE8C-8BB3CCA0CCB0}"/>
               </a:ext>
             </a:extLst>
           </p:cNvPr>
@@ -19072,7 +19051,7 @@
           <p:cNvPr id="2" name="Title 1">
             <a:extLst>
               <a:ext uri="{FF2B5EF4-FFF2-40B4-BE49-F238E27FC236}">
-                <a16:creationId xmlns:a16="http://schemas.microsoft.com/office/drawing/2014/main" xmlns="" id="{F25B8E26-49D7-43CA-9159-76A91BB78FBA}"/>
+                <a16:creationId xmlns:a16="http://schemas.microsoft.com/office/drawing/2014/main" id="{F25B8E26-49D7-43CA-9159-76A91BB78FBA}"/>
               </a:ext>
             </a:extLst>
           </p:cNvPr>
@@ -19109,7 +19088,7 @@
           <p:cNvPr id="4" name="Slide Number Placeholder 3">
             <a:extLst>
               <a:ext uri="{FF2B5EF4-FFF2-40B4-BE49-F238E27FC236}">
-                <a16:creationId xmlns:a16="http://schemas.microsoft.com/office/drawing/2014/main" xmlns="" id="{BA7E69C3-56CF-45B5-8EB1-5EC4DC4FD7DE}"/>
+                <a16:creationId xmlns:a16="http://schemas.microsoft.com/office/drawing/2014/main" id="{BA7E69C3-56CF-45B5-8EB1-5EC4DC4FD7DE}"/>
               </a:ext>
             </a:extLst>
           </p:cNvPr>
@@ -19139,7 +19118,7 @@
           <p:cNvPr id="9" name="Content Placeholder 8">
             <a:extLst>
               <a:ext uri="{FF2B5EF4-FFF2-40B4-BE49-F238E27FC236}">
-                <a16:creationId xmlns:a16="http://schemas.microsoft.com/office/drawing/2014/main" xmlns="" id="{169AF6C5-D67F-4FF8-9576-8267E6A295B5}"/>
+                <a16:creationId xmlns:a16="http://schemas.microsoft.com/office/drawing/2014/main" id="{169AF6C5-D67F-4FF8-9576-8267E6A295B5}"/>
               </a:ext>
             </a:extLst>
           </p:cNvPr>
@@ -19168,7 +19147,7 @@
           <p:cNvPr id="11" name="Picture 10">
             <a:extLst>
               <a:ext uri="{FF2B5EF4-FFF2-40B4-BE49-F238E27FC236}">
-                <a16:creationId xmlns:a16="http://schemas.microsoft.com/office/drawing/2014/main" xmlns="" id="{4252D167-755F-4094-8CC8-9E14CD061C80}"/>
+                <a16:creationId xmlns:a16="http://schemas.microsoft.com/office/drawing/2014/main" id="{4252D167-755F-4094-8CC8-9E14CD061C80}"/>
               </a:ext>
             </a:extLst>
           </p:cNvPr>
@@ -19198,7 +19177,7 @@
           <p:cNvPr id="13" name="Table 12">
             <a:extLst>
               <a:ext uri="{FF2B5EF4-FFF2-40B4-BE49-F238E27FC236}">
-                <a16:creationId xmlns:a16="http://schemas.microsoft.com/office/drawing/2014/main" xmlns="" id="{39DD120D-4684-49DF-BD90-44A7C09FF317}"/>
+                <a16:creationId xmlns:a16="http://schemas.microsoft.com/office/drawing/2014/main" id="{39DD120D-4684-49DF-BD90-44A7C09FF317}"/>
               </a:ext>
             </a:extLst>
           </p:cNvPr>
@@ -19227,21 +19206,21 @@
                 <a:gridCol w="705168">
                   <a:extLst>
                     <a:ext uri="{9D8B030D-6E8A-4147-A177-3AD203B41FA5}">
-                      <a16:colId xmlns:a16="http://schemas.microsoft.com/office/drawing/2014/main" xmlns="" val="1145553956"/>
+                      <a16:colId xmlns:a16="http://schemas.microsoft.com/office/drawing/2014/main" val="1145553956"/>
                     </a:ext>
                   </a:extLst>
                 </a:gridCol>
                 <a:gridCol w="441643">
                   <a:extLst>
                     <a:ext uri="{9D8B030D-6E8A-4147-A177-3AD203B41FA5}">
-                      <a16:colId xmlns:a16="http://schemas.microsoft.com/office/drawing/2014/main" xmlns="" val="3391349660"/>
+                      <a16:colId xmlns:a16="http://schemas.microsoft.com/office/drawing/2014/main" val="3391349660"/>
                     </a:ext>
                   </a:extLst>
                 </a:gridCol>
                 <a:gridCol w="758433">
                   <a:extLst>
                     <a:ext uri="{9D8B030D-6E8A-4147-A177-3AD203B41FA5}">
-                      <a16:colId xmlns:a16="http://schemas.microsoft.com/office/drawing/2014/main" xmlns="" val="64411816"/>
+                      <a16:colId xmlns:a16="http://schemas.microsoft.com/office/drawing/2014/main" val="64411816"/>
                     </a:ext>
                   </a:extLst>
                 </a:gridCol>
@@ -19291,7 +19270,7 @@
                 </a:tc>
                 <a:extLst>
                   <a:ext uri="{0D108BD9-81ED-4DB2-BD59-A6C34878D82A}">
-                    <a16:rowId xmlns:a16="http://schemas.microsoft.com/office/drawing/2014/main" xmlns="" val="4007312235"/>
+                    <a16:rowId xmlns:a16="http://schemas.microsoft.com/office/drawing/2014/main" val="4007312235"/>
                   </a:ext>
                 </a:extLst>
               </a:tr>
@@ -19340,7 +19319,7 @@
                 </a:tc>
                 <a:extLst>
                   <a:ext uri="{0D108BD9-81ED-4DB2-BD59-A6C34878D82A}">
-                    <a16:rowId xmlns:a16="http://schemas.microsoft.com/office/drawing/2014/main" xmlns="" val="3982069718"/>
+                    <a16:rowId xmlns:a16="http://schemas.microsoft.com/office/drawing/2014/main" val="3982069718"/>
                   </a:ext>
                 </a:extLst>
               </a:tr>
@@ -19389,7 +19368,7 @@
                 </a:tc>
                 <a:extLst>
                   <a:ext uri="{0D108BD9-81ED-4DB2-BD59-A6C34878D82A}">
-                    <a16:rowId xmlns:a16="http://schemas.microsoft.com/office/drawing/2014/main" xmlns="" val="3488197243"/>
+                    <a16:rowId xmlns:a16="http://schemas.microsoft.com/office/drawing/2014/main" val="3488197243"/>
                   </a:ext>
                 </a:extLst>
               </a:tr>
@@ -19438,7 +19417,7 @@
                 </a:tc>
                 <a:extLst>
                   <a:ext uri="{0D108BD9-81ED-4DB2-BD59-A6C34878D82A}">
-                    <a16:rowId xmlns:a16="http://schemas.microsoft.com/office/drawing/2014/main" xmlns="" val="2124202204"/>
+                    <a16:rowId xmlns:a16="http://schemas.microsoft.com/office/drawing/2014/main" val="2124202204"/>
                   </a:ext>
                 </a:extLst>
               </a:tr>
@@ -19487,7 +19466,7 @@
                 </a:tc>
                 <a:extLst>
                   <a:ext uri="{0D108BD9-81ED-4DB2-BD59-A6C34878D82A}">
-                    <a16:rowId xmlns:a16="http://schemas.microsoft.com/office/drawing/2014/main" xmlns="" val="4145487885"/>
+                    <a16:rowId xmlns:a16="http://schemas.microsoft.com/office/drawing/2014/main" val="4145487885"/>
                   </a:ext>
                 </a:extLst>
               </a:tr>
@@ -19500,7 +19479,7 @@
           <p:cNvPr id="14" name="Rectangle 13">
             <a:extLst>
               <a:ext uri="{FF2B5EF4-FFF2-40B4-BE49-F238E27FC236}">
-                <a16:creationId xmlns:a16="http://schemas.microsoft.com/office/drawing/2014/main" xmlns="" id="{2D4E5217-833A-4136-B2F6-585024557421}"/>
+                <a16:creationId xmlns:a16="http://schemas.microsoft.com/office/drawing/2014/main" id="{2D4E5217-833A-4136-B2F6-585024557421}"/>
               </a:ext>
             </a:extLst>
           </p:cNvPr>
